--- a/cansat_debug.pptx
+++ b/cansat_debug.pptx
@@ -5,27 +5,26 @@
     <p:sldMasterId id="2147484567" r:id="rId4"/>
   </p:sldMasterIdLst>
   <p:notesMasterIdLst>
-    <p:notesMasterId r:id="rId20"/>
+    <p:notesMasterId r:id="rId19"/>
   </p:notesMasterIdLst>
   <p:handoutMasterIdLst>
-    <p:handoutMasterId r:id="rId21"/>
+    <p:handoutMasterId r:id="rId20"/>
   </p:handoutMasterIdLst>
   <p:sldIdLst>
     <p:sldId id="256" r:id="rId5"/>
     <p:sldId id="257" r:id="rId6"/>
     <p:sldId id="259" r:id="rId7"/>
-    <p:sldId id="273" r:id="rId8"/>
-    <p:sldId id="260" r:id="rId9"/>
+    <p:sldId id="260" r:id="rId8"/>
+    <p:sldId id="273" r:id="rId9"/>
     <p:sldId id="258" r:id="rId10"/>
     <p:sldId id="262" r:id="rId11"/>
     <p:sldId id="261" r:id="rId12"/>
-    <p:sldId id="269" r:id="rId13"/>
-    <p:sldId id="274" r:id="rId14"/>
-    <p:sldId id="263" r:id="rId15"/>
-    <p:sldId id="265" r:id="rId16"/>
-    <p:sldId id="270" r:id="rId17"/>
-    <p:sldId id="268" r:id="rId18"/>
-    <p:sldId id="275" r:id="rId19"/>
+    <p:sldId id="274" r:id="rId13"/>
+    <p:sldId id="263" r:id="rId14"/>
+    <p:sldId id="265" r:id="rId15"/>
+    <p:sldId id="270" r:id="rId16"/>
+    <p:sldId id="268" r:id="rId17"/>
+    <p:sldId id="275" r:id="rId18"/>
   </p:sldIdLst>
   <p:sldSz cx="12192000" cy="6858000"/>
   <p:notesSz cx="7010400" cy="9296400"/>
@@ -844,7 +843,7 @@
                 <a:latin typeface="Arial" panose="020B0604020202020204" pitchFamily="34" charset="0"/>
                 <a:cs typeface="Arial" panose="020B0604020202020204" pitchFamily="34" charset="0"/>
               </a:rPr>
-              <a:t>1/1/25</a:t>
+              <a:t>1/2/25</a:t>
             </a:fld>
             <a:endParaRPr lang="en-US">
               <a:latin typeface="Arial" panose="020B0604020202020204" pitchFamily="34" charset="0"/>
@@ -1075,7 +1074,7 @@
               <a:pPr>
                 <a:defRPr/>
               </a:pPr>
-              <a:t>1/1/25</a:t>
+              <a:t>1/2/25</a:t>
             </a:fld>
             <a:endParaRPr lang="en-US"/>
           </a:p>
@@ -1701,7 +1700,7 @@
               <a:pPr>
                 <a:defRPr/>
               </a:pPr>
-              <a:t>5</a:t>
+              <a:t>4</a:t>
             </a:fld>
             <a:endParaRPr lang="en-US" dirty="0"/>
           </a:p>
@@ -1881,7 +1880,7 @@
               <a:pPr>
                 <a:defRPr/>
               </a:pPr>
-              <a:t>10</a:t>
+              <a:t>9</a:t>
             </a:fld>
             <a:endParaRPr lang="en-US" dirty="0"/>
           </a:p>
@@ -1995,7 +1994,7 @@
               <a:pPr>
                 <a:defRPr/>
               </a:pPr>
-              <a:t>15</a:t>
+              <a:t>14</a:t>
             </a:fld>
             <a:endParaRPr lang="en-US" dirty="0"/>
           </a:p>
@@ -38066,161 +38065,6 @@
 </file>
 
 <file path=ppt/slides/slide10.xml><?xml version="1.0" encoding="utf-8"?>
-<p:sld xmlns:a="http://schemas.openxmlformats.org/drawingml/2006/main" xmlns:r="http://schemas.openxmlformats.org/officeDocument/2006/relationships" xmlns:p="http://schemas.openxmlformats.org/presentationml/2006/main">
-  <p:cSld>
-    <p:spTree>
-      <p:nvGrpSpPr>
-        <p:cNvPr id="1" name=""/>
-        <p:cNvGrpSpPr/>
-        <p:nvPr/>
-      </p:nvGrpSpPr>
-      <p:grpSpPr>
-        <a:xfrm>
-          <a:off x="0" y="0"/>
-          <a:ext cx="0" cy="0"/>
-          <a:chOff x="0" y="0"/>
-          <a:chExt cx="0" cy="0"/>
-        </a:xfrm>
-      </p:grpSpPr>
-      <p:sp>
-        <p:nvSpPr>
-          <p:cNvPr id="6" name="Title 5">
-            <a:extLst>
-              <a:ext uri="{FF2B5EF4-FFF2-40B4-BE49-F238E27FC236}">
-                <a16:creationId xmlns:a16="http://schemas.microsoft.com/office/drawing/2014/main" id="{26822C52-5082-54B5-E975-F9C0BEBF9EF9}"/>
-              </a:ext>
-            </a:extLst>
-          </p:cNvPr>
-          <p:cNvSpPr>
-            <a:spLocks noGrp="1"/>
-          </p:cNvSpPr>
-          <p:nvPr>
-            <p:ph type="title"/>
-          </p:nvPr>
-        </p:nvSpPr>
-        <p:spPr/>
-        <p:txBody>
-          <a:bodyPr/>
-          <a:lstStyle/>
-          <a:p>
-            <a:r>
-              <a:rPr lang="en-HU" dirty="0"/>
-              <a:t>Példák</a:t>
-            </a:r>
-          </a:p>
-        </p:txBody>
-      </p:sp>
-      <p:sp>
-        <p:nvSpPr>
-          <p:cNvPr id="7" name="Text Placeholder 6">
-            <a:extLst>
-              <a:ext uri="{FF2B5EF4-FFF2-40B4-BE49-F238E27FC236}">
-                <a16:creationId xmlns:a16="http://schemas.microsoft.com/office/drawing/2014/main" id="{2671A1BD-84CA-95B4-0BF3-3BA5983C31C1}"/>
-              </a:ext>
-            </a:extLst>
-          </p:cNvPr>
-          <p:cNvSpPr>
-            <a:spLocks noGrp="1"/>
-          </p:cNvSpPr>
-          <p:nvPr>
-            <p:ph type="body" sz="quarter" idx="10"/>
-          </p:nvPr>
-        </p:nvSpPr>
-        <p:spPr/>
-        <p:txBody>
-          <a:bodyPr/>
-          <a:lstStyle/>
-          <a:p>
-            <a:endParaRPr lang="en-HU"/>
-          </a:p>
-        </p:txBody>
-      </p:sp>
-      <p:sp>
-        <p:nvSpPr>
-          <p:cNvPr id="4" name="Slide Number Placeholder 3">
-            <a:extLst>
-              <a:ext uri="{FF2B5EF4-FFF2-40B4-BE49-F238E27FC236}">
-                <a16:creationId xmlns:a16="http://schemas.microsoft.com/office/drawing/2014/main" id="{9036D611-97E0-B50E-C98A-DDEA372F7831}"/>
-              </a:ext>
-            </a:extLst>
-          </p:cNvPr>
-          <p:cNvSpPr>
-            <a:spLocks noGrp="1"/>
-          </p:cNvSpPr>
-          <p:nvPr>
-            <p:ph type="sldNum" sz="quarter" idx="4294967295"/>
-          </p:nvPr>
-        </p:nvSpPr>
-        <p:spPr>
-          <a:xfrm>
-            <a:off x="0" y="6456363"/>
-            <a:ext cx="187325" cy="365125"/>
-          </a:xfrm>
-        </p:spPr>
-        <p:txBody>
-          <a:bodyPr/>
-          <a:lstStyle/>
-          <a:p>
-            <a:fld id="{29A7BD92-6AE5-CF43-B276-274952F2BFB4}" type="slidenum">
-              <a:rPr lang="en-US" smtClean="0"/>
-              <a:pPr/>
-              <a:t>10</a:t>
-            </a:fld>
-            <a:endParaRPr lang="en-US" dirty="0"/>
-          </a:p>
-        </p:txBody>
-      </p:sp>
-      <p:sp>
-        <p:nvSpPr>
-          <p:cNvPr id="5" name="Footer Placeholder 4">
-            <a:extLst>
-              <a:ext uri="{FF2B5EF4-FFF2-40B4-BE49-F238E27FC236}">
-                <a16:creationId xmlns:a16="http://schemas.microsoft.com/office/drawing/2014/main" id="{19AB8519-BAA8-785D-03DD-2BAFD61B6845}"/>
-              </a:ext>
-            </a:extLst>
-          </p:cNvPr>
-          <p:cNvSpPr>
-            <a:spLocks noGrp="1"/>
-          </p:cNvSpPr>
-          <p:nvPr>
-            <p:ph type="ftr" sz="quarter" idx="4294967295"/>
-          </p:nvPr>
-        </p:nvSpPr>
-        <p:spPr>
-          <a:xfrm>
-            <a:off x="0" y="6456363"/>
-            <a:ext cx="8440738" cy="365125"/>
-          </a:xfrm>
-        </p:spPr>
-        <p:txBody>
-          <a:bodyPr/>
-          <a:lstStyle/>
-          <a:p>
-            <a:r>
-              <a:rPr lang="en-US"/>
-              <a:t>©2022 Silicon Laboratories Inc. All rights reserved.</a:t>
-            </a:r>
-            <a:endParaRPr lang="en-US" dirty="0"/>
-          </a:p>
-        </p:txBody>
-      </p:sp>
-    </p:spTree>
-    <p:extLst>
-      <p:ext uri="{BB962C8B-B14F-4D97-AF65-F5344CB8AC3E}">
-        <p14:creationId xmlns:p14="http://schemas.microsoft.com/office/powerpoint/2010/main" val="1469666698"/>
-      </p:ext>
-    </p:extLst>
-  </p:cSld>
-  <p:clrMapOvr>
-    <a:masterClrMapping/>
-  </p:clrMapOvr>
-  <p:transition spd="med">
-    <p:wipe/>
-  </p:transition>
-</p:sld>
-</file>
-
-<file path=ppt/slides/slide11.xml><?xml version="1.0" encoding="utf-8"?>
 <p:sld xmlns:a="http://schemas.openxmlformats.org/drawingml/2006/main" xmlns:r="http://schemas.openxmlformats.org/officeDocument/2006/relationships" xmlns:p="http://schemas.openxmlformats.org/presentationml/2006/main" show="0">
   <p:cSld>
     <p:spTree>
@@ -38322,7 +38166,7 @@
             <a:fld id="{29A7BD92-6AE5-CF43-B276-274952F2BFB4}" type="slidenum">
               <a:rPr lang="en-US" smtClean="0"/>
               <a:pPr/>
-              <a:t>11</a:t>
+              <a:t>10</a:t>
             </a:fld>
             <a:endParaRPr lang="en-US" dirty="0"/>
           </a:p>
@@ -38373,7 +38217,7 @@
 </p:sld>
 </file>
 
-<file path=ppt/slides/slide12.xml><?xml version="1.0" encoding="utf-8"?>
+<file path=ppt/slides/slide11.xml><?xml version="1.0" encoding="utf-8"?>
 <p:sld xmlns:a="http://schemas.openxmlformats.org/drawingml/2006/main" xmlns:r="http://schemas.openxmlformats.org/officeDocument/2006/relationships" xmlns:p="http://schemas.openxmlformats.org/presentationml/2006/main" show="0">
   <p:cSld>
     <p:spTree>
@@ -38480,7 +38324,7 @@
             <a:fld id="{29A7BD92-6AE5-CF43-B276-274952F2BFB4}" type="slidenum">
               <a:rPr lang="en-US" smtClean="0"/>
               <a:pPr/>
-              <a:t>12</a:t>
+              <a:t>11</a:t>
             </a:fld>
             <a:endParaRPr lang="en-US" dirty="0"/>
           </a:p>
@@ -38531,7 +38375,7 @@
 </p:sld>
 </file>
 
-<file path=ppt/slides/slide13.xml><?xml version="1.0" encoding="utf-8"?>
+<file path=ppt/slides/slide12.xml><?xml version="1.0" encoding="utf-8"?>
 <p:sld xmlns:a="http://schemas.openxmlformats.org/drawingml/2006/main" xmlns:r="http://schemas.openxmlformats.org/officeDocument/2006/relationships" xmlns:p="http://schemas.openxmlformats.org/presentationml/2006/main" show="0">
   <p:cSld>
     <p:spTree>
@@ -38638,7 +38482,7 @@
             <a:fld id="{29A7BD92-6AE5-CF43-B276-274952F2BFB4}" type="slidenum">
               <a:rPr lang="en-US" smtClean="0"/>
               <a:pPr/>
-              <a:t>13</a:t>
+              <a:t>12</a:t>
             </a:fld>
             <a:endParaRPr lang="en-US" dirty="0"/>
           </a:p>
@@ -38689,7 +38533,7 @@
 </p:sld>
 </file>
 
-<file path=ppt/slides/slide14.xml><?xml version="1.0" encoding="utf-8"?>
+<file path=ppt/slides/slide13.xml><?xml version="1.0" encoding="utf-8"?>
 <p:sld xmlns:a="http://schemas.openxmlformats.org/drawingml/2006/main" xmlns:r="http://schemas.openxmlformats.org/officeDocument/2006/relationships" xmlns:p="http://schemas.openxmlformats.org/presentationml/2006/main" show="0">
   <p:cSld>
     <p:spTree>
@@ -38796,7 +38640,7 @@
             <a:fld id="{29A7BD92-6AE5-CF43-B276-274952F2BFB4}" type="slidenum">
               <a:rPr lang="en-US" smtClean="0"/>
               <a:pPr/>
-              <a:t>14</a:t>
+              <a:t>13</a:t>
             </a:fld>
             <a:endParaRPr lang="en-US" dirty="0"/>
           </a:p>
@@ -38847,7 +38691,7 @@
 </p:sld>
 </file>
 
-<file path=ppt/slides/slide15.xml><?xml version="1.0" encoding="utf-8"?>
+<file path=ppt/slides/slide14.xml><?xml version="1.0" encoding="utf-8"?>
 <p:sld xmlns:a="http://schemas.openxmlformats.org/drawingml/2006/main" xmlns:r="http://schemas.openxmlformats.org/officeDocument/2006/relationships" xmlns:p="http://schemas.openxmlformats.org/presentationml/2006/main">
   <p:cSld>
     <p:spTree>
@@ -38916,7 +38760,53 @@
           <a:bodyPr/>
           <a:lstStyle/>
           <a:p>
-            <a:endParaRPr lang="en-HU"/>
+            <a:pPr marL="0" indent="0">
+              <a:buNone/>
+            </a:pPr>
+            <a:r>
+              <a:rPr lang="en-GB" dirty="0" err="1"/>
+              <a:t>Forráskódok</a:t>
+            </a:r>
+            <a:r>
+              <a:rPr lang="en-GB" dirty="0"/>
+              <a:t> </a:t>
+            </a:r>
+            <a:r>
+              <a:rPr lang="en-GB" dirty="0" err="1"/>
+              <a:t>és</a:t>
+            </a:r>
+            <a:r>
+              <a:rPr lang="en-GB" dirty="0"/>
+              <a:t> </a:t>
+            </a:r>
+            <a:r>
+              <a:rPr lang="en-GB" dirty="0" err="1"/>
+              <a:t>prezentáció</a:t>
+            </a:r>
+            <a:r>
+              <a:rPr lang="en-GB" dirty="0"/>
+              <a:t> </a:t>
+            </a:r>
+            <a:r>
+              <a:rPr lang="en-GB" dirty="0" err="1"/>
+              <a:t>letölthető</a:t>
+            </a:r>
+            <a:r>
+              <a:rPr lang="en-GB" dirty="0"/>
+              <a:t>:</a:t>
+            </a:r>
+          </a:p>
+          <a:p>
+            <a:pPr marL="0" indent="0">
+              <a:buNone/>
+            </a:pPr>
+            <a:r>
+              <a:rPr lang="en-GB" dirty="0">
+                <a:hlinkClick r:id="rId3"/>
+              </a:rPr>
+              <a:t>https://github.com/andrasbiro-silabs/cansat-bug-presentation</a:t>
+            </a:r>
+            <a:endParaRPr lang="en-GB" dirty="0"/>
           </a:p>
         </p:txBody>
       </p:sp>
@@ -38949,7 +38839,7 @@
             <a:fld id="{29A7BD92-6AE5-CF43-B276-274952F2BFB4}" type="slidenum">
               <a:rPr lang="en-US" smtClean="0"/>
               <a:pPr/>
-              <a:t>15</a:t>
+              <a:t>14</a:t>
             </a:fld>
             <a:endParaRPr lang="en-US" dirty="0"/>
           </a:p>
@@ -38982,10 +38872,9 @@
           <a:lstStyle/>
           <a:p>
             <a:r>
-              <a:rPr lang="en-US"/>
+              <a:rPr lang="en-US" dirty="0"/>
               <a:t>©2022 Silicon Laboratories Inc. All rights reserved.</a:t>
             </a:r>
-            <a:endParaRPr lang="en-US" dirty="0"/>
           </a:p>
         </p:txBody>
       </p:sp>
@@ -39368,17 +39257,6 @@
           </a:p>
           <a:p>
             <a:pPr lvl="1"/>
-            <a:r>
-              <a:rPr lang="en-HU" dirty="0"/>
-              <a:t>Vagy trigger feltétel szükséges, vagy rengeteg RAM a PCn</a:t>
-            </a:r>
-          </a:p>
-          <a:p>
-            <a:pPr lvl="1"/>
-            <a:endParaRPr lang="en-HU" dirty="0"/>
-          </a:p>
-          <a:p>
-            <a:pPr lvl="1"/>
             <a:endParaRPr lang="en-HU" dirty="0"/>
           </a:p>
           <a:p>
@@ -39483,6 +39361,240 @@
           <p:cNvPr id="2" name="Title 1">
             <a:extLst>
               <a:ext uri="{FF2B5EF4-FFF2-40B4-BE49-F238E27FC236}">
+                <a16:creationId xmlns:a16="http://schemas.microsoft.com/office/drawing/2014/main" id="{D29BB0FB-4940-4697-78CA-8F0E382443CE}"/>
+              </a:ext>
+            </a:extLst>
+          </p:cNvPr>
+          <p:cNvSpPr>
+            <a:spLocks noGrp="1"/>
+          </p:cNvSpPr>
+          <p:nvPr>
+            <p:ph type="title"/>
+          </p:nvPr>
+        </p:nvSpPr>
+        <p:spPr/>
+        <p:txBody>
+          <a:bodyPr/>
+          <a:lstStyle/>
+          <a:p>
+            <a:r>
+              <a:rPr lang="en-HU" dirty="0"/>
+              <a:t>Debug eszközök problémái</a:t>
+            </a:r>
+          </a:p>
+        </p:txBody>
+      </p:sp>
+      <p:sp>
+        <p:nvSpPr>
+          <p:cNvPr id="3" name="Content Placeholder 2">
+            <a:extLst>
+              <a:ext uri="{FF2B5EF4-FFF2-40B4-BE49-F238E27FC236}">
+                <a16:creationId xmlns:a16="http://schemas.microsoft.com/office/drawing/2014/main" id="{986AE8B9-CFE6-2BF3-1AB1-D5AD0337BBA1}"/>
+              </a:ext>
+            </a:extLst>
+          </p:cNvPr>
+          <p:cNvSpPr>
+            <a:spLocks noGrp="1"/>
+          </p:cNvSpPr>
+          <p:nvPr>
+            <p:ph idx="10"/>
+          </p:nvPr>
+        </p:nvSpPr>
+        <p:spPr/>
+        <p:txBody>
+          <a:bodyPr>
+            <a:normAutofit/>
+          </a:bodyPr>
+          <a:lstStyle/>
+          <a:p>
+            <a:r>
+              <a:rPr lang="en-HU" dirty="0"/>
+              <a:t>In circuit debugger</a:t>
+            </a:r>
+          </a:p>
+          <a:p>
+            <a:pPr lvl="1"/>
+            <a:r>
+              <a:rPr lang="en-HU" dirty="0"/>
+              <a:t>Tipikusan nem engedi az eszközt sleep módba</a:t>
+            </a:r>
+          </a:p>
+          <a:p>
+            <a:pPr lvl="1"/>
+            <a:r>
+              <a:rPr lang="en-GB" dirty="0"/>
+              <a:t>H</a:t>
+            </a:r>
+            <a:r>
+              <a:rPr lang="en-HU" dirty="0"/>
+              <a:t>a rossz helyen állítjuk meg a kódot, időzített kód nem tud lefutni időben</a:t>
+            </a:r>
+          </a:p>
+          <a:p>
+            <a:pPr lvl="1"/>
+            <a:r>
+              <a:rPr lang="en-HU" dirty="0"/>
+              <a:t>Koprocesszorok, DMA a háttérben még fut</a:t>
+            </a:r>
+          </a:p>
+          <a:p>
+            <a:pPr lvl="1"/>
+            <a:r>
+              <a:rPr lang="en-HU" dirty="0"/>
+              <a:t>Kód optimalizálás nehezen olvashatóvá teszi, optimalizálás letiltása maszkolhatja a hibát</a:t>
+            </a:r>
+          </a:p>
+          <a:p>
+            <a:pPr lvl="2"/>
+            <a:r>
+              <a:rPr lang="en-HU" dirty="0"/>
+              <a:t>De ez is egy nyom!</a:t>
+            </a:r>
+          </a:p>
+          <a:p>
+            <a:r>
+              <a:rPr lang="en-HU" dirty="0"/>
+              <a:t>Logolás</a:t>
+            </a:r>
+          </a:p>
+          <a:p>
+            <a:pPr lvl="1"/>
+            <a:r>
+              <a:rPr lang="en-HU" dirty="0"/>
+              <a:t>Tipikusan UARTra megy, lassú, gyakran letiltja az interruptokat – maszkolhatja a hibát</a:t>
+            </a:r>
+          </a:p>
+          <a:p>
+            <a:pPr lvl="1"/>
+            <a:r>
+              <a:rPr lang="en-HU" dirty="0"/>
+              <a:t>Ügyesebb logolás segíthet (pl, interruptból nem logolunk)</a:t>
+            </a:r>
+          </a:p>
+          <a:p>
+            <a:r>
+              <a:rPr lang="en-HU" dirty="0"/>
+              <a:t>GPIO/Logic Analyser</a:t>
+            </a:r>
+          </a:p>
+          <a:p>
+            <a:pPr lvl="1"/>
+            <a:r>
+              <a:rPr lang="en-HU" dirty="0"/>
+              <a:t>Eszköz szükséges hozzá, ha nehezen reprodukálható a hiba, akkor tipikusan nem lehet elegendő adatot felvenni</a:t>
+            </a:r>
+          </a:p>
+          <a:p>
+            <a:pPr lvl="1"/>
+            <a:endParaRPr lang="en-HU" dirty="0"/>
+          </a:p>
+          <a:p>
+            <a:pPr marL="182562" lvl="1" indent="0">
+              <a:buNone/>
+            </a:pPr>
+            <a:r>
+              <a:rPr lang="en-HU" dirty="0"/>
+              <a:t> </a:t>
+            </a:r>
+          </a:p>
+        </p:txBody>
+      </p:sp>
+      <p:sp>
+        <p:nvSpPr>
+          <p:cNvPr id="4" name="Slide Number Placeholder 3">
+            <a:extLst>
+              <a:ext uri="{FF2B5EF4-FFF2-40B4-BE49-F238E27FC236}">
+                <a16:creationId xmlns:a16="http://schemas.microsoft.com/office/drawing/2014/main" id="{6E35856E-DB2C-34EF-3B11-698A14E619E2}"/>
+              </a:ext>
+            </a:extLst>
+          </p:cNvPr>
+          <p:cNvSpPr>
+            <a:spLocks noGrp="1"/>
+          </p:cNvSpPr>
+          <p:nvPr>
+            <p:ph type="sldNum" sz="quarter" idx="12"/>
+          </p:nvPr>
+        </p:nvSpPr>
+        <p:spPr/>
+        <p:txBody>
+          <a:bodyPr/>
+          <a:lstStyle/>
+          <a:p>
+            <a:fld id="{29A7BD92-6AE5-CF43-B276-274952F2BFB4}" type="slidenum">
+              <a:rPr lang="en-US" smtClean="0"/>
+              <a:pPr/>
+              <a:t>4</a:t>
+            </a:fld>
+            <a:endParaRPr lang="en-US" dirty="0"/>
+          </a:p>
+        </p:txBody>
+      </p:sp>
+      <p:sp>
+        <p:nvSpPr>
+          <p:cNvPr id="5" name="Footer Placeholder 4">
+            <a:extLst>
+              <a:ext uri="{FF2B5EF4-FFF2-40B4-BE49-F238E27FC236}">
+                <a16:creationId xmlns:a16="http://schemas.microsoft.com/office/drawing/2014/main" id="{F69A0A97-91F3-2605-38F3-3F50D94BE18C}"/>
+              </a:ext>
+            </a:extLst>
+          </p:cNvPr>
+          <p:cNvSpPr>
+            <a:spLocks noGrp="1"/>
+          </p:cNvSpPr>
+          <p:nvPr>
+            <p:ph type="ftr" sz="quarter" idx="13"/>
+          </p:nvPr>
+        </p:nvSpPr>
+        <p:spPr/>
+        <p:txBody>
+          <a:bodyPr/>
+          <a:lstStyle/>
+          <a:p>
+            <a:r>
+              <a:rPr lang="en-US" dirty="0"/>
+              <a:t>©2025 Silicon Laboratories Inc. All rights reserved.</a:t>
+            </a:r>
+          </a:p>
+        </p:txBody>
+      </p:sp>
+    </p:spTree>
+    <p:extLst>
+      <p:ext uri="{BB962C8B-B14F-4D97-AF65-F5344CB8AC3E}">
+        <p14:creationId xmlns:p14="http://schemas.microsoft.com/office/powerpoint/2010/main" val="1804155307"/>
+      </p:ext>
+    </p:extLst>
+  </p:cSld>
+  <p:clrMapOvr>
+    <a:masterClrMapping/>
+  </p:clrMapOvr>
+  <p:transition spd="med">
+    <p:wipe dir="r"/>
+  </p:transition>
+</p:sld>
+</file>
+
+<file path=ppt/slides/slide5.xml><?xml version="1.0" encoding="utf-8"?>
+<p:sld xmlns:a="http://schemas.openxmlformats.org/drawingml/2006/main" xmlns:r="http://schemas.openxmlformats.org/officeDocument/2006/relationships" xmlns:p="http://schemas.openxmlformats.org/presentationml/2006/main">
+  <p:cSld>
+    <p:spTree>
+      <p:nvGrpSpPr>
+        <p:cNvPr id="1" name=""/>
+        <p:cNvGrpSpPr/>
+        <p:nvPr/>
+      </p:nvGrpSpPr>
+      <p:grpSpPr>
+        <a:xfrm>
+          <a:off x="0" y="0"/>
+          <a:ext cx="0" cy="0"/>
+          <a:chOff x="0" y="0"/>
+          <a:chExt cx="0" cy="0"/>
+        </a:xfrm>
+      </p:grpSpPr>
+      <p:sp>
+        <p:nvSpPr>
+          <p:cNvPr id="2" name="Title 1">
+            <a:extLst>
+              <a:ext uri="{FF2B5EF4-FFF2-40B4-BE49-F238E27FC236}">
                 <a16:creationId xmlns:a16="http://schemas.microsoft.com/office/drawing/2014/main" id="{09229875-D3D4-5A1B-B603-C0E117113EF4}"/>
               </a:ext>
             </a:extLst>
@@ -39730,7 +39842,7 @@
             <a:fld id="{29A7BD92-6AE5-CF43-B276-274952F2BFB4}" type="slidenum">
               <a:rPr lang="en-US" smtClean="0"/>
               <a:pPr/>
-              <a:t>4</a:t>
+              <a:t>5</a:t>
             </a:fld>
             <a:endParaRPr lang="en-US" dirty="0"/>
           </a:p>
@@ -39811,240 +39923,6 @@
 </p:sld>
 </file>
 
-<file path=ppt/slides/slide5.xml><?xml version="1.0" encoding="utf-8"?>
-<p:sld xmlns:a="http://schemas.openxmlformats.org/drawingml/2006/main" xmlns:r="http://schemas.openxmlformats.org/officeDocument/2006/relationships" xmlns:p="http://schemas.openxmlformats.org/presentationml/2006/main">
-  <p:cSld>
-    <p:spTree>
-      <p:nvGrpSpPr>
-        <p:cNvPr id="1" name=""/>
-        <p:cNvGrpSpPr/>
-        <p:nvPr/>
-      </p:nvGrpSpPr>
-      <p:grpSpPr>
-        <a:xfrm>
-          <a:off x="0" y="0"/>
-          <a:ext cx="0" cy="0"/>
-          <a:chOff x="0" y="0"/>
-          <a:chExt cx="0" cy="0"/>
-        </a:xfrm>
-      </p:grpSpPr>
-      <p:sp>
-        <p:nvSpPr>
-          <p:cNvPr id="2" name="Title 1">
-            <a:extLst>
-              <a:ext uri="{FF2B5EF4-FFF2-40B4-BE49-F238E27FC236}">
-                <a16:creationId xmlns:a16="http://schemas.microsoft.com/office/drawing/2014/main" id="{D29BB0FB-4940-4697-78CA-8F0E382443CE}"/>
-              </a:ext>
-            </a:extLst>
-          </p:cNvPr>
-          <p:cNvSpPr>
-            <a:spLocks noGrp="1"/>
-          </p:cNvSpPr>
-          <p:nvPr>
-            <p:ph type="title"/>
-          </p:nvPr>
-        </p:nvSpPr>
-        <p:spPr/>
-        <p:txBody>
-          <a:bodyPr/>
-          <a:lstStyle/>
-          <a:p>
-            <a:r>
-              <a:rPr lang="en-HU" dirty="0"/>
-              <a:t>Debug eszközök problémái</a:t>
-            </a:r>
-          </a:p>
-        </p:txBody>
-      </p:sp>
-      <p:sp>
-        <p:nvSpPr>
-          <p:cNvPr id="3" name="Content Placeholder 2">
-            <a:extLst>
-              <a:ext uri="{FF2B5EF4-FFF2-40B4-BE49-F238E27FC236}">
-                <a16:creationId xmlns:a16="http://schemas.microsoft.com/office/drawing/2014/main" id="{986AE8B9-CFE6-2BF3-1AB1-D5AD0337BBA1}"/>
-              </a:ext>
-            </a:extLst>
-          </p:cNvPr>
-          <p:cNvSpPr>
-            <a:spLocks noGrp="1"/>
-          </p:cNvSpPr>
-          <p:nvPr>
-            <p:ph idx="10"/>
-          </p:nvPr>
-        </p:nvSpPr>
-        <p:spPr/>
-        <p:txBody>
-          <a:bodyPr>
-            <a:normAutofit/>
-          </a:bodyPr>
-          <a:lstStyle/>
-          <a:p>
-            <a:r>
-              <a:rPr lang="en-HU" dirty="0"/>
-              <a:t>In circuit debugger</a:t>
-            </a:r>
-          </a:p>
-          <a:p>
-            <a:pPr lvl="1"/>
-            <a:r>
-              <a:rPr lang="en-HU" dirty="0"/>
-              <a:t>Tipikusan nem engedi az eszközt sleep módba</a:t>
-            </a:r>
-          </a:p>
-          <a:p>
-            <a:pPr lvl="1"/>
-            <a:r>
-              <a:rPr lang="en-GB" dirty="0"/>
-              <a:t>H</a:t>
-            </a:r>
-            <a:r>
-              <a:rPr lang="en-HU" dirty="0"/>
-              <a:t>a rossz helyen állítjuk meg a kódot, időzített kód nem tud lefutni időben</a:t>
-            </a:r>
-          </a:p>
-          <a:p>
-            <a:pPr lvl="1"/>
-            <a:r>
-              <a:rPr lang="en-HU" dirty="0"/>
-              <a:t>Koprocesszorok, DMA a háttérben még fut</a:t>
-            </a:r>
-          </a:p>
-          <a:p>
-            <a:pPr lvl="1"/>
-            <a:r>
-              <a:rPr lang="en-HU" dirty="0"/>
-              <a:t>Kód optimalizálás nehezen olvashatóvá teszi, optimalizálás letiltása maszkolhatja a hibát</a:t>
-            </a:r>
-          </a:p>
-          <a:p>
-            <a:pPr lvl="2"/>
-            <a:r>
-              <a:rPr lang="en-HU" dirty="0"/>
-              <a:t>De ez is egy nyom!</a:t>
-            </a:r>
-          </a:p>
-          <a:p>
-            <a:r>
-              <a:rPr lang="en-HU" dirty="0"/>
-              <a:t>Logolás</a:t>
-            </a:r>
-          </a:p>
-          <a:p>
-            <a:pPr lvl="1"/>
-            <a:r>
-              <a:rPr lang="en-HU" dirty="0"/>
-              <a:t>Tipikusan UARTra megy, lassú, gyakran letiltja az interruptokat – maszkolhatja a hibát</a:t>
-            </a:r>
-          </a:p>
-          <a:p>
-            <a:pPr lvl="1"/>
-            <a:r>
-              <a:rPr lang="en-HU" dirty="0"/>
-              <a:t>Ügyesebb logolás segíthet (pl, interruptból nem logolunk)</a:t>
-            </a:r>
-          </a:p>
-          <a:p>
-            <a:r>
-              <a:rPr lang="en-HU" dirty="0"/>
-              <a:t>GPIO/Logic Analyser</a:t>
-            </a:r>
-          </a:p>
-          <a:p>
-            <a:pPr lvl="1"/>
-            <a:r>
-              <a:rPr lang="en-HU" dirty="0"/>
-              <a:t>Eszköz szükséges hozzá, ha nehezen reprodukálható a hiba, akkor tipikusan nem lehet elegendő adatot felvenni</a:t>
-            </a:r>
-          </a:p>
-          <a:p>
-            <a:pPr lvl="1"/>
-            <a:endParaRPr lang="en-HU" dirty="0"/>
-          </a:p>
-          <a:p>
-            <a:pPr marL="182562" lvl="1" indent="0">
-              <a:buNone/>
-            </a:pPr>
-            <a:r>
-              <a:rPr lang="en-HU" dirty="0"/>
-              <a:t> </a:t>
-            </a:r>
-          </a:p>
-        </p:txBody>
-      </p:sp>
-      <p:sp>
-        <p:nvSpPr>
-          <p:cNvPr id="4" name="Slide Number Placeholder 3">
-            <a:extLst>
-              <a:ext uri="{FF2B5EF4-FFF2-40B4-BE49-F238E27FC236}">
-                <a16:creationId xmlns:a16="http://schemas.microsoft.com/office/drawing/2014/main" id="{6E35856E-DB2C-34EF-3B11-698A14E619E2}"/>
-              </a:ext>
-            </a:extLst>
-          </p:cNvPr>
-          <p:cNvSpPr>
-            <a:spLocks noGrp="1"/>
-          </p:cNvSpPr>
-          <p:nvPr>
-            <p:ph type="sldNum" sz="quarter" idx="12"/>
-          </p:nvPr>
-        </p:nvSpPr>
-        <p:spPr/>
-        <p:txBody>
-          <a:bodyPr/>
-          <a:lstStyle/>
-          <a:p>
-            <a:fld id="{29A7BD92-6AE5-CF43-B276-274952F2BFB4}" type="slidenum">
-              <a:rPr lang="en-US" smtClean="0"/>
-              <a:pPr/>
-              <a:t>5</a:t>
-            </a:fld>
-            <a:endParaRPr lang="en-US" dirty="0"/>
-          </a:p>
-        </p:txBody>
-      </p:sp>
-      <p:sp>
-        <p:nvSpPr>
-          <p:cNvPr id="5" name="Footer Placeholder 4">
-            <a:extLst>
-              <a:ext uri="{FF2B5EF4-FFF2-40B4-BE49-F238E27FC236}">
-                <a16:creationId xmlns:a16="http://schemas.microsoft.com/office/drawing/2014/main" id="{F69A0A97-91F3-2605-38F3-3F50D94BE18C}"/>
-              </a:ext>
-            </a:extLst>
-          </p:cNvPr>
-          <p:cNvSpPr>
-            <a:spLocks noGrp="1"/>
-          </p:cNvSpPr>
-          <p:nvPr>
-            <p:ph type="ftr" sz="quarter" idx="13"/>
-          </p:nvPr>
-        </p:nvSpPr>
-        <p:spPr/>
-        <p:txBody>
-          <a:bodyPr/>
-          <a:lstStyle/>
-          <a:p>
-            <a:r>
-              <a:rPr lang="en-US" dirty="0"/>
-              <a:t>©2025 Silicon Laboratories Inc. All rights reserved.</a:t>
-            </a:r>
-          </a:p>
-        </p:txBody>
-      </p:sp>
-    </p:spTree>
-    <p:extLst>
-      <p:ext uri="{BB962C8B-B14F-4D97-AF65-F5344CB8AC3E}">
-        <p14:creationId xmlns:p14="http://schemas.microsoft.com/office/powerpoint/2010/main" val="1804155307"/>
-      </p:ext>
-    </p:extLst>
-  </p:cSld>
-  <p:clrMapOvr>
-    <a:masterClrMapping/>
-  </p:clrMapOvr>
-  <p:transition spd="med">
-    <p:wipe dir="r"/>
-  </p:transition>
-</p:sld>
-</file>
-
 <file path=ppt/slides/slide6.xml><?xml version="1.0" encoding="utf-8"?>
 <p:sld xmlns:a="http://schemas.openxmlformats.org/drawingml/2006/main" xmlns:r="http://schemas.openxmlformats.org/officeDocument/2006/relationships" xmlns:p="http://schemas.openxmlformats.org/presentationml/2006/main">
   <p:cSld>
@@ -40119,6 +39997,26 @@
           <a:p>
             <a:r>
               <a:rPr lang="en-HU" dirty="0"/>
+              <a:t>Log</a:t>
+            </a:r>
+          </a:p>
+          <a:p>
+            <a:pPr lvl="1"/>
+            <a:r>
+              <a:rPr lang="en-HU" dirty="0"/>
+              <a:t>Ha időkritikus a dolog, elég egy RAM bufferbe logolni</a:t>
+            </a:r>
+          </a:p>
+          <a:p>
+            <a:pPr lvl="1"/>
+            <a:r>
+              <a:rPr lang="en-HU" dirty="0"/>
+              <a:t>Majd a hiba pillanatában kiírni</a:t>
+            </a:r>
+          </a:p>
+          <a:p>
+            <a:r>
+              <a:rPr lang="en-HU" dirty="0"/>
               <a:t>LED villogtatással/logolással sokszor meg lehet találni a problémás sort</a:t>
             </a:r>
           </a:p>
@@ -40126,26 +40024,6 @@
             <a:r>
               <a:rPr lang="en-HU" dirty="0"/>
               <a:t>Logic analyzer rendkívül hasznos eszköz LED helyett</a:t>
-            </a:r>
-          </a:p>
-          <a:p>
-            <a:r>
-              <a:rPr lang="en-HU" dirty="0"/>
-              <a:t>Log</a:t>
-            </a:r>
-          </a:p>
-          <a:p>
-            <a:pPr lvl="1"/>
-            <a:r>
-              <a:rPr lang="en-HU" dirty="0"/>
-              <a:t>Ha időkritikus a dolog, elég egy RAM bufferbe logolni</a:t>
-            </a:r>
-          </a:p>
-          <a:p>
-            <a:pPr lvl="1"/>
-            <a:r>
-              <a:rPr lang="en-HU" dirty="0"/>
-              <a:t>Majd a hiba pillanatában kiírni</a:t>
             </a:r>
           </a:p>
           <a:p>
@@ -40304,12 +40182,6 @@
           <a:p>
             <a:r>
               <a:rPr lang="en-HU" dirty="0"/>
-              <a:t>Lokalizálni ugyan úgy kell</a:t>
-            </a:r>
-          </a:p>
-          <a:p>
-            <a:r>
-              <a:rPr lang="en-HU" dirty="0"/>
               <a:t>Időzítés hiba?</a:t>
             </a:r>
           </a:p>
@@ -40495,11 +40367,35 @@
             </a:r>
             <a:r>
               <a:rPr lang="en-GB" dirty="0"/>
-              <a:t>- </a:t>
+              <a:t>– </a:t>
             </a:r>
             <a:r>
               <a:rPr lang="en-GB" dirty="0" err="1"/>
               <a:t>Verziókezelés</a:t>
+            </a:r>
+            <a:r>
+              <a:rPr lang="en-GB" dirty="0"/>
+              <a:t> </a:t>
+            </a:r>
+            <a:r>
+              <a:rPr lang="en-GB" dirty="0" err="1"/>
+              <a:t>és</a:t>
+            </a:r>
+            <a:r>
+              <a:rPr lang="en-GB" dirty="0"/>
+              <a:t> </a:t>
+            </a:r>
+            <a:r>
+              <a:rPr lang="en-GB" dirty="0" err="1"/>
+              <a:t>általános</a:t>
+            </a:r>
+            <a:r>
+              <a:rPr lang="en-GB" dirty="0"/>
+              <a:t> </a:t>
+            </a:r>
+            <a:r>
+              <a:rPr lang="en-GB"/>
+              <a:t>javaslatok</a:t>
             </a:r>
             <a:endParaRPr lang="en-HU" dirty="0"/>
           </a:p>
@@ -40556,6 +40452,42 @@
               <a:rPr lang="en-HU" dirty="0"/>
               <a:t>Ha már régen elfelejtettél commitolni, nem muszáj mindent, gitben akár sorokat is tudsz stage-elni</a:t>
             </a:r>
+          </a:p>
+          <a:p>
+            <a:r>
+              <a:rPr lang="en-HU" dirty="0"/>
+              <a:t>Pull requestek - peer review</a:t>
+            </a:r>
+          </a:p>
+          <a:p>
+            <a:endParaRPr lang="en-HU" dirty="0"/>
+          </a:p>
+          <a:p>
+            <a:r>
+              <a:rPr lang="en-HU" dirty="0"/>
+              <a:t>Hibakezelés</a:t>
+            </a:r>
+          </a:p>
+          <a:p>
+            <a:r>
+              <a:rPr lang="en-HU" dirty="0"/>
+              <a:t>Modularitás</a:t>
+            </a:r>
+          </a:p>
+          <a:p>
+            <a:r>
+              <a:rPr lang="en-HU" dirty="0"/>
+              <a:t>State változó flagek helyett</a:t>
+            </a:r>
+          </a:p>
+          <a:p>
+            <a:r>
+              <a:rPr lang="en-HU" dirty="0"/>
+              <a:t>Regression testing</a:t>
+            </a:r>
+          </a:p>
+          <a:p>
+            <a:endParaRPr lang="en-HU" dirty="0"/>
           </a:p>
           <a:p>
             <a:pPr lvl="1"/>
@@ -40657,10 +40589,10 @@
       </p:grpSpPr>
       <p:sp>
         <p:nvSpPr>
-          <p:cNvPr id="2" name="Title 1">
+          <p:cNvPr id="6" name="Title 5">
             <a:extLst>
               <a:ext uri="{FF2B5EF4-FFF2-40B4-BE49-F238E27FC236}">
-                <a16:creationId xmlns:a16="http://schemas.microsoft.com/office/drawing/2014/main" id="{6BED6BDB-4164-836D-CAF8-D9226A640D7A}"/>
+                <a16:creationId xmlns:a16="http://schemas.microsoft.com/office/drawing/2014/main" id="{26822C52-5082-54B5-E975-F9C0BEBF9EF9}"/>
               </a:ext>
             </a:extLst>
           </p:cNvPr>
@@ -40678,17 +40610,17 @@
           <a:p>
             <a:r>
               <a:rPr lang="en-HU" dirty="0"/>
-              <a:t>Hiba elkerülés</a:t>
-            </a:r>
-          </a:p>
-        </p:txBody>
-      </p:sp>
-      <p:sp>
-        <p:nvSpPr>
-          <p:cNvPr id="3" name="Content Placeholder 2">
+              <a:t>Példák</a:t>
+            </a:r>
+          </a:p>
+        </p:txBody>
+      </p:sp>
+      <p:sp>
+        <p:nvSpPr>
+          <p:cNvPr id="7" name="Text Placeholder 6">
             <a:extLst>
               <a:ext uri="{FF2B5EF4-FFF2-40B4-BE49-F238E27FC236}">
-                <a16:creationId xmlns:a16="http://schemas.microsoft.com/office/drawing/2014/main" id="{0B4F2844-FE80-A85A-AC18-2932190F82B4}"/>
+                <a16:creationId xmlns:a16="http://schemas.microsoft.com/office/drawing/2014/main" id="{2671A1BD-84CA-95B4-0BF3-3BA5983C31C1}"/>
               </a:ext>
             </a:extLst>
           </p:cNvPr>
@@ -40696,7 +40628,7 @@
             <a:spLocks noGrp="1"/>
           </p:cNvSpPr>
           <p:nvPr>
-            <p:ph idx="10"/>
+            <p:ph type="body" sz="quarter" idx="10"/>
           </p:nvPr>
         </p:nvSpPr>
         <p:spPr/>
@@ -40704,48 +40636,7 @@
           <a:bodyPr/>
           <a:lstStyle/>
           <a:p>
-            <a:r>
-              <a:rPr lang="en-HU" dirty="0"/>
-              <a:t>Hibakezelés</a:t>
-            </a:r>
-          </a:p>
-          <a:p>
-            <a:r>
-              <a:rPr lang="en-HU" dirty="0"/>
-              <a:t>Modularitás</a:t>
-            </a:r>
-          </a:p>
-          <a:p>
-            <a:r>
-              <a:rPr lang="en-HU" dirty="0"/>
-              <a:t>State változó flagek helyett</a:t>
-            </a:r>
-          </a:p>
-          <a:p>
-            <a:r>
-              <a:rPr lang="en-HU" dirty="0"/>
-              <a:t>Verziókezelés</a:t>
-            </a:r>
-          </a:p>
-          <a:p>
-            <a:pPr lvl="1"/>
-            <a:r>
-              <a:rPr lang="en-GB" dirty="0"/>
-              <a:t>P</a:t>
-            </a:r>
-            <a:r>
-              <a:rPr lang="en-HU" dirty="0"/>
-              <a:t>eer review</a:t>
-            </a:r>
-          </a:p>
-          <a:p>
-            <a:r>
-              <a:rPr lang="en-HU" dirty="0"/>
-              <a:t>Regression testing</a:t>
-            </a:r>
-          </a:p>
-          <a:p>
-            <a:endParaRPr lang="en-HU" dirty="0"/>
+            <a:endParaRPr lang="en-HU"/>
           </a:p>
         </p:txBody>
       </p:sp>
@@ -40754,7 +40645,7 @@
           <p:cNvPr id="4" name="Slide Number Placeholder 3">
             <a:extLst>
               <a:ext uri="{FF2B5EF4-FFF2-40B4-BE49-F238E27FC236}">
-                <a16:creationId xmlns:a16="http://schemas.microsoft.com/office/drawing/2014/main" id="{ACC7AC57-310C-24CC-A9E3-DF3E216C7027}"/>
+                <a16:creationId xmlns:a16="http://schemas.microsoft.com/office/drawing/2014/main" id="{9036D611-97E0-B50E-C98A-DDEA372F7831}"/>
               </a:ext>
             </a:extLst>
           </p:cNvPr>
@@ -40762,10 +40653,15 @@
             <a:spLocks noGrp="1"/>
           </p:cNvSpPr>
           <p:nvPr>
-            <p:ph type="sldNum" sz="quarter" idx="12"/>
+            <p:ph type="sldNum" sz="quarter" idx="4294967295"/>
           </p:nvPr>
         </p:nvSpPr>
-        <p:spPr/>
+        <p:spPr>
+          <a:xfrm>
+            <a:off x="0" y="6456363"/>
+            <a:ext cx="187325" cy="365125"/>
+          </a:xfrm>
+        </p:spPr>
         <p:txBody>
           <a:bodyPr/>
           <a:lstStyle/>
@@ -40784,7 +40680,7 @@
           <p:cNvPr id="5" name="Footer Placeholder 4">
             <a:extLst>
               <a:ext uri="{FF2B5EF4-FFF2-40B4-BE49-F238E27FC236}">
-                <a16:creationId xmlns:a16="http://schemas.microsoft.com/office/drawing/2014/main" id="{BC43092F-B6A6-0A0A-D9E3-864F522E5718}"/>
+                <a16:creationId xmlns:a16="http://schemas.microsoft.com/office/drawing/2014/main" id="{19AB8519-BAA8-785D-03DD-2BAFD61B6845}"/>
               </a:ext>
             </a:extLst>
           </p:cNvPr>
@@ -40792,10 +40688,15 @@
             <a:spLocks noGrp="1"/>
           </p:cNvSpPr>
           <p:nvPr>
-            <p:ph type="ftr" sz="quarter" idx="13"/>
+            <p:ph type="ftr" sz="quarter" idx="4294967295"/>
           </p:nvPr>
         </p:nvSpPr>
-        <p:spPr/>
+        <p:spPr>
+          <a:xfrm>
+            <a:off x="0" y="6456363"/>
+            <a:ext cx="8440738" cy="365125"/>
+          </a:xfrm>
+        </p:spPr>
         <p:txBody>
           <a:bodyPr/>
           <a:lstStyle/>
@@ -40811,7 +40712,7 @@
     </p:spTree>
     <p:extLst>
       <p:ext uri="{BB962C8B-B14F-4D97-AF65-F5344CB8AC3E}">
-        <p14:creationId xmlns:p14="http://schemas.microsoft.com/office/powerpoint/2010/main" val="485323589"/>
+        <p14:creationId xmlns:p14="http://schemas.microsoft.com/office/powerpoint/2010/main" val="1469666698"/>
       </p:ext>
     </p:extLst>
   </p:cSld>
@@ -40819,7 +40720,7 @@
     <a:masterClrMapping/>
   </p:clrMapOvr>
   <p:transition spd="med">
-    <p:wipe dir="r"/>
+    <p:wipe/>
   </p:transition>
 </p:sld>
 </file>
@@ -41727,15 +41628,6 @@
 </file>
 
 <file path=customXml/item1.xml><?xml version="1.0" encoding="utf-8"?>
-<?mso-contentType ?>
-<FormTemplates xmlns="http://schemas.microsoft.com/sharepoint/v3/contenttype/forms">
-  <Display>DocumentLibraryForm</Display>
-  <Edit>DocumentLibraryForm</Edit>
-  <New>DocumentLibraryForm</New>
-</FormTemplates>
-</file>
-
-<file path=customXml/item2.xml><?xml version="1.0" encoding="utf-8"?>
 <ct:contentTypeSchema xmlns:ct="http://schemas.microsoft.com/office/2006/metadata/contentType" xmlns:ma="http://schemas.microsoft.com/office/2006/metadata/properties/metaAttributes" ct:_="" ma:_="" ma:contentTypeName="Document" ma:contentTypeID="0x010100FC1FAB2E05D8A44B93DD8AFCB462F224" ma:contentTypeVersion="2" ma:contentTypeDescription="Create a new document." ma:contentTypeScope="" ma:versionID="bac7a6821febc1bb8da02a58f72f2fae">
   <xsd:schema xmlns:xsd="http://www.w3.org/2001/XMLSchema" xmlns:xs="http://www.w3.org/2001/XMLSchema" xmlns:p="http://schemas.microsoft.com/office/2006/metadata/properties" xmlns:ns2="9495d2c1-8770-4d42-957e-4489105f41aa" targetNamespace="http://schemas.microsoft.com/office/2006/metadata/properties" ma:root="true" ma:fieldsID="224c9fc476e7dcb024f902877e073b91" ns2:_="">
     <xsd:import namespace="9495d2c1-8770-4d42-957e-4489105f41aa"/>
@@ -41867,6 +41759,15 @@
 </ct:contentTypeSchema>
 </file>
 
+<file path=customXml/item2.xml><?xml version="1.0" encoding="utf-8"?>
+<?mso-contentType ?>
+<FormTemplates xmlns="http://schemas.microsoft.com/sharepoint/v3/contenttype/forms">
+  <Display>DocumentLibraryForm</Display>
+  <Edit>DocumentLibraryForm</Edit>
+  <New>DocumentLibraryForm</New>
+</FormTemplates>
+</file>
+
 <file path=customXml/item3.xml><?xml version="1.0" encoding="utf-8"?>
 <p:properties xmlns:p="http://schemas.microsoft.com/office/2006/metadata/properties" xmlns:xsi="http://www.w3.org/2001/XMLSchema-instance" xmlns:pc="http://schemas.microsoft.com/office/infopath/2007/PartnerControls">
   <documentManagement/>
@@ -41874,14 +41775,6 @@
 </file>
 
 <file path=customXml/itemProps1.xml><?xml version="1.0" encoding="utf-8"?>
-<ds:datastoreItem xmlns:ds="http://schemas.openxmlformats.org/officeDocument/2006/customXml" ds:itemID="{715AF894-03E6-4198-991F-723E6BECF3FC}">
-  <ds:schemaRefs>
-    <ds:schemaRef ds:uri="http://schemas.microsoft.com/sharepoint/v3/contenttype/forms"/>
-  </ds:schemaRefs>
-</ds:datastoreItem>
-</file>
-
-<file path=customXml/itemProps2.xml><?xml version="1.0" encoding="utf-8"?>
 <ds:datastoreItem xmlns:ds="http://schemas.openxmlformats.org/officeDocument/2006/customXml" ds:itemID="{9128F645-C4E0-4A26-B685-7680694EBA4A}">
   <ds:schemaRefs>
     <ds:schemaRef ds:uri="http://schemas.microsoft.com/office/2006/metadata/contentType"/>
@@ -41895,6 +41788,14 @@
     <ds:schemaRef ds:uri="http://purl.org/dc/elements/1.1/"/>
     <ds:schemaRef ds:uri="http://purl.org/dc/terms/"/>
     <ds:schemaRef ds:uri="http://schemas.microsoft.com/internal/obd"/>
+  </ds:schemaRefs>
+</ds:datastoreItem>
+</file>
+
+<file path=customXml/itemProps2.xml><?xml version="1.0" encoding="utf-8"?>
+<ds:datastoreItem xmlns:ds="http://schemas.openxmlformats.org/officeDocument/2006/customXml" ds:itemID="{715AF894-03E6-4198-991F-723E6BECF3FC}">
+  <ds:schemaRefs>
+    <ds:schemaRef ds:uri="http://schemas.microsoft.com/sharepoint/v3/contenttype/forms"/>
   </ds:schemaRefs>
 </ds:datastoreItem>
 </file>

--- a/cansat_debug.pptx
+++ b/cansat_debug.pptx
@@ -843,7 +843,7 @@
                 <a:latin typeface="Arial" panose="020B0604020202020204" pitchFamily="34" charset="0"/>
                 <a:cs typeface="Arial" panose="020B0604020202020204" pitchFamily="34" charset="0"/>
               </a:rPr>
-              <a:t>1/2/25</a:t>
+              <a:t>1/3/25</a:t>
             </a:fld>
             <a:endParaRPr lang="en-US">
               <a:latin typeface="Arial" panose="020B0604020202020204" pitchFamily="34" charset="0"/>
@@ -1074,7 +1074,7 @@
               <a:pPr>
                 <a:defRPr/>
               </a:pPr>
-              <a:t>1/2/25</a:t>
+              <a:t>1/3/25</a:t>
             </a:fld>
             <a:endParaRPr lang="en-US"/>
           </a:p>
@@ -40208,9 +40208,10 @@
           <a:p>
             <a:pPr lvl="1"/>
             <a:r>
-              <a:rPr lang="en-HU" dirty="0"/>
-              <a:t>Ha Tx, ”jó üzenet” és “rossz üzenet” eltér</a:t>
-            </a:r>
+              <a:rPr lang="en-HU"/>
+              <a:t>Valójában nem megy ki a csomag, vagy nem az amit szeretnénk</a:t>
+            </a:r>
+            <a:endParaRPr lang="en-HU" dirty="0"/>
           </a:p>
           <a:p>
             <a:pPr lvl="1"/>
@@ -40394,7 +40395,7 @@
               <a:t> </a:t>
             </a:r>
             <a:r>
-              <a:rPr lang="en-GB"/>
+              <a:rPr lang="en-GB" dirty="0" err="1"/>
               <a:t>javaslatok</a:t>
             </a:r>
             <a:endParaRPr lang="en-HU" dirty="0"/>
@@ -41628,6 +41629,21 @@
 </file>
 
 <file path=customXml/item1.xml><?xml version="1.0" encoding="utf-8"?>
+<p:properties xmlns:p="http://schemas.microsoft.com/office/2006/metadata/properties" xmlns:xsi="http://www.w3.org/2001/XMLSchema-instance" xmlns:pc="http://schemas.microsoft.com/office/infopath/2007/PartnerControls">
+  <documentManagement/>
+</p:properties>
+</file>
+
+<file path=customXml/item2.xml><?xml version="1.0" encoding="utf-8"?>
+<?mso-contentType ?>
+<FormTemplates xmlns="http://schemas.microsoft.com/sharepoint/v3/contenttype/forms">
+  <Display>DocumentLibraryForm</Display>
+  <Edit>DocumentLibraryForm</Edit>
+  <New>DocumentLibraryForm</New>
+</FormTemplates>
+</file>
+
+<file path=customXml/item3.xml><?xml version="1.0" encoding="utf-8"?>
 <ct:contentTypeSchema xmlns:ct="http://schemas.microsoft.com/office/2006/metadata/contentType" xmlns:ma="http://schemas.microsoft.com/office/2006/metadata/properties/metaAttributes" ct:_="" ma:_="" ma:contentTypeName="Document" ma:contentTypeID="0x010100FC1FAB2E05D8A44B93DD8AFCB462F224" ma:contentTypeVersion="2" ma:contentTypeDescription="Create a new document." ma:contentTypeScope="" ma:versionID="bac7a6821febc1bb8da02a58f72f2fae">
   <xsd:schema xmlns:xsd="http://www.w3.org/2001/XMLSchema" xmlns:xs="http://www.w3.org/2001/XMLSchema" xmlns:p="http://schemas.microsoft.com/office/2006/metadata/properties" xmlns:ns2="9495d2c1-8770-4d42-957e-4489105f41aa" targetNamespace="http://schemas.microsoft.com/office/2006/metadata/properties" ma:root="true" ma:fieldsID="224c9fc476e7dcb024f902877e073b91" ns2:_="">
     <xsd:import namespace="9495d2c1-8770-4d42-957e-4489105f41aa"/>
@@ -41759,22 +41775,31 @@
 </ct:contentTypeSchema>
 </file>
 
-<file path=customXml/item2.xml><?xml version="1.0" encoding="utf-8"?>
-<?mso-contentType ?>
-<FormTemplates xmlns="http://schemas.microsoft.com/sharepoint/v3/contenttype/forms">
-  <Display>DocumentLibraryForm</Display>
-  <Edit>DocumentLibraryForm</Edit>
-  <New>DocumentLibraryForm</New>
-</FormTemplates>
+<file path=customXml/itemProps1.xml><?xml version="1.0" encoding="utf-8"?>
+<ds:datastoreItem xmlns:ds="http://schemas.openxmlformats.org/officeDocument/2006/customXml" ds:itemID="{91D0BE99-E781-4C41-AA45-55E85B091681}">
+  <ds:schemaRefs>
+    <ds:schemaRef ds:uri="http://schemas.microsoft.com/office/2006/metadata/properties"/>
+    <ds:schemaRef ds:uri="http://www.w3.org/XML/1998/namespace"/>
+    <ds:schemaRef ds:uri="9495d2c1-8770-4d42-957e-4489105f41aa"/>
+    <ds:schemaRef ds:uri="http://purl.org/dc/terms/"/>
+    <ds:schemaRef ds:uri="http://purl.org/dc/dcmitype/"/>
+    <ds:schemaRef ds:uri="http://schemas.microsoft.com/office/2006/documentManagement/types"/>
+    <ds:schemaRef ds:uri="http://purl.org/dc/elements/1.1/"/>
+    <ds:schemaRef ds:uri="http://schemas.openxmlformats.org/package/2006/metadata/core-properties"/>
+    <ds:schemaRef ds:uri="http://schemas.microsoft.com/office/infopath/2007/PartnerControls"/>
+  </ds:schemaRefs>
+</ds:datastoreItem>
 </file>
 
-<file path=customXml/item3.xml><?xml version="1.0" encoding="utf-8"?>
-<p:properties xmlns:p="http://schemas.microsoft.com/office/2006/metadata/properties" xmlns:xsi="http://www.w3.org/2001/XMLSchema-instance" xmlns:pc="http://schemas.microsoft.com/office/infopath/2007/PartnerControls">
-  <documentManagement/>
-</p:properties>
+<file path=customXml/itemProps2.xml><?xml version="1.0" encoding="utf-8"?>
+<ds:datastoreItem xmlns:ds="http://schemas.openxmlformats.org/officeDocument/2006/customXml" ds:itemID="{715AF894-03E6-4198-991F-723E6BECF3FC}">
+  <ds:schemaRefs>
+    <ds:schemaRef ds:uri="http://schemas.microsoft.com/sharepoint/v3/contenttype/forms"/>
+  </ds:schemaRefs>
+</ds:datastoreItem>
 </file>
 
-<file path=customXml/itemProps1.xml><?xml version="1.0" encoding="utf-8"?>
+<file path=customXml/itemProps3.xml><?xml version="1.0" encoding="utf-8"?>
 <ds:datastoreItem xmlns:ds="http://schemas.openxmlformats.org/officeDocument/2006/customXml" ds:itemID="{9128F645-C4E0-4A26-B685-7680694EBA4A}">
   <ds:schemaRefs>
     <ds:schemaRef ds:uri="http://schemas.microsoft.com/office/2006/metadata/contentType"/>
@@ -41790,28 +41815,4 @@
     <ds:schemaRef ds:uri="http://schemas.microsoft.com/internal/obd"/>
   </ds:schemaRefs>
 </ds:datastoreItem>
-</file>
-
-<file path=customXml/itemProps2.xml><?xml version="1.0" encoding="utf-8"?>
-<ds:datastoreItem xmlns:ds="http://schemas.openxmlformats.org/officeDocument/2006/customXml" ds:itemID="{715AF894-03E6-4198-991F-723E6BECF3FC}">
-  <ds:schemaRefs>
-    <ds:schemaRef ds:uri="http://schemas.microsoft.com/sharepoint/v3/contenttype/forms"/>
-  </ds:schemaRefs>
-</ds:datastoreItem>
-</file>
-
-<file path=customXml/itemProps3.xml><?xml version="1.0" encoding="utf-8"?>
-<ds:datastoreItem xmlns:ds="http://schemas.openxmlformats.org/officeDocument/2006/customXml" ds:itemID="{91D0BE99-E781-4C41-AA45-55E85B091681}">
-  <ds:schemaRefs>
-    <ds:schemaRef ds:uri="http://schemas.microsoft.com/office/2006/metadata/properties"/>
-    <ds:schemaRef ds:uri="http://www.w3.org/XML/1998/namespace"/>
-    <ds:schemaRef ds:uri="9495d2c1-8770-4d42-957e-4489105f41aa"/>
-    <ds:schemaRef ds:uri="http://purl.org/dc/terms/"/>
-    <ds:schemaRef ds:uri="http://purl.org/dc/dcmitype/"/>
-    <ds:schemaRef ds:uri="http://schemas.microsoft.com/office/2006/documentManagement/types"/>
-    <ds:schemaRef ds:uri="http://purl.org/dc/elements/1.1/"/>
-    <ds:schemaRef ds:uri="http://schemas.openxmlformats.org/package/2006/metadata/core-properties"/>
-    <ds:schemaRef ds:uri="http://schemas.microsoft.com/office/infopath/2007/PartnerControls"/>
-  </ds:schemaRefs>
-</ds:datastoreItem>
 </file>
--- a/cansat_debug.pptx
+++ b/cansat_debug.pptx
@@ -39185,6 +39185,24 @@
             </a:r>
           </a:p>
           <a:p>
+            <a:pPr lvl="1"/>
+            <a:r>
+              <a:rPr lang="en-HU" dirty="0"/>
+              <a:t>Mesterségesen abba az állapotba vinni az eszközt</a:t>
+            </a:r>
+          </a:p>
+          <a:p>
+            <a:pPr lvl="2"/>
+            <a:r>
+              <a:rPr lang="en-GB" dirty="0"/>
+              <a:t>P</a:t>
+            </a:r>
+            <a:r>
+              <a:rPr lang="en-HU" dirty="0"/>
+              <a:t>l timer túlcsordulás körüli hiba esetén timert túlcsordulás előtti állapotban indítani</a:t>
+            </a:r>
+          </a:p>
+          <a:p>
             <a:r>
               <a:rPr lang="en-HU" dirty="0"/>
               <a:t>In-circuit debug</a:t>
@@ -39215,24 +39233,6 @@
             <a:r>
               <a:rPr lang="en-HU" dirty="0"/>
               <a:t>Ha a logból nem látszik semmi: több logolás</a:t>
-            </a:r>
-          </a:p>
-          <a:p>
-            <a:pPr lvl="1"/>
-            <a:r>
-              <a:rPr lang="en-HU" dirty="0"/>
-              <a:t>Ha látszódik valami: mesterségesen abba az állapotba vinni az eszközt</a:t>
-            </a:r>
-          </a:p>
-          <a:p>
-            <a:pPr lvl="2"/>
-            <a:r>
-              <a:rPr lang="en-GB" dirty="0"/>
-              <a:t>P</a:t>
-            </a:r>
-            <a:r>
-              <a:rPr lang="en-HU" dirty="0"/>
-              <a:t>l timer túlcsordulás körüli hiba esetén timert túlcsordulás előtti állapotban indítani</a:t>
             </a:r>
           </a:p>
           <a:p>
@@ -40208,10 +40208,9 @@
           <a:p>
             <a:pPr lvl="1"/>
             <a:r>
-              <a:rPr lang="en-HU"/>
+              <a:rPr lang="en-HU" dirty="0"/>
               <a:t>Valójában nem megy ki a csomag, vagy nem az amit szeretnénk</a:t>
             </a:r>
-            <a:endParaRPr lang="en-HU" dirty="0"/>
           </a:p>
           <a:p>
             <a:pPr lvl="1"/>

--- a/cansat_debug.pptx
+++ b/cansat_debug.pptx
@@ -38805,6 +38805,20 @@
                 <a:hlinkClick r:id="rId3"/>
               </a:rPr>
               <a:t>https://github.com/andrasbiro-silabs/cansat-bug-presentation</a:t>
+            </a:r>
+            <a:endParaRPr lang="en-GB" dirty="0"/>
+          </a:p>
+          <a:p>
+            <a:pPr marL="0" indent="0">
+              <a:buNone/>
+            </a:pPr>
+            <a:r>
+              <a:rPr lang="en-GB" dirty="0" err="1"/>
+              <a:t>andras.biro</a:t>
+            </a:r>
+            <a:r>
+              <a:rPr lang="en-GB"/>
+              <a:t> @ silabs.com</a:t>
             </a:r>
             <a:endParaRPr lang="en-GB" dirty="0"/>
           </a:p>

--- a/cansat_debug.pptx
+++ b/cansat_debug.pptx
@@ -5,26 +5,32 @@
     <p:sldMasterId id="2147484567" r:id="rId4"/>
   </p:sldMasterIdLst>
   <p:notesMasterIdLst>
-    <p:notesMasterId r:id="rId19"/>
+    <p:notesMasterId r:id="rId25"/>
   </p:notesMasterIdLst>
   <p:handoutMasterIdLst>
-    <p:handoutMasterId r:id="rId20"/>
+    <p:handoutMasterId r:id="rId26"/>
   </p:handoutMasterIdLst>
   <p:sldIdLst>
     <p:sldId id="256" r:id="rId5"/>
-    <p:sldId id="257" r:id="rId6"/>
-    <p:sldId id="259" r:id="rId7"/>
-    <p:sldId id="260" r:id="rId8"/>
-    <p:sldId id="273" r:id="rId9"/>
-    <p:sldId id="258" r:id="rId10"/>
-    <p:sldId id="262" r:id="rId11"/>
-    <p:sldId id="261" r:id="rId12"/>
-    <p:sldId id="274" r:id="rId13"/>
-    <p:sldId id="263" r:id="rId14"/>
-    <p:sldId id="265" r:id="rId15"/>
-    <p:sldId id="270" r:id="rId16"/>
-    <p:sldId id="268" r:id="rId17"/>
-    <p:sldId id="275" r:id="rId18"/>
+    <p:sldId id="283" r:id="rId6"/>
+    <p:sldId id="282" r:id="rId7"/>
+    <p:sldId id="286" r:id="rId8"/>
+    <p:sldId id="277" r:id="rId9"/>
+    <p:sldId id="278" r:id="rId10"/>
+    <p:sldId id="280" r:id="rId11"/>
+    <p:sldId id="281" r:id="rId12"/>
+    <p:sldId id="287" r:id="rId13"/>
+    <p:sldId id="285" r:id="rId14"/>
+    <p:sldId id="273" r:id="rId15"/>
+    <p:sldId id="284" r:id="rId16"/>
+    <p:sldId id="259" r:id="rId17"/>
+    <p:sldId id="261" r:id="rId18"/>
+    <p:sldId id="274" r:id="rId19"/>
+    <p:sldId id="263" r:id="rId20"/>
+    <p:sldId id="265" r:id="rId21"/>
+    <p:sldId id="270" r:id="rId22"/>
+    <p:sldId id="268" r:id="rId23"/>
+    <p:sldId id="275" r:id="rId24"/>
   </p:sldIdLst>
   <p:sldSz cx="12192000" cy="6858000"/>
   <p:notesSz cx="7010400" cy="9296400"/>
@@ -173,7 +179,7 @@
 <file path=ppt/revisionInfo.xml><?xml version="1.0" encoding="utf-8"?>
 <p1510:revInfo xmlns:a="http://schemas.openxmlformats.org/drawingml/2006/main" xmlns:r="http://schemas.openxmlformats.org/officeDocument/2006/relationships" xmlns:p1510="http://schemas.microsoft.com/office/powerpoint/2015/10/main">
   <p1510:revLst>
-    <p1510:client id="{82A1E7D5-73BE-E047-AEED-6254D9482186}" v="1" dt="2025-01-01T18:15:54.727"/>
+    <p1510:client id="{E20622CD-D098-B840-8CEB-3476E1120B37}" v="559" dt="2025-11-28T13:06:18.895"/>
   </p1510:revLst>
 </p1510:revInfo>
 </file>
@@ -181,43 +187,43 @@
 <file path=ppt/changesInfos/changesInfo1.xml><?xml version="1.0" encoding="utf-8"?>
 <pc:chgInfo xmlns:a="http://schemas.openxmlformats.org/drawingml/2006/main" xmlns:r="http://schemas.openxmlformats.org/officeDocument/2006/relationships" xmlns:ac="http://schemas.microsoft.com/office/drawing/2013/main/command" xmlns:pc="http://schemas.microsoft.com/office/powerpoint/2013/main/command">
   <pc:docChgLst>
-    <pc:chgData name="Andras Biro" userId="fc6cae22-3280-4823-8eea-af6711e5f895" providerId="ADAL" clId="{132D915A-ACFA-204C-B76F-8ED8230C26D8}"/>
-    <pc:docChg chg="undo custSel addSld delSld modSld">
-      <pc:chgData name="Andras Biro" userId="fc6cae22-3280-4823-8eea-af6711e5f895" providerId="ADAL" clId="{132D915A-ACFA-204C-B76F-8ED8230C26D8}" dt="2024-10-31T15:23:33.941" v="4267" actId="20577"/>
+    <pc:chgData name="Andras Biro" userId="fc6cae22-3280-4823-8eea-af6711e5f895" providerId="ADAL" clId="{9AB68449-2326-5AC7-BC7D-2ED908100880}"/>
+    <pc:docChg chg="undo custSel addSld delSld modSld sldOrd">
+      <pc:chgData name="Andras Biro" userId="fc6cae22-3280-4823-8eea-af6711e5f895" providerId="ADAL" clId="{9AB68449-2326-5AC7-BC7D-2ED908100880}" dt="2025-11-28T16:45:16.764" v="2900" actId="2696"/>
       <pc:docMkLst>
         <pc:docMk/>
       </pc:docMkLst>
-      <pc:sldChg chg="modSp mod">
-        <pc:chgData name="Andras Biro" userId="fc6cae22-3280-4823-8eea-af6711e5f895" providerId="ADAL" clId="{132D915A-ACFA-204C-B76F-8ED8230C26D8}" dt="2024-10-31T14:26:49.161" v="1948" actId="20577"/>
+      <pc:sldChg chg="modSp mod modNotesTx">
+        <pc:chgData name="Andras Biro" userId="fc6cae22-3280-4823-8eea-af6711e5f895" providerId="ADAL" clId="{9AB68449-2326-5AC7-BC7D-2ED908100880}" dt="2025-11-26T18:46:48.367" v="2612" actId="20577"/>
         <pc:sldMkLst>
           <pc:docMk/>
-          <pc:sldMk cId="3308102377" sldId="258"/>
+          <pc:sldMk cId="1056884639" sldId="256"/>
         </pc:sldMkLst>
         <pc:spChg chg="mod">
-          <ac:chgData name="Andras Biro" userId="fc6cae22-3280-4823-8eea-af6711e5f895" providerId="ADAL" clId="{132D915A-ACFA-204C-B76F-8ED8230C26D8}" dt="2024-10-31T14:26:31.299" v="1893" actId="20577"/>
+          <ac:chgData name="Andras Biro" userId="fc6cae22-3280-4823-8eea-af6711e5f895" providerId="ADAL" clId="{9AB68449-2326-5AC7-BC7D-2ED908100880}" dt="2025-11-26T17:52:49.904" v="1547" actId="20577"/>
           <ac:spMkLst>
             <pc:docMk/>
-            <pc:sldMk cId="3308102377" sldId="258"/>
-            <ac:spMk id="2" creationId="{752989FC-2389-EAED-0194-AD45A3DDCF92}"/>
-          </ac:spMkLst>
-        </pc:spChg>
-        <pc:spChg chg="mod">
-          <ac:chgData name="Andras Biro" userId="fc6cae22-3280-4823-8eea-af6711e5f895" providerId="ADAL" clId="{132D915A-ACFA-204C-B76F-8ED8230C26D8}" dt="2024-10-31T14:26:49.161" v="1948" actId="20577"/>
-          <ac:spMkLst>
-            <pc:docMk/>
-            <pc:sldMk cId="3308102377" sldId="258"/>
-            <ac:spMk id="3" creationId="{7B5C5FFF-DA09-0093-7AA3-22E1C6925784}"/>
+            <pc:sldMk cId="1056884639" sldId="256"/>
+            <ac:spMk id="3" creationId="{67B723F2-A522-921A-EB06-DC006E2D5F3B}"/>
           </ac:spMkLst>
         </pc:spChg>
       </pc:sldChg>
-      <pc:sldChg chg="modSp mod">
-        <pc:chgData name="Andras Biro" userId="fc6cae22-3280-4823-8eea-af6711e5f895" providerId="ADAL" clId="{132D915A-ACFA-204C-B76F-8ED8230C26D8}" dt="2024-10-31T14:15:31.051" v="1732" actId="20577"/>
+      <pc:sldChg chg="modSp mod ord">
+        <pc:chgData name="Andras Biro" userId="fc6cae22-3280-4823-8eea-af6711e5f895" providerId="ADAL" clId="{9AB68449-2326-5AC7-BC7D-2ED908100880}" dt="2025-11-28T15:42:13.357" v="2899" actId="20577"/>
         <pc:sldMkLst>
           <pc:docMk/>
           <pc:sldMk cId="703869934" sldId="259"/>
         </pc:sldMkLst>
         <pc:spChg chg="mod">
-          <ac:chgData name="Andras Biro" userId="fc6cae22-3280-4823-8eea-af6711e5f895" providerId="ADAL" clId="{132D915A-ACFA-204C-B76F-8ED8230C26D8}" dt="2024-10-31T14:15:31.051" v="1732" actId="20577"/>
+          <ac:chgData name="Andras Biro" userId="fc6cae22-3280-4823-8eea-af6711e5f895" providerId="ADAL" clId="{9AB68449-2326-5AC7-BC7D-2ED908100880}" dt="2025-11-27T17:53:33.334" v="2659" actId="20577"/>
+          <ac:spMkLst>
+            <pc:docMk/>
+            <pc:sldMk cId="703869934" sldId="259"/>
+            <ac:spMk id="2" creationId="{310E7E16-5668-C802-D5AF-ADD191682CEF}"/>
+          </ac:spMkLst>
+        </pc:spChg>
+        <pc:spChg chg="mod">
+          <ac:chgData name="Andras Biro" userId="fc6cae22-3280-4823-8eea-af6711e5f895" providerId="ADAL" clId="{9AB68449-2326-5AC7-BC7D-2ED908100880}" dt="2025-11-28T15:42:13.357" v="2899" actId="20577"/>
           <ac:spMkLst>
             <pc:docMk/>
             <pc:sldMk cId="703869934" sldId="259"/>
@@ -225,45 +231,21 @@
           </ac:spMkLst>
         </pc:spChg>
       </pc:sldChg>
-      <pc:sldChg chg="modSp new mod">
-        <pc:chgData name="Andras Biro" userId="fc6cae22-3280-4823-8eea-af6711e5f895" providerId="ADAL" clId="{132D915A-ACFA-204C-B76F-8ED8230C26D8}" dt="2024-10-31T15:14:02.152" v="3923" actId="27636"/>
+      <pc:sldChg chg="modSp del mod ord">
+        <pc:chgData name="Andras Biro" userId="fc6cae22-3280-4823-8eea-af6711e5f895" providerId="ADAL" clId="{9AB68449-2326-5AC7-BC7D-2ED908100880}" dt="2025-11-27T18:00:11.024" v="2776" actId="2696"/>
         <pc:sldMkLst>
           <pc:docMk/>
           <pc:sldMk cId="1804155307" sldId="260"/>
         </pc:sldMkLst>
-        <pc:spChg chg="mod">
-          <ac:chgData name="Andras Biro" userId="fc6cae22-3280-4823-8eea-af6711e5f895" providerId="ADAL" clId="{132D915A-ACFA-204C-B76F-8ED8230C26D8}" dt="2024-10-31T13:57:42.244" v="560" actId="20577"/>
-          <ac:spMkLst>
-            <pc:docMk/>
-            <pc:sldMk cId="1804155307" sldId="260"/>
-            <ac:spMk id="2" creationId="{D29BB0FB-4940-4697-78CA-8F0E382443CE}"/>
-          </ac:spMkLst>
-        </pc:spChg>
-        <pc:spChg chg="mod">
-          <ac:chgData name="Andras Biro" userId="fc6cae22-3280-4823-8eea-af6711e5f895" providerId="ADAL" clId="{132D915A-ACFA-204C-B76F-8ED8230C26D8}" dt="2024-10-31T15:14:02.152" v="3923" actId="27636"/>
-          <ac:spMkLst>
-            <pc:docMk/>
-            <pc:sldMk cId="1804155307" sldId="260"/>
-            <ac:spMk id="3" creationId="{986AE8B9-CFE6-2BF3-1AB1-D5AD0337BBA1}"/>
-          </ac:spMkLst>
-        </pc:spChg>
-        <pc:spChg chg="mod">
-          <ac:chgData name="Andras Biro" userId="fc6cae22-3280-4823-8eea-af6711e5f895" providerId="ADAL" clId="{132D915A-ACFA-204C-B76F-8ED8230C26D8}" dt="2024-10-31T14:14:18.290" v="1601" actId="20577"/>
-          <ac:spMkLst>
-            <pc:docMk/>
-            <pc:sldMk cId="1804155307" sldId="260"/>
-            <ac:spMk id="5" creationId="{F69A0A97-91F3-2605-38F3-3F50D94BE18C}"/>
-          </ac:spMkLst>
-        </pc:spChg>
       </pc:sldChg>
-      <pc:sldChg chg="modSp new mod">
-        <pc:chgData name="Andras Biro" userId="fc6cae22-3280-4823-8eea-af6711e5f895" providerId="ADAL" clId="{132D915A-ACFA-204C-B76F-8ED8230C26D8}" dt="2024-10-31T14:35:17.926" v="2391" actId="20577"/>
+      <pc:sldChg chg="modSp mod ord">
+        <pc:chgData name="Andras Biro" userId="fc6cae22-3280-4823-8eea-af6711e5f895" providerId="ADAL" clId="{9AB68449-2326-5AC7-BC7D-2ED908100880}" dt="2025-11-28T09:46:07.889" v="2796" actId="20577"/>
         <pc:sldMkLst>
           <pc:docMk/>
           <pc:sldMk cId="3351470211" sldId="261"/>
         </pc:sldMkLst>
         <pc:spChg chg="mod">
-          <ac:chgData name="Andras Biro" userId="fc6cae22-3280-4823-8eea-af6711e5f895" providerId="ADAL" clId="{132D915A-ACFA-204C-B76F-8ED8230C26D8}" dt="2024-10-31T14:27:13.608" v="2010" actId="20577"/>
+          <ac:chgData name="Andras Biro" userId="fc6cae22-3280-4823-8eea-af6711e5f895" providerId="ADAL" clId="{9AB68449-2326-5AC7-BC7D-2ED908100880}" dt="2025-11-26T17:58:56.590" v="1727" actId="20577"/>
           <ac:spMkLst>
             <pc:docMk/>
             <pc:sldMk cId="3351470211" sldId="261"/>
@@ -271,7 +253,7 @@
           </ac:spMkLst>
         </pc:spChg>
         <pc:spChg chg="mod">
-          <ac:chgData name="Andras Biro" userId="fc6cae22-3280-4823-8eea-af6711e5f895" providerId="ADAL" clId="{132D915A-ACFA-204C-B76F-8ED8230C26D8}" dt="2024-10-31T14:35:17.926" v="2391" actId="20577"/>
+          <ac:chgData name="Andras Biro" userId="fc6cae22-3280-4823-8eea-af6711e5f895" providerId="ADAL" clId="{9AB68449-2326-5AC7-BC7D-2ED908100880}" dt="2025-11-28T09:46:07.889" v="2796" actId="20577"/>
           <ac:spMkLst>
             <pc:docMk/>
             <pc:sldMk cId="3351470211" sldId="261"/>
@@ -279,170 +261,14 @@
           </ac:spMkLst>
         </pc:spChg>
       </pc:sldChg>
-      <pc:sldChg chg="modSp new mod">
-        <pc:chgData name="Andras Biro" userId="fc6cae22-3280-4823-8eea-af6711e5f895" providerId="ADAL" clId="{132D915A-ACFA-204C-B76F-8ED8230C26D8}" dt="2024-10-31T14:45:56.461" v="2955" actId="20577"/>
-        <pc:sldMkLst>
-          <pc:docMk/>
-          <pc:sldMk cId="99471041" sldId="262"/>
-        </pc:sldMkLst>
-        <pc:spChg chg="mod">
-          <ac:chgData name="Andras Biro" userId="fc6cae22-3280-4823-8eea-af6711e5f895" providerId="ADAL" clId="{132D915A-ACFA-204C-B76F-8ED8230C26D8}" dt="2024-10-31T14:36:02.500" v="2413" actId="20577"/>
-          <ac:spMkLst>
-            <pc:docMk/>
-            <pc:sldMk cId="99471041" sldId="262"/>
-            <ac:spMk id="2" creationId="{0B582429-DC18-B549-E629-94B9ABC5C755}"/>
-          </ac:spMkLst>
-        </pc:spChg>
-        <pc:spChg chg="mod">
-          <ac:chgData name="Andras Biro" userId="fc6cae22-3280-4823-8eea-af6711e5f895" providerId="ADAL" clId="{132D915A-ACFA-204C-B76F-8ED8230C26D8}" dt="2024-10-31T14:45:56.461" v="2955" actId="20577"/>
-          <ac:spMkLst>
-            <pc:docMk/>
-            <pc:sldMk cId="99471041" sldId="262"/>
-            <ac:spMk id="3" creationId="{CB53D7DD-E7BF-14F4-A824-2674ABEE9752}"/>
-          </ac:spMkLst>
-        </pc:spChg>
-      </pc:sldChg>
-      <pc:sldChg chg="modSp new mod">
-        <pc:chgData name="Andras Biro" userId="fc6cae22-3280-4823-8eea-af6711e5f895" providerId="ADAL" clId="{132D915A-ACFA-204C-B76F-8ED8230C26D8}" dt="2024-10-31T14:59:58.925" v="3381" actId="20577"/>
-        <pc:sldMkLst>
-          <pc:docMk/>
-          <pc:sldMk cId="907389125" sldId="263"/>
-        </pc:sldMkLst>
-        <pc:spChg chg="mod">
-          <ac:chgData name="Andras Biro" userId="fc6cae22-3280-4823-8eea-af6711e5f895" providerId="ADAL" clId="{132D915A-ACFA-204C-B76F-8ED8230C26D8}" dt="2024-10-31T14:59:58.925" v="3381" actId="20577"/>
-          <ac:spMkLst>
-            <pc:docMk/>
-            <pc:sldMk cId="907389125" sldId="263"/>
-            <ac:spMk id="2" creationId="{37487B00-60E7-A63B-B40F-E47AEFAEF5E5}"/>
-          </ac:spMkLst>
-        </pc:spChg>
-      </pc:sldChg>
-      <pc:sldChg chg="modSp add mod">
-        <pc:chgData name="Andras Biro" userId="fc6cae22-3280-4823-8eea-af6711e5f895" providerId="ADAL" clId="{132D915A-ACFA-204C-B76F-8ED8230C26D8}" dt="2024-10-31T15:02:47.831" v="3429" actId="20577"/>
-        <pc:sldMkLst>
-          <pc:docMk/>
-          <pc:sldMk cId="1954845986" sldId="264"/>
-        </pc:sldMkLst>
-      </pc:sldChg>
-      <pc:sldChg chg="new del">
-        <pc:chgData name="Andras Biro" userId="fc6cae22-3280-4823-8eea-af6711e5f895" providerId="ADAL" clId="{132D915A-ACFA-204C-B76F-8ED8230C26D8}" dt="2024-10-31T15:03:21.812" v="3431" actId="2696"/>
-        <pc:sldMkLst>
-          <pc:docMk/>
-          <pc:sldMk cId="731738358" sldId="265"/>
-        </pc:sldMkLst>
-      </pc:sldChg>
-      <pc:sldChg chg="modSp add mod">
-        <pc:chgData name="Andras Biro" userId="fc6cae22-3280-4823-8eea-af6711e5f895" providerId="ADAL" clId="{132D915A-ACFA-204C-B76F-8ED8230C26D8}" dt="2024-10-31T15:03:49.118" v="3496" actId="20577"/>
-        <pc:sldMkLst>
-          <pc:docMk/>
-          <pc:sldMk cId="1964418487" sldId="265"/>
-        </pc:sldMkLst>
-        <pc:spChg chg="mod">
-          <ac:chgData name="Andras Biro" userId="fc6cae22-3280-4823-8eea-af6711e5f895" providerId="ADAL" clId="{132D915A-ACFA-204C-B76F-8ED8230C26D8}" dt="2024-10-31T15:03:49.118" v="3496" actId="20577"/>
-          <ac:spMkLst>
-            <pc:docMk/>
-            <pc:sldMk cId="1964418487" sldId="265"/>
-            <ac:spMk id="2" creationId="{06C0CF77-4FB5-A3F7-D317-B7D54E7A5E1E}"/>
-          </ac:spMkLst>
-        </pc:spChg>
-      </pc:sldChg>
-      <pc:sldChg chg="modSp add mod">
-        <pc:chgData name="Andras Biro" userId="fc6cae22-3280-4823-8eea-af6711e5f895" providerId="ADAL" clId="{132D915A-ACFA-204C-B76F-8ED8230C26D8}" dt="2024-10-31T15:07:19.439" v="3753" actId="20577"/>
-        <pc:sldMkLst>
-          <pc:docMk/>
-          <pc:sldMk cId="825978139" sldId="266"/>
-        </pc:sldMkLst>
-      </pc:sldChg>
-      <pc:sldChg chg="modSp new mod">
-        <pc:chgData name="Andras Biro" userId="fc6cae22-3280-4823-8eea-af6711e5f895" providerId="ADAL" clId="{132D915A-ACFA-204C-B76F-8ED8230C26D8}" dt="2024-10-31T15:05:10.526" v="3659" actId="20577"/>
-        <pc:sldMkLst>
-          <pc:docMk/>
-          <pc:sldMk cId="2373586729" sldId="267"/>
-        </pc:sldMkLst>
-      </pc:sldChg>
-      <pc:sldChg chg="modSp add mod">
-        <pc:chgData name="Andras Biro" userId="fc6cae22-3280-4823-8eea-af6711e5f895" providerId="ADAL" clId="{132D915A-ACFA-204C-B76F-8ED8230C26D8}" dt="2024-10-31T15:05:32.903" v="3690" actId="20577"/>
-        <pc:sldMkLst>
-          <pc:docMk/>
-          <pc:sldMk cId="2631825662" sldId="268"/>
-        </pc:sldMkLst>
-        <pc:spChg chg="mod">
-          <ac:chgData name="Andras Biro" userId="fc6cae22-3280-4823-8eea-af6711e5f895" providerId="ADAL" clId="{132D915A-ACFA-204C-B76F-8ED8230C26D8}" dt="2024-10-31T15:05:30.070" v="3689" actId="20577"/>
-          <ac:spMkLst>
-            <pc:docMk/>
-            <pc:sldMk cId="2631825662" sldId="268"/>
-            <ac:spMk id="2" creationId="{1745C069-280E-9BAB-C736-5F980A27BC45}"/>
-          </ac:spMkLst>
-        </pc:spChg>
-        <pc:spChg chg="mod">
-          <ac:chgData name="Andras Biro" userId="fc6cae22-3280-4823-8eea-af6711e5f895" providerId="ADAL" clId="{132D915A-ACFA-204C-B76F-8ED8230C26D8}" dt="2024-10-31T15:05:32.903" v="3690" actId="20577"/>
-          <ac:spMkLst>
-            <pc:docMk/>
-            <pc:sldMk cId="2631825662" sldId="268"/>
-            <ac:spMk id="3" creationId="{26B53A7C-AD9E-A33B-0CFE-BA036E56431B}"/>
-          </ac:spMkLst>
-        </pc:spChg>
-      </pc:sldChg>
-      <pc:sldChg chg="modSp new mod">
-        <pc:chgData name="Andras Biro" userId="fc6cae22-3280-4823-8eea-af6711e5f895" providerId="ADAL" clId="{132D915A-ACFA-204C-B76F-8ED8230C26D8}" dt="2024-10-31T15:09:11.883" v="3921" actId="20577"/>
-        <pc:sldMkLst>
-          <pc:docMk/>
-          <pc:sldMk cId="485323589" sldId="269"/>
-        </pc:sldMkLst>
-        <pc:spChg chg="mod">
-          <ac:chgData name="Andras Biro" userId="fc6cae22-3280-4823-8eea-af6711e5f895" providerId="ADAL" clId="{132D915A-ACFA-204C-B76F-8ED8230C26D8}" dt="2024-10-31T15:06:39.811" v="3735" actId="20577"/>
-          <ac:spMkLst>
-            <pc:docMk/>
-            <pc:sldMk cId="485323589" sldId="269"/>
-            <ac:spMk id="2" creationId="{6BED6BDB-4164-836D-CAF8-D9226A640D7A}"/>
-          </ac:spMkLst>
-        </pc:spChg>
-        <pc:spChg chg="mod">
-          <ac:chgData name="Andras Biro" userId="fc6cae22-3280-4823-8eea-af6711e5f895" providerId="ADAL" clId="{132D915A-ACFA-204C-B76F-8ED8230C26D8}" dt="2024-10-31T15:09:11.883" v="3921" actId="20577"/>
-          <ac:spMkLst>
-            <pc:docMk/>
-            <pc:sldMk cId="485323589" sldId="269"/>
-            <ac:spMk id="3" creationId="{0B4F2844-FE80-A85A-AC18-2932190F82B4}"/>
-          </ac:spMkLst>
-        </pc:spChg>
-      </pc:sldChg>
-      <pc:sldChg chg="modSp add mod">
-        <pc:chgData name="Andras Biro" userId="fc6cae22-3280-4823-8eea-af6711e5f895" providerId="ADAL" clId="{132D915A-ACFA-204C-B76F-8ED8230C26D8}" dt="2024-10-31T15:07:34.227" v="3796" actId="20577"/>
-        <pc:sldMkLst>
-          <pc:docMk/>
-          <pc:sldMk cId="803259886" sldId="270"/>
-        </pc:sldMkLst>
-        <pc:spChg chg="mod">
-          <ac:chgData name="Andras Biro" userId="fc6cae22-3280-4823-8eea-af6711e5f895" providerId="ADAL" clId="{132D915A-ACFA-204C-B76F-8ED8230C26D8}" dt="2024-10-31T15:07:34.227" v="3796" actId="20577"/>
-          <ac:spMkLst>
-            <pc:docMk/>
-            <pc:sldMk cId="803259886" sldId="270"/>
-            <ac:spMk id="2" creationId="{6107A6BE-EB79-B499-A9DF-5F14D832A6CF}"/>
-          </ac:spMkLst>
-        </pc:spChg>
-      </pc:sldChg>
-      <pc:sldChg chg="modSp new del mod">
-        <pc:chgData name="Andras Biro" userId="fc6cae22-3280-4823-8eea-af6711e5f895" providerId="ADAL" clId="{132D915A-ACFA-204C-B76F-8ED8230C26D8}" dt="2024-10-31T15:20:29.359" v="4235" actId="2696"/>
-        <pc:sldMkLst>
-          <pc:docMk/>
-          <pc:sldMk cId="3708746720" sldId="271"/>
-        </pc:sldMkLst>
-      </pc:sldChg>
-      <pc:sldChg chg="modSp new del mod">
-        <pc:chgData name="Andras Biro" userId="fc6cae22-3280-4823-8eea-af6711e5f895" providerId="ADAL" clId="{132D915A-ACFA-204C-B76F-8ED8230C26D8}" dt="2024-10-31T15:20:28.443" v="4234" actId="2696"/>
-        <pc:sldMkLst>
-          <pc:docMk/>
-          <pc:sldMk cId="1203983366" sldId="272"/>
-        </pc:sldMkLst>
-      </pc:sldChg>
-      <pc:sldChg chg="addSp modSp new mod">
-        <pc:chgData name="Andras Biro" userId="fc6cae22-3280-4823-8eea-af6711e5f895" providerId="ADAL" clId="{132D915A-ACFA-204C-B76F-8ED8230C26D8}" dt="2024-10-31T15:20:19.280" v="4233" actId="1076"/>
+      <pc:sldChg chg="addSp delSp modSp mod ord modTransition modClrScheme chgLayout modNotesTx">
+        <pc:chgData name="Andras Biro" userId="fc6cae22-3280-4823-8eea-af6711e5f895" providerId="ADAL" clId="{9AB68449-2326-5AC7-BC7D-2ED908100880}" dt="2025-11-26T18:42:52.951" v="2608" actId="20577"/>
         <pc:sldMkLst>
           <pc:docMk/>
           <pc:sldMk cId="2969280367" sldId="273"/>
         </pc:sldMkLst>
         <pc:spChg chg="mod">
-          <ac:chgData name="Andras Biro" userId="fc6cae22-3280-4823-8eea-af6711e5f895" providerId="ADAL" clId="{132D915A-ACFA-204C-B76F-8ED8230C26D8}" dt="2024-10-31T15:17:58.414" v="4089" actId="20577"/>
+          <ac:chgData name="Andras Biro" userId="fc6cae22-3280-4823-8eea-af6711e5f895" providerId="ADAL" clId="{9AB68449-2326-5AC7-BC7D-2ED908100880}" dt="2025-11-26T18:06:17.050" v="1934" actId="26606"/>
           <ac:spMkLst>
             <pc:docMk/>
             <pc:sldMk cId="2969280367" sldId="273"/>
@@ -450,293 +276,394 @@
           </ac:spMkLst>
         </pc:spChg>
         <pc:spChg chg="mod">
-          <ac:chgData name="Andras Biro" userId="fc6cae22-3280-4823-8eea-af6711e5f895" providerId="ADAL" clId="{132D915A-ACFA-204C-B76F-8ED8230C26D8}" dt="2024-10-31T15:19:49.594" v="4229" actId="20577"/>
+          <ac:chgData name="Andras Biro" userId="fc6cae22-3280-4823-8eea-af6711e5f895" providerId="ADAL" clId="{9AB68449-2326-5AC7-BC7D-2ED908100880}" dt="2025-11-26T18:42:52.951" v="2608" actId="20577"/>
           <ac:spMkLst>
             <pc:docMk/>
             <pc:sldMk cId="2969280367" sldId="273"/>
             <ac:spMk id="3" creationId="{8E9796C8-1818-0981-6B17-31B5EFCFBF28}"/>
           </ac:spMkLst>
         </pc:spChg>
-        <pc:picChg chg="add mod">
-          <ac:chgData name="Andras Biro" userId="fc6cae22-3280-4823-8eea-af6711e5f895" providerId="ADAL" clId="{132D915A-ACFA-204C-B76F-8ED8230C26D8}" dt="2024-10-31T15:20:19.280" v="4233" actId="1076"/>
+        <pc:spChg chg="mod">
+          <ac:chgData name="Andras Biro" userId="fc6cae22-3280-4823-8eea-af6711e5f895" providerId="ADAL" clId="{9AB68449-2326-5AC7-BC7D-2ED908100880}" dt="2025-11-26T18:06:17.050" v="1934" actId="26606"/>
+          <ac:spMkLst>
+            <pc:docMk/>
+            <pc:sldMk cId="2969280367" sldId="273"/>
+            <ac:spMk id="4" creationId="{462DF4E7-7146-AB8B-3681-97562FCADD0A}"/>
+          </ac:spMkLst>
+        </pc:spChg>
+        <pc:spChg chg="mod">
+          <ac:chgData name="Andras Biro" userId="fc6cae22-3280-4823-8eea-af6711e5f895" providerId="ADAL" clId="{9AB68449-2326-5AC7-BC7D-2ED908100880}" dt="2025-11-26T18:06:17.050" v="1934" actId="26606"/>
+          <ac:spMkLst>
+            <pc:docMk/>
+            <pc:sldMk cId="2969280367" sldId="273"/>
+            <ac:spMk id="5" creationId="{73AB377E-80D7-690F-42D1-E367B7DECCED}"/>
+          </ac:spMkLst>
+        </pc:spChg>
+        <pc:picChg chg="add mod ord">
+          <ac:chgData name="Andras Biro" userId="fc6cae22-3280-4823-8eea-af6711e5f895" providerId="ADAL" clId="{9AB68449-2326-5AC7-BC7D-2ED908100880}" dt="2025-11-26T18:06:17.050" v="1934" actId="26606"/>
           <ac:picMkLst>
             <pc:docMk/>
             <pc:sldMk cId="2969280367" sldId="273"/>
-            <ac:picMk id="6" creationId="{D97E0EDD-B475-3596-A18F-806ED20AD0CB}"/>
+            <ac:picMk id="1026" creationId="{218AB05E-FD7C-64D5-9566-AE403D3F85FB}"/>
           </ac:picMkLst>
         </pc:picChg>
       </pc:sldChg>
-      <pc:sldChg chg="addSp delSp modSp new mod modClrScheme chgLayout">
-        <pc:chgData name="Andras Biro" userId="fc6cae22-3280-4823-8eea-af6711e5f895" providerId="ADAL" clId="{132D915A-ACFA-204C-B76F-8ED8230C26D8}" dt="2024-10-31T15:23:33.941" v="4267" actId="20577"/>
-        <pc:sldMkLst>
-          <pc:docMk/>
-          <pc:sldMk cId="1469666698" sldId="274"/>
-        </pc:sldMkLst>
-        <pc:spChg chg="mod ord">
-          <ac:chgData name="Andras Biro" userId="fc6cae22-3280-4823-8eea-af6711e5f895" providerId="ADAL" clId="{132D915A-ACFA-204C-B76F-8ED8230C26D8}" dt="2024-10-31T15:22:59.044" v="4237" actId="700"/>
-          <ac:spMkLst>
-            <pc:docMk/>
-            <pc:sldMk cId="1469666698" sldId="274"/>
-            <ac:spMk id="4" creationId="{9036D611-97E0-B50E-C98A-DDEA372F7831}"/>
-          </ac:spMkLst>
-        </pc:spChg>
-        <pc:spChg chg="mod ord">
-          <ac:chgData name="Andras Biro" userId="fc6cae22-3280-4823-8eea-af6711e5f895" providerId="ADAL" clId="{132D915A-ACFA-204C-B76F-8ED8230C26D8}" dt="2024-10-31T15:22:59.044" v="4237" actId="700"/>
-          <ac:spMkLst>
-            <pc:docMk/>
-            <pc:sldMk cId="1469666698" sldId="274"/>
-            <ac:spMk id="5" creationId="{19AB8519-BAA8-785D-03DD-2BAFD61B6845}"/>
-          </ac:spMkLst>
-        </pc:spChg>
-        <pc:spChg chg="add mod ord">
-          <ac:chgData name="Andras Biro" userId="fc6cae22-3280-4823-8eea-af6711e5f895" providerId="ADAL" clId="{132D915A-ACFA-204C-B76F-8ED8230C26D8}" dt="2024-10-31T15:23:33.941" v="4267" actId="20577"/>
-          <ac:spMkLst>
-            <pc:docMk/>
-            <pc:sldMk cId="1469666698" sldId="274"/>
-            <ac:spMk id="6" creationId="{26822C52-5082-54B5-E975-F9C0BEBF9EF9}"/>
-          </ac:spMkLst>
-        </pc:spChg>
-        <pc:spChg chg="add mod ord">
-          <ac:chgData name="Andras Biro" userId="fc6cae22-3280-4823-8eea-af6711e5f895" providerId="ADAL" clId="{132D915A-ACFA-204C-B76F-8ED8230C26D8}" dt="2024-10-31T15:22:59.044" v="4237" actId="700"/>
-          <ac:spMkLst>
-            <pc:docMk/>
-            <pc:sldMk cId="1469666698" sldId="274"/>
-            <ac:spMk id="7" creationId="{2671A1BD-84CA-95B4-0BF3-3BA5983C31C1}"/>
-          </ac:spMkLst>
-        </pc:spChg>
-      </pc:sldChg>
-    </pc:docChg>
-  </pc:docChgLst>
-  <pc:docChgLst>
-    <pc:chgData name="Andras Biro" userId="fc6cae22-3280-4823-8eea-af6711e5f895" providerId="ADAL" clId="{82A1E7D5-73BE-E047-AEED-6254D9482186}"/>
-    <pc:docChg chg="undo custSel addSld delSld modSld sldOrd">
-      <pc:chgData name="Andras Biro" userId="fc6cae22-3280-4823-8eea-af6711e5f895" providerId="ADAL" clId="{82A1E7D5-73BE-E047-AEED-6254D9482186}" dt="2025-01-01T19:53:59.679" v="777" actId="20577"/>
-      <pc:docMkLst>
-        <pc:docMk/>
-      </pc:docMkLst>
       <pc:sldChg chg="modSp mod">
-        <pc:chgData name="Andras Biro" userId="fc6cae22-3280-4823-8eea-af6711e5f895" providerId="ADAL" clId="{82A1E7D5-73BE-E047-AEED-6254D9482186}" dt="2025-01-01T16:42:33.978" v="184" actId="20577"/>
-        <pc:sldMkLst>
-          <pc:docMk/>
-          <pc:sldMk cId="1056884639" sldId="256"/>
-        </pc:sldMkLst>
-        <pc:spChg chg="mod">
-          <ac:chgData name="Andras Biro" userId="fc6cae22-3280-4823-8eea-af6711e5f895" providerId="ADAL" clId="{82A1E7D5-73BE-E047-AEED-6254D9482186}" dt="2025-01-01T16:42:33.978" v="184" actId="20577"/>
-          <ac:spMkLst>
-            <pc:docMk/>
-            <pc:sldMk cId="1056884639" sldId="256"/>
-            <ac:spMk id="3" creationId="{67B723F2-A522-921A-EB06-DC006E2D5F3B}"/>
-          </ac:spMkLst>
-        </pc:spChg>
-      </pc:sldChg>
-      <pc:sldChg chg="modSp mod">
-        <pc:chgData name="Andras Biro" userId="fc6cae22-3280-4823-8eea-af6711e5f895" providerId="ADAL" clId="{82A1E7D5-73BE-E047-AEED-6254D9482186}" dt="2025-01-01T17:57:05.549" v="436" actId="20577"/>
-        <pc:sldMkLst>
-          <pc:docMk/>
-          <pc:sldMk cId="703869934" sldId="259"/>
-        </pc:sldMkLst>
-        <pc:spChg chg="mod">
-          <ac:chgData name="Andras Biro" userId="fc6cae22-3280-4823-8eea-af6711e5f895" providerId="ADAL" clId="{82A1E7D5-73BE-E047-AEED-6254D9482186}" dt="2025-01-01T17:57:05.549" v="436" actId="20577"/>
-          <ac:spMkLst>
-            <pc:docMk/>
-            <pc:sldMk cId="703869934" sldId="259"/>
-            <ac:spMk id="3" creationId="{8862AFCF-F816-3272-7BC6-CEA04E240FE9}"/>
-          </ac:spMkLst>
-        </pc:spChg>
-      </pc:sldChg>
-      <pc:sldChg chg="modSp mod ord">
-        <pc:chgData name="Andras Biro" userId="fc6cae22-3280-4823-8eea-af6711e5f895" providerId="ADAL" clId="{82A1E7D5-73BE-E047-AEED-6254D9482186}" dt="2025-01-01T18:28:18.166" v="582" actId="20578"/>
-        <pc:sldMkLst>
-          <pc:docMk/>
-          <pc:sldMk cId="3351470211" sldId="261"/>
-        </pc:sldMkLst>
-        <pc:spChg chg="mod">
-          <ac:chgData name="Andras Biro" userId="fc6cae22-3280-4823-8eea-af6711e5f895" providerId="ADAL" clId="{82A1E7D5-73BE-E047-AEED-6254D9482186}" dt="2025-01-01T18:28:13.697" v="581" actId="20577"/>
-          <ac:spMkLst>
-            <pc:docMk/>
-            <pc:sldMk cId="3351470211" sldId="261"/>
-            <ac:spMk id="2" creationId="{27DC0867-0D14-5399-FE11-4E4E14123EE5}"/>
-          </ac:spMkLst>
-        </pc:spChg>
-      </pc:sldChg>
-      <pc:sldChg chg="modSp mod">
-        <pc:chgData name="Andras Biro" userId="fc6cae22-3280-4823-8eea-af6711e5f895" providerId="ADAL" clId="{82A1E7D5-73BE-E047-AEED-6254D9482186}" dt="2025-01-01T18:14:13.738" v="538" actId="20577"/>
-        <pc:sldMkLst>
-          <pc:docMk/>
-          <pc:sldMk cId="99471041" sldId="262"/>
-        </pc:sldMkLst>
-        <pc:spChg chg="mod">
-          <ac:chgData name="Andras Biro" userId="fc6cae22-3280-4823-8eea-af6711e5f895" providerId="ADAL" clId="{82A1E7D5-73BE-E047-AEED-6254D9482186}" dt="2025-01-01T18:14:13.738" v="538" actId="20577"/>
-          <ac:spMkLst>
-            <pc:docMk/>
-            <pc:sldMk cId="99471041" sldId="262"/>
-            <ac:spMk id="3" creationId="{CB53D7DD-E7BF-14F4-A824-2674ABEE9752}"/>
-          </ac:spMkLst>
-        </pc:spChg>
-      </pc:sldChg>
-      <pc:sldChg chg="modSp mod modShow">
-        <pc:chgData name="Andras Biro" userId="fc6cae22-3280-4823-8eea-af6711e5f895" providerId="ADAL" clId="{82A1E7D5-73BE-E047-AEED-6254D9482186}" dt="2025-01-01T19:53:59.679" v="777" actId="20577"/>
-        <pc:sldMkLst>
-          <pc:docMk/>
-          <pc:sldMk cId="907389125" sldId="263"/>
-        </pc:sldMkLst>
-        <pc:spChg chg="mod">
-          <ac:chgData name="Andras Biro" userId="fc6cae22-3280-4823-8eea-af6711e5f895" providerId="ADAL" clId="{82A1E7D5-73BE-E047-AEED-6254D9482186}" dt="2024-12-19T15:26:03.527" v="48" actId="20577"/>
-          <ac:spMkLst>
-            <pc:docMk/>
-            <pc:sldMk cId="907389125" sldId="263"/>
-            <ac:spMk id="2" creationId="{37487B00-60E7-A63B-B40F-E47AEFAEF5E5}"/>
-          </ac:spMkLst>
-        </pc:spChg>
-        <pc:spChg chg="mod">
-          <ac:chgData name="Andras Biro" userId="fc6cae22-3280-4823-8eea-af6711e5f895" providerId="ADAL" clId="{82A1E7D5-73BE-E047-AEED-6254D9482186}" dt="2025-01-01T19:53:59.679" v="777" actId="20577"/>
-          <ac:spMkLst>
-            <pc:docMk/>
-            <pc:sldMk cId="907389125" sldId="263"/>
-            <ac:spMk id="3" creationId="{95317C67-2C41-5E16-EA8C-3F981EDCF875}"/>
-          </ac:spMkLst>
-        </pc:spChg>
-      </pc:sldChg>
-      <pc:sldChg chg="del">
-        <pc:chgData name="Andras Biro" userId="fc6cae22-3280-4823-8eea-af6711e5f895" providerId="ADAL" clId="{82A1E7D5-73BE-E047-AEED-6254D9482186}" dt="2024-12-19T11:47:13.102" v="40" actId="2696"/>
-        <pc:sldMkLst>
-          <pc:docMk/>
-          <pc:sldMk cId="1954845986" sldId="264"/>
-        </pc:sldMkLst>
-      </pc:sldChg>
-      <pc:sldChg chg="modSp mod modShow">
-        <pc:chgData name="Andras Biro" userId="fc6cae22-3280-4823-8eea-af6711e5f895" providerId="ADAL" clId="{82A1E7D5-73BE-E047-AEED-6254D9482186}" dt="2025-01-01T18:15:25.839" v="539" actId="729"/>
-        <pc:sldMkLst>
-          <pc:docMk/>
-          <pc:sldMk cId="1964418487" sldId="265"/>
-        </pc:sldMkLst>
-        <pc:spChg chg="mod">
-          <ac:chgData name="Andras Biro" userId="fc6cae22-3280-4823-8eea-af6711e5f895" providerId="ADAL" clId="{82A1E7D5-73BE-E047-AEED-6254D9482186}" dt="2024-12-19T15:25:58.749" v="46" actId="20577"/>
-          <ac:spMkLst>
-            <pc:docMk/>
-            <pc:sldMk cId="1964418487" sldId="265"/>
-            <ac:spMk id="2" creationId="{06C0CF77-4FB5-A3F7-D317-B7D54E7A5E1E}"/>
-          </ac:spMkLst>
-        </pc:spChg>
-        <pc:spChg chg="mod">
-          <ac:chgData name="Andras Biro" userId="fc6cae22-3280-4823-8eea-af6711e5f895" providerId="ADAL" clId="{82A1E7D5-73BE-E047-AEED-6254D9482186}" dt="2025-01-01T16:36:06.235" v="145" actId="20577"/>
-          <ac:spMkLst>
-            <pc:docMk/>
-            <pc:sldMk cId="1964418487" sldId="265"/>
-            <ac:spMk id="3" creationId="{AFD0321D-2985-815F-70E2-4E47E7E46AA4}"/>
-          </ac:spMkLst>
-        </pc:spChg>
-      </pc:sldChg>
-      <pc:sldChg chg="modSp del mod">
-        <pc:chgData name="Andras Biro" userId="fc6cae22-3280-4823-8eea-af6711e5f895" providerId="ADAL" clId="{82A1E7D5-73BE-E047-AEED-6254D9482186}" dt="2024-12-20T10:38:04.454" v="84" actId="2696"/>
-        <pc:sldMkLst>
-          <pc:docMk/>
-          <pc:sldMk cId="825978139" sldId="266"/>
-        </pc:sldMkLst>
-      </pc:sldChg>
-      <pc:sldChg chg="del">
-        <pc:chgData name="Andras Biro" userId="fc6cae22-3280-4823-8eea-af6711e5f895" providerId="ADAL" clId="{82A1E7D5-73BE-E047-AEED-6254D9482186}" dt="2024-12-20T15:21:30.836" v="85" actId="2696"/>
-        <pc:sldMkLst>
-          <pc:docMk/>
-          <pc:sldMk cId="2373586729" sldId="267"/>
-        </pc:sldMkLst>
-      </pc:sldChg>
-      <pc:sldChg chg="modSp mod modShow">
-        <pc:chgData name="Andras Biro" userId="fc6cae22-3280-4823-8eea-af6711e5f895" providerId="ADAL" clId="{82A1E7D5-73BE-E047-AEED-6254D9482186}" dt="2025-01-01T18:15:25.839" v="539" actId="729"/>
-        <pc:sldMkLst>
-          <pc:docMk/>
-          <pc:sldMk cId="2631825662" sldId="268"/>
-        </pc:sldMkLst>
-        <pc:spChg chg="mod">
-          <ac:chgData name="Andras Biro" userId="fc6cae22-3280-4823-8eea-af6711e5f895" providerId="ADAL" clId="{82A1E7D5-73BE-E047-AEED-6254D9482186}" dt="2025-01-01T16:36:33.956" v="181" actId="20577"/>
-          <ac:spMkLst>
-            <pc:docMk/>
-            <pc:sldMk cId="2631825662" sldId="268"/>
-            <ac:spMk id="3" creationId="{26B53A7C-AD9E-A33B-0CFE-BA036E56431B}"/>
-          </ac:spMkLst>
-        </pc:spChg>
-      </pc:sldChg>
-      <pc:sldChg chg="modSp mod ord">
-        <pc:chgData name="Andras Biro" userId="fc6cae22-3280-4823-8eea-af6711e5f895" providerId="ADAL" clId="{82A1E7D5-73BE-E047-AEED-6254D9482186}" dt="2025-01-01T18:28:38.681" v="601" actId="20577"/>
-        <pc:sldMkLst>
-          <pc:docMk/>
-          <pc:sldMk cId="485323589" sldId="269"/>
-        </pc:sldMkLst>
-        <pc:spChg chg="mod">
-          <ac:chgData name="Andras Biro" userId="fc6cae22-3280-4823-8eea-af6711e5f895" providerId="ADAL" clId="{82A1E7D5-73BE-E047-AEED-6254D9482186}" dt="2025-01-01T18:28:38.681" v="601" actId="20577"/>
-          <ac:spMkLst>
-            <pc:docMk/>
-            <pc:sldMk cId="485323589" sldId="269"/>
-            <ac:spMk id="2" creationId="{6BED6BDB-4164-836D-CAF8-D9226A640D7A}"/>
-          </ac:spMkLst>
-        </pc:spChg>
-      </pc:sldChg>
-      <pc:sldChg chg="modSp mod modShow">
-        <pc:chgData name="Andras Biro" userId="fc6cae22-3280-4823-8eea-af6711e5f895" providerId="ADAL" clId="{82A1E7D5-73BE-E047-AEED-6254D9482186}" dt="2025-01-01T18:15:25.839" v="539" actId="729"/>
-        <pc:sldMkLst>
-          <pc:docMk/>
-          <pc:sldMk cId="803259886" sldId="270"/>
-        </pc:sldMkLst>
-        <pc:spChg chg="mod">
-          <ac:chgData name="Andras Biro" userId="fc6cae22-3280-4823-8eea-af6711e5f895" providerId="ADAL" clId="{82A1E7D5-73BE-E047-AEED-6254D9482186}" dt="2024-12-20T10:37:59.523" v="83" actId="20577"/>
-          <ac:spMkLst>
-            <pc:docMk/>
-            <pc:sldMk cId="803259886" sldId="270"/>
-            <ac:spMk id="2" creationId="{6107A6BE-EB79-B499-A9DF-5F14D832A6CF}"/>
-          </ac:spMkLst>
-        </pc:spChg>
-        <pc:spChg chg="mod">
-          <ac:chgData name="Andras Biro" userId="fc6cae22-3280-4823-8eea-af6711e5f895" providerId="ADAL" clId="{82A1E7D5-73BE-E047-AEED-6254D9482186}" dt="2025-01-01T16:36:26.391" v="170" actId="20577"/>
-          <ac:spMkLst>
-            <pc:docMk/>
-            <pc:sldMk cId="803259886" sldId="270"/>
-            <ac:spMk id="3" creationId="{1CB568E4-567D-2706-C2BD-51D627F5BECB}"/>
-          </ac:spMkLst>
-        </pc:spChg>
-      </pc:sldChg>
-      <pc:sldChg chg="modSp mod">
-        <pc:chgData name="Andras Biro" userId="fc6cae22-3280-4823-8eea-af6711e5f895" providerId="ADAL" clId="{82A1E7D5-73BE-E047-AEED-6254D9482186}" dt="2025-01-01T18:02:46.346" v="520" actId="20577"/>
-        <pc:sldMkLst>
-          <pc:docMk/>
-          <pc:sldMk cId="2969280367" sldId="273"/>
-        </pc:sldMkLst>
-        <pc:spChg chg="mod">
-          <ac:chgData name="Andras Biro" userId="fc6cae22-3280-4823-8eea-af6711e5f895" providerId="ADAL" clId="{82A1E7D5-73BE-E047-AEED-6254D9482186}" dt="2025-01-01T18:02:46.346" v="520" actId="20577"/>
-          <ac:spMkLst>
-            <pc:docMk/>
-            <pc:sldMk cId="2969280367" sldId="273"/>
-            <ac:spMk id="3" creationId="{8E9796C8-1818-0981-6B17-31B5EFCFBF28}"/>
-          </ac:spMkLst>
-        </pc:spChg>
-      </pc:sldChg>
-      <pc:sldChg chg="modSp mod ord">
-        <pc:chgData name="Andras Biro" userId="fc6cae22-3280-4823-8eea-af6711e5f895" providerId="ADAL" clId="{82A1E7D5-73BE-E047-AEED-6254D9482186}" dt="2025-01-01T18:16:05.955" v="555" actId="20577"/>
-        <pc:sldMkLst>
-          <pc:docMk/>
-          <pc:sldMk cId="1469666698" sldId="274"/>
-        </pc:sldMkLst>
-        <pc:spChg chg="mod">
-          <ac:chgData name="Andras Biro" userId="fc6cae22-3280-4823-8eea-af6711e5f895" providerId="ADAL" clId="{82A1E7D5-73BE-E047-AEED-6254D9482186}" dt="2025-01-01T18:16:05.955" v="555" actId="20577"/>
-          <ac:spMkLst>
-            <pc:docMk/>
-            <pc:sldMk cId="1469666698" sldId="274"/>
-            <ac:spMk id="6" creationId="{26822C52-5082-54B5-E975-F9C0BEBF9EF9}"/>
-          </ac:spMkLst>
-        </pc:spChg>
-      </pc:sldChg>
-      <pc:sldChg chg="new del">
-        <pc:chgData name="Andras Biro" userId="fc6cae22-3280-4823-8eea-af6711e5f895" providerId="ADAL" clId="{82A1E7D5-73BE-E047-AEED-6254D9482186}" dt="2025-01-01T18:15:50.844" v="541" actId="2696"/>
-        <pc:sldMkLst>
-          <pc:docMk/>
-          <pc:sldMk cId="1357349225" sldId="275"/>
-        </pc:sldMkLst>
-      </pc:sldChg>
-      <pc:sldChg chg="add">
-        <pc:chgData name="Andras Biro" userId="fc6cae22-3280-4823-8eea-af6711e5f895" providerId="ADAL" clId="{82A1E7D5-73BE-E047-AEED-6254D9482186}" dt="2025-01-01T18:15:54.726" v="542"/>
+        <pc:chgData name="Andras Biro" userId="fc6cae22-3280-4823-8eea-af6711e5f895" providerId="ADAL" clId="{9AB68449-2326-5AC7-BC7D-2ED908100880}" dt="2025-11-28T13:07:43.493" v="2879" actId="6549"/>
         <pc:sldMkLst>
           <pc:docMk/>
           <pc:sldMk cId="2410915907" sldId="275"/>
         </pc:sldMkLst>
+        <pc:spChg chg="mod">
+          <ac:chgData name="Andras Biro" userId="fc6cae22-3280-4823-8eea-af6711e5f895" providerId="ADAL" clId="{9AB68449-2326-5AC7-BC7D-2ED908100880}" dt="2025-11-28T13:07:43.493" v="2879" actId="6549"/>
+          <ac:spMkLst>
+            <pc:docMk/>
+            <pc:sldMk cId="2410915907" sldId="275"/>
+            <ac:spMk id="7" creationId="{51AD455F-3B5D-A190-D76A-D2F107D52091}"/>
+          </ac:spMkLst>
+        </pc:spChg>
+      </pc:sldChg>
+      <pc:sldChg chg="addSp delSp modSp new mod ord modClrScheme chgLayout">
+        <pc:chgData name="Andras Biro" userId="fc6cae22-3280-4823-8eea-af6711e5f895" providerId="ADAL" clId="{9AB68449-2326-5AC7-BC7D-2ED908100880}" dt="2025-11-26T18:02:20.096" v="1760" actId="20578"/>
+        <pc:sldMkLst>
+          <pc:docMk/>
+          <pc:sldMk cId="3106315791" sldId="277"/>
+        </pc:sldMkLst>
+        <pc:spChg chg="mod ord">
+          <ac:chgData name="Andras Biro" userId="fc6cae22-3280-4823-8eea-af6711e5f895" providerId="ADAL" clId="{9AB68449-2326-5AC7-BC7D-2ED908100880}" dt="2025-11-26T17:02:09.652" v="515" actId="700"/>
+          <ac:spMkLst>
+            <pc:docMk/>
+            <pc:sldMk cId="3106315791" sldId="277"/>
+            <ac:spMk id="4" creationId="{DE376CCC-33F5-5788-C82C-55250E1DA88D}"/>
+          </ac:spMkLst>
+        </pc:spChg>
+        <pc:spChg chg="mod ord">
+          <ac:chgData name="Andras Biro" userId="fc6cae22-3280-4823-8eea-af6711e5f895" providerId="ADAL" clId="{9AB68449-2326-5AC7-BC7D-2ED908100880}" dt="2025-11-26T17:02:09.652" v="515" actId="700"/>
+          <ac:spMkLst>
+            <pc:docMk/>
+            <pc:sldMk cId="3106315791" sldId="277"/>
+            <ac:spMk id="5" creationId="{1B03A8D9-F51A-A599-A222-F7FD4EF3AEEC}"/>
+          </ac:spMkLst>
+        </pc:spChg>
+        <pc:spChg chg="add mod ord">
+          <ac:chgData name="Andras Biro" userId="fc6cae22-3280-4823-8eea-af6711e5f895" providerId="ADAL" clId="{9AB68449-2326-5AC7-BC7D-2ED908100880}" dt="2025-11-26T17:03:50.832" v="602" actId="20577"/>
+          <ac:spMkLst>
+            <pc:docMk/>
+            <pc:sldMk cId="3106315791" sldId="277"/>
+            <ac:spMk id="7" creationId="{5859189B-ED60-5E28-A3C6-3E8607408B20}"/>
+          </ac:spMkLst>
+        </pc:spChg>
+        <pc:spChg chg="add mod ord">
+          <ac:chgData name="Andras Biro" userId="fc6cae22-3280-4823-8eea-af6711e5f895" providerId="ADAL" clId="{9AB68449-2326-5AC7-BC7D-2ED908100880}" dt="2025-11-26T17:02:41.229" v="576" actId="20577"/>
+          <ac:spMkLst>
+            <pc:docMk/>
+            <pc:sldMk cId="3106315791" sldId="277"/>
+            <ac:spMk id="8" creationId="{A3CFE94B-9318-6784-97C8-DAAA3952042E}"/>
+          </ac:spMkLst>
+        </pc:spChg>
+        <pc:picChg chg="add mod">
+          <ac:chgData name="Andras Biro" userId="fc6cae22-3280-4823-8eea-af6711e5f895" providerId="ADAL" clId="{9AB68449-2326-5AC7-BC7D-2ED908100880}" dt="2025-11-26T17:06:26.197" v="614" actId="1076"/>
+          <ac:picMkLst>
+            <pc:docMk/>
+            <pc:sldMk cId="3106315791" sldId="277"/>
+            <ac:picMk id="15" creationId="{12E2DF52-028D-4ECB-69A8-8E62DA24FE6E}"/>
+          </ac:picMkLst>
+        </pc:picChg>
+      </pc:sldChg>
+      <pc:sldChg chg="addSp delSp modSp new mod ord">
+        <pc:chgData name="Andras Biro" userId="fc6cae22-3280-4823-8eea-af6711e5f895" providerId="ADAL" clId="{9AB68449-2326-5AC7-BC7D-2ED908100880}" dt="2025-11-26T18:41:31.040" v="2570" actId="20577"/>
+        <pc:sldMkLst>
+          <pc:docMk/>
+          <pc:sldMk cId="2394159575" sldId="278"/>
+        </pc:sldMkLst>
+        <pc:spChg chg="mod">
+          <ac:chgData name="Andras Biro" userId="fc6cae22-3280-4823-8eea-af6711e5f895" providerId="ADAL" clId="{9AB68449-2326-5AC7-BC7D-2ED908100880}" dt="2025-11-26T18:41:31.040" v="2570" actId="20577"/>
+          <ac:spMkLst>
+            <pc:docMk/>
+            <pc:sldMk cId="2394159575" sldId="278"/>
+            <ac:spMk id="2" creationId="{8BF7D5D8-5A35-A203-E146-8D9F643511B0}"/>
+          </ac:spMkLst>
+        </pc:spChg>
+        <pc:picChg chg="add mod">
+          <ac:chgData name="Andras Biro" userId="fc6cae22-3280-4823-8eea-af6711e5f895" providerId="ADAL" clId="{9AB68449-2326-5AC7-BC7D-2ED908100880}" dt="2025-11-26T17:08:15.233" v="625" actId="1076"/>
+          <ac:picMkLst>
+            <pc:docMk/>
+            <pc:sldMk cId="2394159575" sldId="278"/>
+            <ac:picMk id="8" creationId="{22E7F573-A3B4-25D9-E7C3-7FBDA9F7E14D}"/>
+          </ac:picMkLst>
+        </pc:picChg>
+        <pc:picChg chg="add mod">
+          <ac:chgData name="Andras Biro" userId="fc6cae22-3280-4823-8eea-af6711e5f895" providerId="ADAL" clId="{9AB68449-2326-5AC7-BC7D-2ED908100880}" dt="2025-11-26T17:08:09.052" v="624" actId="1076"/>
+          <ac:picMkLst>
+            <pc:docMk/>
+            <pc:sldMk cId="2394159575" sldId="278"/>
+            <ac:picMk id="9" creationId="{615DBFD1-41D9-7607-FAE7-80EA82FA81DA}"/>
+          </ac:picMkLst>
+        </pc:picChg>
+        <pc:cxnChg chg="add mod">
+          <ac:chgData name="Andras Biro" userId="fc6cae22-3280-4823-8eea-af6711e5f895" providerId="ADAL" clId="{9AB68449-2326-5AC7-BC7D-2ED908100880}" dt="2025-11-26T17:08:44.698" v="630" actId="1582"/>
+          <ac:cxnSpMkLst>
+            <pc:docMk/>
+            <pc:sldMk cId="2394159575" sldId="278"/>
+            <ac:cxnSpMk id="11" creationId="{255BAA34-5C17-42A7-DED9-2D4990492983}"/>
+          </ac:cxnSpMkLst>
+        </pc:cxnChg>
+        <pc:cxnChg chg="add mod">
+          <ac:chgData name="Andras Biro" userId="fc6cae22-3280-4823-8eea-af6711e5f895" providerId="ADAL" clId="{9AB68449-2326-5AC7-BC7D-2ED908100880}" dt="2025-11-26T17:08:59.947" v="634" actId="14100"/>
+          <ac:cxnSpMkLst>
+            <pc:docMk/>
+            <pc:sldMk cId="2394159575" sldId="278"/>
+            <ac:cxnSpMk id="13" creationId="{52B05A1E-FEBA-EE47-D298-69318AD296DA}"/>
+          </ac:cxnSpMkLst>
+        </pc:cxnChg>
+      </pc:sldChg>
+      <pc:sldChg chg="addSp delSp modSp add del mod ord modAnim">
+        <pc:chgData name="Andras Biro" userId="fc6cae22-3280-4823-8eea-af6711e5f895" providerId="ADAL" clId="{9AB68449-2326-5AC7-BC7D-2ED908100880}" dt="2025-11-28T16:45:16.764" v="2900" actId="2696"/>
+        <pc:sldMkLst>
+          <pc:docMk/>
+          <pc:sldMk cId="440102231" sldId="279"/>
+        </pc:sldMkLst>
+      </pc:sldChg>
+      <pc:sldChg chg="addSp delSp modSp add mod ord">
+        <pc:chgData name="Andras Biro" userId="fc6cae22-3280-4823-8eea-af6711e5f895" providerId="ADAL" clId="{9AB68449-2326-5AC7-BC7D-2ED908100880}" dt="2025-11-26T18:41:39.187" v="2578" actId="20577"/>
+        <pc:sldMkLst>
+          <pc:docMk/>
+          <pc:sldMk cId="639212572" sldId="280"/>
+        </pc:sldMkLst>
+        <pc:spChg chg="mod">
+          <ac:chgData name="Andras Biro" userId="fc6cae22-3280-4823-8eea-af6711e5f895" providerId="ADAL" clId="{9AB68449-2326-5AC7-BC7D-2ED908100880}" dt="2025-11-26T18:41:39.187" v="2578" actId="20577"/>
+          <ac:spMkLst>
+            <pc:docMk/>
+            <pc:sldMk cId="639212572" sldId="280"/>
+            <ac:spMk id="2" creationId="{5066185D-14DC-A825-31FF-50CBF156BF19}"/>
+          </ac:spMkLst>
+        </pc:spChg>
+        <pc:spChg chg="mod">
+          <ac:chgData name="Andras Biro" userId="fc6cae22-3280-4823-8eea-af6711e5f895" providerId="ADAL" clId="{9AB68449-2326-5AC7-BC7D-2ED908100880}" dt="2025-11-26T17:18:47.341" v="772" actId="20577"/>
+          <ac:spMkLst>
+            <pc:docMk/>
+            <pc:sldMk cId="639212572" sldId="280"/>
+            <ac:spMk id="10" creationId="{314105E0-F267-381C-5D0D-E2DE77CB38D5}"/>
+          </ac:spMkLst>
+        </pc:spChg>
+        <pc:picChg chg="add mod">
+          <ac:chgData name="Andras Biro" userId="fc6cae22-3280-4823-8eea-af6711e5f895" providerId="ADAL" clId="{9AB68449-2326-5AC7-BC7D-2ED908100880}" dt="2025-11-26T17:17:20.086" v="736" actId="1076"/>
+          <ac:picMkLst>
+            <pc:docMk/>
+            <pc:sldMk cId="639212572" sldId="280"/>
+            <ac:picMk id="3" creationId="{F7B4C81B-2446-BF9E-830E-94299D9F6DA1}"/>
+          </ac:picMkLst>
+        </pc:picChg>
+        <pc:picChg chg="mod">
+          <ac:chgData name="Andras Biro" userId="fc6cae22-3280-4823-8eea-af6711e5f895" providerId="ADAL" clId="{9AB68449-2326-5AC7-BC7D-2ED908100880}" dt="2025-11-26T17:17:34.564" v="740" actId="1076"/>
+          <ac:picMkLst>
+            <pc:docMk/>
+            <pc:sldMk cId="639212572" sldId="280"/>
+            <ac:picMk id="8" creationId="{17F7052B-F24F-C363-6977-BA3BB07EB625}"/>
+          </ac:picMkLst>
+        </pc:picChg>
+        <pc:cxnChg chg="mod">
+          <ac:chgData name="Andras Biro" userId="fc6cae22-3280-4823-8eea-af6711e5f895" providerId="ADAL" clId="{9AB68449-2326-5AC7-BC7D-2ED908100880}" dt="2025-11-26T17:17:40.291" v="742" actId="14100"/>
+          <ac:cxnSpMkLst>
+            <pc:docMk/>
+            <pc:sldMk cId="639212572" sldId="280"/>
+            <ac:cxnSpMk id="11" creationId="{FDAF0868-6C65-9266-4AA9-43C578C9521F}"/>
+          </ac:cxnSpMkLst>
+        </pc:cxnChg>
+      </pc:sldChg>
+      <pc:sldChg chg="addSp delSp modSp new mod ord modClrScheme modAnim chgLayout">
+        <pc:chgData name="Andras Biro" userId="fc6cae22-3280-4823-8eea-af6711e5f895" providerId="ADAL" clId="{9AB68449-2326-5AC7-BC7D-2ED908100880}" dt="2025-11-26T18:43:30.254" v="2611" actId="478"/>
+        <pc:sldMkLst>
+          <pc:docMk/>
+          <pc:sldMk cId="421021927" sldId="281"/>
+        </pc:sldMkLst>
+        <pc:spChg chg="mod ord">
+          <ac:chgData name="Andras Biro" userId="fc6cae22-3280-4823-8eea-af6711e5f895" providerId="ADAL" clId="{9AB68449-2326-5AC7-BC7D-2ED908100880}" dt="2025-11-26T18:41:55.620" v="2594" actId="20577"/>
+          <ac:spMkLst>
+            <pc:docMk/>
+            <pc:sldMk cId="421021927" sldId="281"/>
+            <ac:spMk id="2" creationId="{6F945BDA-E49B-E34A-3ED7-64DBE6CB0D1C}"/>
+          </ac:spMkLst>
+        </pc:spChg>
+        <pc:spChg chg="mod ord">
+          <ac:chgData name="Andras Biro" userId="fc6cae22-3280-4823-8eea-af6711e5f895" providerId="ADAL" clId="{9AB68449-2326-5AC7-BC7D-2ED908100880}" dt="2025-11-26T17:19:28.586" v="827" actId="700"/>
+          <ac:spMkLst>
+            <pc:docMk/>
+            <pc:sldMk cId="421021927" sldId="281"/>
+            <ac:spMk id="5" creationId="{05402DF4-1188-AFC8-1A9E-A85D752AF036}"/>
+          </ac:spMkLst>
+        </pc:spChg>
+        <pc:spChg chg="mod ord">
+          <ac:chgData name="Andras Biro" userId="fc6cae22-3280-4823-8eea-af6711e5f895" providerId="ADAL" clId="{9AB68449-2326-5AC7-BC7D-2ED908100880}" dt="2025-11-26T17:19:28.586" v="827" actId="700"/>
+          <ac:spMkLst>
+            <pc:docMk/>
+            <pc:sldMk cId="421021927" sldId="281"/>
+            <ac:spMk id="6" creationId="{030A11D1-82F0-17B7-8215-656A23A6289C}"/>
+          </ac:spMkLst>
+        </pc:spChg>
+        <pc:spChg chg="add mod ord">
+          <ac:chgData name="Andras Biro" userId="fc6cae22-3280-4823-8eea-af6711e5f895" providerId="ADAL" clId="{9AB68449-2326-5AC7-BC7D-2ED908100880}" dt="2025-11-26T18:43:20.470" v="2609" actId="20577"/>
+          <ac:spMkLst>
+            <pc:docMk/>
+            <pc:sldMk cId="421021927" sldId="281"/>
+            <ac:spMk id="7" creationId="{40AE2F2A-F65B-E97D-F057-83D348734D9F}"/>
+          </ac:spMkLst>
+        </pc:spChg>
+        <pc:picChg chg="add mod">
+          <ac:chgData name="Andras Biro" userId="fc6cae22-3280-4823-8eea-af6711e5f895" providerId="ADAL" clId="{9AB68449-2326-5AC7-BC7D-2ED908100880}" dt="2025-11-26T17:22:38.245" v="962" actId="14100"/>
+          <ac:picMkLst>
+            <pc:docMk/>
+            <pc:sldMk cId="421021927" sldId="281"/>
+            <ac:picMk id="8" creationId="{D14E00C4-A2CE-2903-EF57-736B54BC8548}"/>
+          </ac:picMkLst>
+        </pc:picChg>
+      </pc:sldChg>
+      <pc:sldChg chg="addSp delSp modSp new mod ord modAnim">
+        <pc:chgData name="Andras Biro" userId="fc6cae22-3280-4823-8eea-af6711e5f895" providerId="ADAL" clId="{9AB68449-2326-5AC7-BC7D-2ED908100880}" dt="2025-11-26T17:59:54.748" v="1757" actId="20577"/>
+        <pc:sldMkLst>
+          <pc:docMk/>
+          <pc:sldMk cId="1828692694" sldId="282"/>
+        </pc:sldMkLst>
+        <pc:spChg chg="mod">
+          <ac:chgData name="Andras Biro" userId="fc6cae22-3280-4823-8eea-af6711e5f895" providerId="ADAL" clId="{9AB68449-2326-5AC7-BC7D-2ED908100880}" dt="2025-11-26T17:59:54.748" v="1757" actId="20577"/>
+          <ac:spMkLst>
+            <pc:docMk/>
+            <pc:sldMk cId="1828692694" sldId="282"/>
+            <ac:spMk id="2" creationId="{B02C9BDA-F2FF-CA63-0AB6-B7536E9BB5F3}"/>
+          </ac:spMkLst>
+        </pc:spChg>
+        <pc:picChg chg="add mod">
+          <ac:chgData name="Andras Biro" userId="fc6cae22-3280-4823-8eea-af6711e5f895" providerId="ADAL" clId="{9AB68449-2326-5AC7-BC7D-2ED908100880}" dt="2025-11-26T17:45:49.574" v="1527" actId="1076"/>
+          <ac:picMkLst>
+            <pc:docMk/>
+            <pc:sldMk cId="1828692694" sldId="282"/>
+            <ac:picMk id="10" creationId="{1249346B-186F-48F9-98AD-E980A7CBEB23}"/>
+          </ac:picMkLst>
+        </pc:picChg>
+        <pc:picChg chg="add mod">
+          <ac:chgData name="Andras Biro" userId="fc6cae22-3280-4823-8eea-af6711e5f895" providerId="ADAL" clId="{9AB68449-2326-5AC7-BC7D-2ED908100880}" dt="2025-11-26T17:46:20.043" v="1530" actId="1076"/>
+          <ac:picMkLst>
+            <pc:docMk/>
+            <pc:sldMk cId="1828692694" sldId="282"/>
+            <ac:picMk id="11" creationId="{2FD7184C-86B3-F0CF-6EC2-5DC03DAA1FB1}"/>
+          </ac:picMkLst>
+        </pc:picChg>
+        <pc:picChg chg="add mod">
+          <ac:chgData name="Andras Biro" userId="fc6cae22-3280-4823-8eea-af6711e5f895" providerId="ADAL" clId="{9AB68449-2326-5AC7-BC7D-2ED908100880}" dt="2025-11-26T17:47:20.610" v="1536" actId="1076"/>
+          <ac:picMkLst>
+            <pc:docMk/>
+            <pc:sldMk cId="1828692694" sldId="282"/>
+            <ac:picMk id="13" creationId="{D6772567-F37A-9587-069A-56C700225768}"/>
+          </ac:picMkLst>
+        </pc:picChg>
+        <pc:picChg chg="add mod">
+          <ac:chgData name="Andras Biro" userId="fc6cae22-3280-4823-8eea-af6711e5f895" providerId="ADAL" clId="{9AB68449-2326-5AC7-BC7D-2ED908100880}" dt="2025-11-26T17:47:57.577" v="1538" actId="1076"/>
+          <ac:picMkLst>
+            <pc:docMk/>
+            <pc:sldMk cId="1828692694" sldId="282"/>
+            <ac:picMk id="14" creationId="{D8E239EA-58A3-C8A4-ADAC-D9F034102E65}"/>
+          </ac:picMkLst>
+        </pc:picChg>
+      </pc:sldChg>
+      <pc:sldChg chg="modSp new mod ord">
+        <pc:chgData name="Andras Biro" userId="fc6cae22-3280-4823-8eea-af6711e5f895" providerId="ADAL" clId="{9AB68449-2326-5AC7-BC7D-2ED908100880}" dt="2025-11-26T18:36:04.207" v="2361"/>
+        <pc:sldMkLst>
+          <pc:docMk/>
+          <pc:sldMk cId="3576876776" sldId="283"/>
+        </pc:sldMkLst>
+        <pc:spChg chg="mod">
+          <ac:chgData name="Andras Biro" userId="fc6cae22-3280-4823-8eea-af6711e5f895" providerId="ADAL" clId="{9AB68449-2326-5AC7-BC7D-2ED908100880}" dt="2025-11-26T18:03:00.595" v="1812" actId="20577"/>
+          <ac:spMkLst>
+            <pc:docMk/>
+            <pc:sldMk cId="3576876776" sldId="283"/>
+            <ac:spMk id="2" creationId="{5B409CA7-0FC0-90B4-57AA-A34F8FCB61C6}"/>
+          </ac:spMkLst>
+        </pc:spChg>
+        <pc:spChg chg="mod">
+          <ac:chgData name="Andras Biro" userId="fc6cae22-3280-4823-8eea-af6711e5f895" providerId="ADAL" clId="{9AB68449-2326-5AC7-BC7D-2ED908100880}" dt="2025-11-26T18:36:04.207" v="2361"/>
+          <ac:spMkLst>
+            <pc:docMk/>
+            <pc:sldMk cId="3576876776" sldId="283"/>
+            <ac:spMk id="3" creationId="{DE5CA89F-5F3F-1220-E67D-0BC65B5C9C06}"/>
+          </ac:spMkLst>
+        </pc:spChg>
+      </pc:sldChg>
+      <pc:sldChg chg="modSp add mod ord">
+        <pc:chgData name="Andras Biro" userId="fc6cae22-3280-4823-8eea-af6711e5f895" providerId="ADAL" clId="{9AB68449-2326-5AC7-BC7D-2ED908100880}" dt="2025-11-28T15:34:40.977" v="2880" actId="20577"/>
+        <pc:sldMkLst>
+          <pc:docMk/>
+          <pc:sldMk cId="1721995532" sldId="284"/>
+        </pc:sldMkLst>
+        <pc:spChg chg="mod">
+          <ac:chgData name="Andras Biro" userId="fc6cae22-3280-4823-8eea-af6711e5f895" providerId="ADAL" clId="{9AB68449-2326-5AC7-BC7D-2ED908100880}" dt="2025-11-26T18:28:15.465" v="2000" actId="20577"/>
+          <ac:spMkLst>
+            <pc:docMk/>
+            <pc:sldMk cId="1721995532" sldId="284"/>
+            <ac:spMk id="2" creationId="{8D63E140-4E73-73B5-CFCB-F353075B22ED}"/>
+          </ac:spMkLst>
+        </pc:spChg>
+        <pc:spChg chg="mod">
+          <ac:chgData name="Andras Biro" userId="fc6cae22-3280-4823-8eea-af6711e5f895" providerId="ADAL" clId="{9AB68449-2326-5AC7-BC7D-2ED908100880}" dt="2025-11-28T15:34:40.977" v="2880" actId="20577"/>
+          <ac:spMkLst>
+            <pc:docMk/>
+            <pc:sldMk cId="1721995532" sldId="284"/>
+            <ac:spMk id="3" creationId="{FA116E1F-2F14-D532-E3D1-69C276D3A92F}"/>
+          </ac:spMkLst>
+        </pc:spChg>
+      </pc:sldChg>
+      <pc:sldChg chg="modSp new mod">
+        <pc:chgData name="Andras Biro" userId="fc6cae22-3280-4823-8eea-af6711e5f895" providerId="ADAL" clId="{9AB68449-2326-5AC7-BC7D-2ED908100880}" dt="2025-11-26T18:35:01.935" v="2357" actId="20577"/>
+        <pc:sldMkLst>
+          <pc:docMk/>
+          <pc:sldMk cId="676104303" sldId="285"/>
+        </pc:sldMkLst>
+        <pc:spChg chg="mod">
+          <ac:chgData name="Andras Biro" userId="fc6cae22-3280-4823-8eea-af6711e5f895" providerId="ADAL" clId="{9AB68449-2326-5AC7-BC7D-2ED908100880}" dt="2025-11-26T18:32:36.751" v="2162" actId="20577"/>
+          <ac:spMkLst>
+            <pc:docMk/>
+            <pc:sldMk cId="676104303" sldId="285"/>
+            <ac:spMk id="2" creationId="{437EBBA9-A5DD-CF47-8B27-BBE37293E7D1}"/>
+          </ac:spMkLst>
+        </pc:spChg>
+        <pc:spChg chg="mod">
+          <ac:chgData name="Andras Biro" userId="fc6cae22-3280-4823-8eea-af6711e5f895" providerId="ADAL" clId="{9AB68449-2326-5AC7-BC7D-2ED908100880}" dt="2025-11-26T18:35:01.935" v="2357" actId="20577"/>
+          <ac:spMkLst>
+            <pc:docMk/>
+            <pc:sldMk cId="676104303" sldId="285"/>
+            <ac:spMk id="3" creationId="{E804AB1F-A5BB-6921-57B6-D236AA66DAF4}"/>
+          </ac:spMkLst>
+        </pc:spChg>
+      </pc:sldChg>
+      <pc:sldChg chg="addSp modSp new mod">
+        <pc:chgData name="Andras Biro" userId="fc6cae22-3280-4823-8eea-af6711e5f895" providerId="ADAL" clId="{9AB68449-2326-5AC7-BC7D-2ED908100880}" dt="2025-11-26T18:40:57.150" v="2537" actId="20577"/>
+        <pc:sldMkLst>
+          <pc:docMk/>
+          <pc:sldMk cId="23396523" sldId="286"/>
+        </pc:sldMkLst>
+        <pc:spChg chg="mod">
+          <ac:chgData name="Andras Biro" userId="fc6cae22-3280-4823-8eea-af6711e5f895" providerId="ADAL" clId="{9AB68449-2326-5AC7-BC7D-2ED908100880}" dt="2025-11-26T18:38:53.997" v="2406" actId="20577"/>
+          <ac:spMkLst>
+            <pc:docMk/>
+            <pc:sldMk cId="23396523" sldId="286"/>
+            <ac:spMk id="2" creationId="{2CD624EE-6191-F171-8D57-1F848982A8BE}"/>
+          </ac:spMkLst>
+        </pc:spChg>
+        <pc:spChg chg="mod">
+          <ac:chgData name="Andras Biro" userId="fc6cae22-3280-4823-8eea-af6711e5f895" providerId="ADAL" clId="{9AB68449-2326-5AC7-BC7D-2ED908100880}" dt="2025-11-26T18:40:57.150" v="2537" actId="20577"/>
+          <ac:spMkLst>
+            <pc:docMk/>
+            <pc:sldMk cId="23396523" sldId="286"/>
+            <ac:spMk id="3" creationId="{7A8ACA9C-0D53-2262-DA54-A094876EC94E}"/>
+          </ac:spMkLst>
+        </pc:spChg>
+        <pc:picChg chg="add mod">
+          <ac:chgData name="Andras Biro" userId="fc6cae22-3280-4823-8eea-af6711e5f895" providerId="ADAL" clId="{9AB68449-2326-5AC7-BC7D-2ED908100880}" dt="2025-11-26T18:40:32.843" v="2511" actId="14100"/>
+          <ac:picMkLst>
+            <pc:docMk/>
+            <pc:sldMk cId="23396523" sldId="286"/>
+            <ac:picMk id="6" creationId="{BEDF1106-77A6-AE6B-DCBF-82DA2893EE24}"/>
+          </ac:picMkLst>
+        </pc:picChg>
       </pc:sldChg>
     </pc:docChg>
   </pc:docChgLst>
@@ -843,7 +770,7 @@
                 <a:latin typeface="Arial" panose="020B0604020202020204" pitchFamily="34" charset="0"/>
                 <a:cs typeface="Arial" panose="020B0604020202020204" pitchFamily="34" charset="0"/>
               </a:rPr>
-              <a:t>1/3/25</a:t>
+              <a:t>11/28/25</a:t>
             </a:fld>
             <a:endParaRPr lang="en-US">
               <a:latin typeface="Arial" panose="020B0604020202020204" pitchFamily="34" charset="0"/>
@@ -1074,7 +1001,7 @@
               <a:pPr>
                 <a:defRPr/>
               </a:pPr>
-              <a:t>1/3/25</a:t>
+              <a:t>11/28/25</a:t>
             </a:fld>
             <a:endParaRPr lang="en-US"/>
           </a:p>
@@ -1495,6 +1422,19 @@
               <a:t>Bocs a hunglish-ért</a:t>
             </a:r>
           </a:p>
+          <a:p>
+            <a:endParaRPr lang="en-HU" dirty="0"/>
+          </a:p>
+          <a:p>
+            <a:r>
+              <a:rPr lang="en-GB" dirty="0"/>
+              <a:t>T</a:t>
+            </a:r>
+            <a:r>
+              <a:rPr lang="en-HU" dirty="0"/>
+              <a:t>avalyi előadás?</a:t>
+            </a:r>
+          </a:p>
         </p:txBody>
       </p:sp>
       <p:sp>
@@ -1583,7 +1523,24 @@
           <a:bodyPr/>
           <a:lstStyle/>
           <a:p>
-            <a:endParaRPr lang="en-HU" dirty="0"/>
+            <a:pPr marL="0" marR="0" lvl="0" indent="0" algn="l" defTabSz="914400" rtl="0" eaLnBrk="1" fontAlgn="base" latinLnBrk="0" hangingPunct="1">
+              <a:lnSpc>
+                <a:spcPct val="100000"/>
+              </a:lnSpc>
+              <a:spcBef>
+                <a:spcPct val="30000"/>
+              </a:spcBef>
+              <a:spcAft>
+                <a:spcPct val="0"/>
+              </a:spcAft>
+              <a:buClrTx/>
+              <a:buSzTx/>
+              <a:buFontTx/>
+              <a:buNone/>
+              <a:tabLst/>
+              <a:defRPr/>
+            </a:pPr>
+            <a:endParaRPr lang="en-GB" dirty="0"/>
           </a:p>
         </p:txBody>
       </p:sp>
@@ -1610,7 +1567,7 @@
               <a:pPr>
                 <a:defRPr/>
               </a:pPr>
-              <a:t>2</a:t>
+              <a:t>11</a:t>
             </a:fld>
             <a:endParaRPr lang="en-US" dirty="0"/>
           </a:p>
@@ -1619,7 +1576,7 @@
     </p:spTree>
     <p:extLst>
       <p:ext uri="{BB962C8B-B14F-4D97-AF65-F5344CB8AC3E}">
-        <p14:creationId xmlns:p14="http://schemas.microsoft.com/office/powerpoint/2010/main" val="509458683"/>
+        <p14:creationId xmlns:p14="http://schemas.microsoft.com/office/powerpoint/2010/main" val="2581422203"/>
       </p:ext>
     </p:extLst>
   </p:cSld>
@@ -1634,7 +1591,13 @@
   <p:cSld>
     <p:spTree>
       <p:nvGrpSpPr>
-        <p:cNvPr id="1" name=""/>
+        <p:cNvPr id="1" name="">
+          <a:extLst>
+            <a:ext uri="{FF2B5EF4-FFF2-40B4-BE49-F238E27FC236}">
+              <a16:creationId xmlns:a16="http://schemas.microsoft.com/office/drawing/2014/main" id="{15006211-13C1-1D44-6A67-69B3F6EA21F2}"/>
+            </a:ext>
+          </a:extLst>
+        </p:cNvPr>
         <p:cNvGrpSpPr/>
         <p:nvPr/>
       </p:nvGrpSpPr>
@@ -1648,7 +1611,13 @@
       </p:grpSpPr>
       <p:sp>
         <p:nvSpPr>
-          <p:cNvPr id="2" name="Slide Image Placeholder 1"/>
+          <p:cNvPr id="2" name="Slide Image Placeholder 1">
+            <a:extLst>
+              <a:ext uri="{FF2B5EF4-FFF2-40B4-BE49-F238E27FC236}">
+                <a16:creationId xmlns:a16="http://schemas.microsoft.com/office/drawing/2014/main" id="{A1BC558E-123E-1739-FF88-47A6E04507A4}"/>
+              </a:ext>
+            </a:extLst>
+          </p:cNvPr>
           <p:cNvSpPr>
             <a:spLocks noGrp="1" noRot="1" noChangeAspect="1"/>
           </p:cNvSpPr>
@@ -1660,7 +1629,13 @@
       </p:sp>
       <p:sp>
         <p:nvSpPr>
-          <p:cNvPr id="3" name="Notes Placeholder 2"/>
+          <p:cNvPr id="3" name="Notes Placeholder 2">
+            <a:extLst>
+              <a:ext uri="{FF2B5EF4-FFF2-40B4-BE49-F238E27FC236}">
+                <a16:creationId xmlns:a16="http://schemas.microsoft.com/office/drawing/2014/main" id="{F971F9E4-7DDD-219F-2749-26B6E9F9CCE2}"/>
+              </a:ext>
+            </a:extLst>
+          </p:cNvPr>
           <p:cNvSpPr>
             <a:spLocks noGrp="1"/>
           </p:cNvSpPr>
@@ -1673,13 +1648,88 @@
           <a:bodyPr/>
           <a:lstStyle/>
           <a:p>
-            <a:endParaRPr lang="en-HU" dirty="0"/>
-          </a:p>
-        </p:txBody>
-      </p:sp>
-      <p:sp>
-        <p:nvSpPr>
-          <p:cNvPr id="4" name="Slide Number Placeholder 3"/>
+            <a:pPr marL="0" marR="0" lvl="0" indent="0" algn="l" defTabSz="914400" rtl="0" eaLnBrk="1" fontAlgn="base" latinLnBrk="0" hangingPunct="1">
+              <a:lnSpc>
+                <a:spcPct val="100000"/>
+              </a:lnSpc>
+              <a:spcBef>
+                <a:spcPct val="30000"/>
+              </a:spcBef>
+              <a:spcAft>
+                <a:spcPct val="0"/>
+              </a:spcAft>
+              <a:buClrTx/>
+              <a:buSzTx/>
+              <a:buFontTx/>
+              <a:buNone/>
+              <a:tabLst/>
+              <a:defRPr/>
+            </a:pPr>
+            <a:r>
+              <a:rPr lang="en-GB" dirty="0"/>
+              <a:t>Pico2-nek van </a:t>
+            </a:r>
+            <a:r>
+              <a:rPr lang="en-GB" dirty="0" err="1"/>
+              <a:t>egy</a:t>
+            </a:r>
+            <a:r>
+              <a:rPr lang="en-GB" dirty="0"/>
+              <a:t> GPIO </a:t>
+            </a:r>
+            <a:r>
+              <a:rPr lang="en-GB" dirty="0" err="1"/>
+              <a:t>bugja</a:t>
+            </a:r>
+            <a:r>
+              <a:rPr lang="en-GB" dirty="0"/>
+              <a:t>, </a:t>
+            </a:r>
+            <a:r>
+              <a:rPr lang="en-GB" dirty="0" err="1"/>
+              <a:t>egyelőre</a:t>
+            </a:r>
+            <a:r>
+              <a:rPr lang="en-GB" dirty="0"/>
+              <a:t> </a:t>
+            </a:r>
+            <a:r>
+              <a:rPr lang="en-GB" dirty="0" err="1"/>
+              <a:t>lehet</a:t>
+            </a:r>
+            <a:r>
+              <a:rPr lang="en-GB" dirty="0"/>
+              <a:t> </a:t>
+            </a:r>
+            <a:r>
+              <a:rPr lang="en-GB" dirty="0" err="1"/>
+              <a:t>jobb</a:t>
+            </a:r>
+            <a:r>
+              <a:rPr lang="en-GB" dirty="0"/>
+              <a:t> </a:t>
+            </a:r>
+            <a:r>
+              <a:rPr lang="en-GB" dirty="0" err="1"/>
+              <a:t>elkerülni</a:t>
+            </a:r>
+            <a:r>
+              <a:rPr lang="en-HU" dirty="0"/>
+              <a:t> – úgy tűnik nincs már</a:t>
+            </a:r>
+            <a:endParaRPr lang="en-GB" dirty="0"/>
+          </a:p>
+        </p:txBody>
+      </p:sp>
+      <p:sp>
+        <p:nvSpPr>
+          <p:cNvPr id="4" name="Slide Number Placeholder 3">
+            <a:extLst>
+              <a:ext uri="{FF2B5EF4-FFF2-40B4-BE49-F238E27FC236}">
+                <a16:creationId xmlns:a16="http://schemas.microsoft.com/office/drawing/2014/main" id="{B5CFFCBA-A1C9-F6AA-13C3-CAC3D3B756BB}"/>
+              </a:ext>
+            </a:extLst>
+          </p:cNvPr>
           <p:cNvSpPr>
             <a:spLocks noGrp="1"/>
           </p:cNvSpPr>
@@ -1700,7 +1750,7 @@
               <a:pPr>
                 <a:defRPr/>
               </a:pPr>
-              <a:t>4</a:t>
+              <a:t>12</a:t>
             </a:fld>
             <a:endParaRPr lang="en-US" dirty="0"/>
           </a:p>
@@ -1709,7 +1759,7 @@
     </p:spTree>
     <p:extLst>
       <p:ext uri="{BB962C8B-B14F-4D97-AF65-F5344CB8AC3E}">
-        <p14:creationId xmlns:p14="http://schemas.microsoft.com/office/powerpoint/2010/main" val="3432047517"/>
+        <p14:creationId xmlns:p14="http://schemas.microsoft.com/office/powerpoint/2010/main" val="170025874"/>
       </p:ext>
     </p:extLst>
   </p:cSld>
@@ -1790,7 +1840,7 @@
               <a:pPr>
                 <a:defRPr/>
               </a:pPr>
-              <a:t>6</a:t>
+              <a:t>13</a:t>
             </a:fld>
             <a:endParaRPr lang="en-US" dirty="0"/>
           </a:p>
@@ -1799,7 +1849,7 @@
     </p:spTree>
     <p:extLst>
       <p:ext uri="{BB962C8B-B14F-4D97-AF65-F5344CB8AC3E}">
-        <p14:creationId xmlns:p14="http://schemas.microsoft.com/office/powerpoint/2010/main" val="4154407166"/>
+        <p14:creationId xmlns:p14="http://schemas.microsoft.com/office/powerpoint/2010/main" val="2879890067"/>
       </p:ext>
     </p:extLst>
   </p:cSld>
@@ -1880,7 +1930,7 @@
               <a:pPr>
                 <a:defRPr/>
               </a:pPr>
-              <a:t>9</a:t>
+              <a:t>15</a:t>
             </a:fld>
             <a:endParaRPr lang="en-US" dirty="0"/>
           </a:p>
@@ -1994,7 +2044,7 @@
               <a:pPr>
                 <a:defRPr/>
               </a:pPr>
-              <a:t>14</a:t>
+              <a:t>20</a:t>
             </a:fld>
             <a:endParaRPr lang="en-US" dirty="0"/>
           </a:p>
@@ -38043,7 +38093,7 @@
           <a:p>
             <a:r>
               <a:rPr lang="en-US" dirty="0"/>
-              <a:t>Bíró András, 2025.01.03.</a:t>
+              <a:t>Bíró András, 2025.11.29.</a:t>
             </a:r>
           </a:p>
         </p:txBody>
@@ -38086,6 +38136,1479 @@
           <p:cNvPr id="2" name="Title 1">
             <a:extLst>
               <a:ext uri="{FF2B5EF4-FFF2-40B4-BE49-F238E27FC236}">
+                <a16:creationId xmlns:a16="http://schemas.microsoft.com/office/drawing/2014/main" id="{437EBBA9-A5DD-CF47-8B27-BBE37293E7D1}"/>
+              </a:ext>
+            </a:extLst>
+          </p:cNvPr>
+          <p:cNvSpPr>
+            <a:spLocks noGrp="1"/>
+          </p:cNvSpPr>
+          <p:nvPr>
+            <p:ph type="title"/>
+          </p:nvPr>
+        </p:nvSpPr>
+        <p:spPr/>
+        <p:txBody>
+          <a:bodyPr/>
+          <a:lstStyle/>
+          <a:p>
+            <a:r>
+              <a:rPr lang="en-HU" dirty="0"/>
+              <a:t>Debug eszközök – logolás</a:t>
+            </a:r>
+          </a:p>
+        </p:txBody>
+      </p:sp>
+      <p:sp>
+        <p:nvSpPr>
+          <p:cNvPr id="3" name="Content Placeholder 2">
+            <a:extLst>
+              <a:ext uri="{FF2B5EF4-FFF2-40B4-BE49-F238E27FC236}">
+                <a16:creationId xmlns:a16="http://schemas.microsoft.com/office/drawing/2014/main" id="{E804AB1F-A5BB-6921-57B6-D236AA66DAF4}"/>
+              </a:ext>
+            </a:extLst>
+          </p:cNvPr>
+          <p:cNvSpPr>
+            <a:spLocks noGrp="1"/>
+          </p:cNvSpPr>
+          <p:nvPr>
+            <p:ph idx="10"/>
+          </p:nvPr>
+        </p:nvSpPr>
+        <p:spPr/>
+        <p:txBody>
+          <a:bodyPr/>
+          <a:lstStyle/>
+          <a:p>
+            <a:r>
+              <a:rPr lang="en-HU" dirty="0"/>
+              <a:t>Eszköz: USB-UART átalakító (pl FTDI, CP210x)</a:t>
+            </a:r>
+          </a:p>
+          <a:p>
+            <a:r>
+              <a:rPr lang="en-HU" dirty="0"/>
+              <a:t>Legtöbb szoftverkörnyezet alapól nyújt valamilyen UART alapú logolást</a:t>
+            </a:r>
+          </a:p>
+          <a:p>
+            <a:r>
+              <a:rPr lang="en-HU" dirty="0"/>
+              <a:t>Problémák</a:t>
+            </a:r>
+          </a:p>
+          <a:p>
+            <a:pPr lvl="1"/>
+            <a:r>
+              <a:rPr lang="en-HU" dirty="0"/>
+              <a:t>Tipikusan UARTra megy, lassú, gyakran letiltja az interruptokat – maszkolhatja a hibát</a:t>
+            </a:r>
+          </a:p>
+          <a:p>
+            <a:pPr lvl="1"/>
+            <a:r>
+              <a:rPr lang="en-HU" dirty="0"/>
+              <a:t>Ügyesebb logolás segíthet (pl, interruptból nem logolunk)</a:t>
+            </a:r>
+          </a:p>
+          <a:p>
+            <a:pPr lvl="1"/>
+            <a:r>
+              <a:rPr lang="en-HU" dirty="0"/>
+              <a:t>RAM bufferbe logolni, csak probléma esetén kiírni</a:t>
+            </a:r>
+          </a:p>
+        </p:txBody>
+      </p:sp>
+      <p:sp>
+        <p:nvSpPr>
+          <p:cNvPr id="4" name="Slide Number Placeholder 3">
+            <a:extLst>
+              <a:ext uri="{FF2B5EF4-FFF2-40B4-BE49-F238E27FC236}">
+                <a16:creationId xmlns:a16="http://schemas.microsoft.com/office/drawing/2014/main" id="{EC37D385-2DE5-C7E2-E74F-45A6ACC561AD}"/>
+              </a:ext>
+            </a:extLst>
+          </p:cNvPr>
+          <p:cNvSpPr>
+            <a:spLocks noGrp="1"/>
+          </p:cNvSpPr>
+          <p:nvPr>
+            <p:ph type="sldNum" sz="quarter" idx="12"/>
+          </p:nvPr>
+        </p:nvSpPr>
+        <p:spPr/>
+        <p:txBody>
+          <a:bodyPr/>
+          <a:lstStyle/>
+          <a:p>
+            <a:fld id="{29A7BD92-6AE5-CF43-B276-274952F2BFB4}" type="slidenum">
+              <a:rPr lang="en-US" smtClean="0"/>
+              <a:pPr/>
+              <a:t>10</a:t>
+            </a:fld>
+            <a:endParaRPr lang="en-US" dirty="0"/>
+          </a:p>
+        </p:txBody>
+      </p:sp>
+      <p:sp>
+        <p:nvSpPr>
+          <p:cNvPr id="5" name="Footer Placeholder 4">
+            <a:extLst>
+              <a:ext uri="{FF2B5EF4-FFF2-40B4-BE49-F238E27FC236}">
+                <a16:creationId xmlns:a16="http://schemas.microsoft.com/office/drawing/2014/main" id="{9771F155-F37F-C264-CDAF-E19DEF5D107F}"/>
+              </a:ext>
+            </a:extLst>
+          </p:cNvPr>
+          <p:cNvSpPr>
+            <a:spLocks noGrp="1"/>
+          </p:cNvSpPr>
+          <p:nvPr>
+            <p:ph type="ftr" sz="quarter" idx="13"/>
+          </p:nvPr>
+        </p:nvSpPr>
+        <p:spPr/>
+        <p:txBody>
+          <a:bodyPr/>
+          <a:lstStyle/>
+          <a:p>
+            <a:r>
+              <a:rPr lang="en-US" dirty="0"/>
+              <a:t>©2025 Silicon Laboratories Inc. All rights reserved.</a:t>
+            </a:r>
+          </a:p>
+        </p:txBody>
+      </p:sp>
+    </p:spTree>
+    <p:extLst>
+      <p:ext uri="{BB962C8B-B14F-4D97-AF65-F5344CB8AC3E}">
+        <p14:creationId xmlns:p14="http://schemas.microsoft.com/office/powerpoint/2010/main" val="676104303"/>
+      </p:ext>
+    </p:extLst>
+  </p:cSld>
+  <p:clrMapOvr>
+    <a:masterClrMapping/>
+  </p:clrMapOvr>
+  <p:transition spd="med">
+    <p:wipe dir="r"/>
+  </p:transition>
+</p:sld>
+</file>
+
+<file path=ppt/slides/slide11.xml><?xml version="1.0" encoding="utf-8"?>
+<p:sld xmlns:a="http://schemas.openxmlformats.org/drawingml/2006/main" xmlns:r="http://schemas.openxmlformats.org/officeDocument/2006/relationships" xmlns:p="http://schemas.openxmlformats.org/presentationml/2006/main" show="0">
+  <p:cSld>
+    <p:spTree>
+      <p:nvGrpSpPr>
+        <p:cNvPr id="1" name=""/>
+        <p:cNvGrpSpPr/>
+        <p:nvPr/>
+      </p:nvGrpSpPr>
+      <p:grpSpPr>
+        <a:xfrm>
+          <a:off x="0" y="0"/>
+          <a:ext cx="0" cy="0"/>
+          <a:chOff x="0" y="0"/>
+          <a:chExt cx="0" cy="0"/>
+        </a:xfrm>
+      </p:grpSpPr>
+      <p:sp>
+        <p:nvSpPr>
+          <p:cNvPr id="2" name="Title 1">
+            <a:extLst>
+              <a:ext uri="{FF2B5EF4-FFF2-40B4-BE49-F238E27FC236}">
+                <a16:creationId xmlns:a16="http://schemas.microsoft.com/office/drawing/2014/main" id="{09229875-D3D4-5A1B-B603-C0E117113EF4}"/>
+              </a:ext>
+            </a:extLst>
+          </p:cNvPr>
+          <p:cNvSpPr>
+            <a:spLocks noGrp="1"/>
+          </p:cNvSpPr>
+          <p:nvPr>
+            <p:ph type="title"/>
+          </p:nvPr>
+        </p:nvSpPr>
+        <p:spPr>
+          <a:xfrm>
+            <a:off x="457200" y="0"/>
+            <a:ext cx="11277600" cy="914400"/>
+          </a:xfrm>
+        </p:spPr>
+        <p:txBody>
+          <a:bodyPr wrap="square" anchor="ctr">
+            <a:normAutofit/>
+          </a:bodyPr>
+          <a:lstStyle/>
+          <a:p>
+            <a:r>
+              <a:rPr lang="en-HU" dirty="0"/>
+              <a:t>Debug eszközök – In circuit debugger</a:t>
+            </a:r>
+          </a:p>
+        </p:txBody>
+      </p:sp>
+      <p:sp>
+        <p:nvSpPr>
+          <p:cNvPr id="3" name="Content Placeholder 2">
+            <a:extLst>
+              <a:ext uri="{FF2B5EF4-FFF2-40B4-BE49-F238E27FC236}">
+                <a16:creationId xmlns:a16="http://schemas.microsoft.com/office/drawing/2014/main" id="{8E9796C8-1818-0981-6B17-31B5EFCFBF28}"/>
+              </a:ext>
+            </a:extLst>
+          </p:cNvPr>
+          <p:cNvSpPr>
+            <a:spLocks noGrp="1"/>
+          </p:cNvSpPr>
+          <p:nvPr>
+            <p:ph sz="quarter" idx="14"/>
+          </p:nvPr>
+        </p:nvSpPr>
+        <p:spPr>
+          <a:xfrm>
+            <a:off x="685800" y="1142999"/>
+            <a:ext cx="5187950" cy="5025571"/>
+          </a:xfrm>
+        </p:spPr>
+        <p:txBody>
+          <a:bodyPr anchor="t">
+            <a:normAutofit fontScale="92500" lnSpcReduction="10000"/>
+          </a:bodyPr>
+          <a:lstStyle/>
+          <a:p>
+            <a:r>
+              <a:rPr lang="en-HU" dirty="0"/>
+              <a:t>J</a:t>
+            </a:r>
+            <a:r>
+              <a:rPr lang="en-GB" dirty="0"/>
+              <a:t>L</a:t>
+            </a:r>
+            <a:r>
+              <a:rPr lang="en-HU" dirty="0"/>
+              <a:t>ink (SWD)</a:t>
+            </a:r>
+          </a:p>
+          <a:p>
+            <a:pPr lvl="1"/>
+            <a:r>
+              <a:rPr lang="en-HU" sz="1600" dirty="0">
+                <a:solidFill>
+                  <a:srgbClr val="333333"/>
+                </a:solidFill>
+              </a:rPr>
+              <a:t>Pi Pico (másik Pico, vagy dedikált debugger), OpenOCD</a:t>
+            </a:r>
+          </a:p>
+          <a:p>
+            <a:pPr lvl="1"/>
+            <a:r>
+              <a:rPr lang="en-HU" sz="1600" dirty="0">
+                <a:solidFill>
+                  <a:srgbClr val="333333"/>
+                </a:solidFill>
+              </a:rPr>
+              <a:t>STM32, NXP - szinte minten ARM Cortex</a:t>
+            </a:r>
+          </a:p>
+          <a:p>
+            <a:pPr lvl="1"/>
+            <a:r>
+              <a:rPr lang="en-HU" sz="1600" dirty="0">
+                <a:solidFill>
+                  <a:srgbClr val="333333"/>
+                </a:solidFill>
+              </a:rPr>
+              <a:t>Silabs chipek (debugger a devkiten)</a:t>
+            </a:r>
+          </a:p>
+          <a:p>
+            <a:pPr lvl="1"/>
+            <a:r>
+              <a:rPr lang="en-HU" sz="1600" dirty="0">
+                <a:solidFill>
+                  <a:srgbClr val="333333"/>
+                </a:solidFill>
+                <a:hlinkClick r:id="rId3"/>
+              </a:rPr>
+              <a:t>Segger Ozone</a:t>
+            </a:r>
+            <a:endParaRPr lang="en-HU" sz="1600" dirty="0">
+              <a:solidFill>
+                <a:srgbClr val="333333"/>
+              </a:solidFill>
+            </a:endParaRPr>
+          </a:p>
+          <a:p>
+            <a:r>
+              <a:rPr lang="en-HU" dirty="0"/>
+              <a:t>JTAG (TDO/TDI)</a:t>
+            </a:r>
+          </a:p>
+          <a:p>
+            <a:pPr lvl="1"/>
+            <a:r>
+              <a:rPr lang="en-HU" sz="1600" dirty="0">
+                <a:solidFill>
+                  <a:srgbClr val="333333"/>
+                </a:solidFill>
+              </a:rPr>
+              <a:t>ESP32: OpenOCD, ESP-Prog2</a:t>
+            </a:r>
+          </a:p>
+          <a:p>
+            <a:pPr lvl="1"/>
+            <a:r>
+              <a:rPr lang="en-HU" sz="1600" dirty="0">
+                <a:solidFill>
+                  <a:srgbClr val="333333"/>
+                </a:solidFill>
+              </a:rPr>
+              <a:t>Atmel AVR: Atmel-ICE?</a:t>
+            </a:r>
+          </a:p>
+          <a:p>
+            <a:pPr lvl="2"/>
+            <a:r>
+              <a:rPr lang="en-HU" sz="1400" dirty="0">
+                <a:solidFill>
+                  <a:srgbClr val="333333"/>
+                </a:solidFill>
+              </a:rPr>
+              <a:t>Nem mind támogatja?</a:t>
+            </a:r>
+          </a:p>
+          <a:p>
+            <a:pPr lvl="2"/>
+            <a:r>
+              <a:rPr lang="en-HU" sz="1400" dirty="0">
+                <a:solidFill>
+                  <a:srgbClr val="333333"/>
+                </a:solidFill>
+              </a:rPr>
+              <a:t>Ezen a szinten még el lehet lenni logolással</a:t>
+            </a:r>
+          </a:p>
+          <a:p>
+            <a:r>
+              <a:rPr lang="en-HU" dirty="0"/>
+              <a:t>Problémák</a:t>
+            </a:r>
+          </a:p>
+          <a:p>
+            <a:pPr lvl="1"/>
+            <a:r>
+              <a:rPr lang="en-HU" dirty="0"/>
+              <a:t>Tipikusan nem engedi az eszközt sleep módba</a:t>
+            </a:r>
+          </a:p>
+          <a:p>
+            <a:pPr lvl="1"/>
+            <a:r>
+              <a:rPr lang="en-GB" dirty="0"/>
+              <a:t>H</a:t>
+            </a:r>
+            <a:r>
+              <a:rPr lang="en-HU" dirty="0"/>
+              <a:t>a rossz helyen állítjuk meg a kódot, időzített kód nem tud lefutni időben</a:t>
+            </a:r>
+          </a:p>
+          <a:p>
+            <a:pPr lvl="1"/>
+            <a:r>
+              <a:rPr lang="en-HU" dirty="0"/>
+              <a:t>Koprocesszorok, DMA a háttérben még fut</a:t>
+            </a:r>
+          </a:p>
+          <a:p>
+            <a:pPr lvl="1"/>
+            <a:r>
+              <a:rPr lang="en-HU" dirty="0"/>
+              <a:t>Kód optimalizálás nehezen olvashatóvá teszi, optimalizálás letiltása maszkolhatja a hibát</a:t>
+            </a:r>
+          </a:p>
+          <a:p>
+            <a:pPr lvl="2"/>
+            <a:r>
+              <a:rPr lang="en-HU" dirty="0"/>
+              <a:t>De ez is egy nyom!</a:t>
+            </a:r>
+          </a:p>
+          <a:p>
+            <a:endParaRPr lang="en-HU" sz="1800" dirty="0">
+              <a:solidFill>
+                <a:srgbClr val="333333"/>
+              </a:solidFill>
+            </a:endParaRPr>
+          </a:p>
+        </p:txBody>
+      </p:sp>
+      <p:pic>
+        <p:nvPicPr>
+          <p:cNvPr id="1026" name="Picture 2" descr="debug probe">
+            <a:extLst>
+              <a:ext uri="{FF2B5EF4-FFF2-40B4-BE49-F238E27FC236}">
+                <a16:creationId xmlns:a16="http://schemas.microsoft.com/office/drawing/2014/main" id="{218AB05E-FD7C-64D5-9566-AE403D3F85FB}"/>
+              </a:ext>
+            </a:extLst>
+          </p:cNvPr>
+          <p:cNvPicPr>
+            <a:picLocks noChangeAspect="1" noChangeArrowheads="1"/>
+          </p:cNvPicPr>
+          <p:nvPr/>
+        </p:nvPicPr>
+        <p:blipFill>
+          <a:blip r:embed="rId4">
+            <a:extLst>
+              <a:ext uri="{28A0092B-C50C-407E-A947-70E740481C1C}">
+                <a14:useLocalDpi xmlns:a14="http://schemas.microsoft.com/office/drawing/2010/main" val="0"/>
+              </a:ext>
+            </a:extLst>
+          </a:blip>
+          <a:srcRect l="27588" r="3548" b="-2"/>
+          <a:stretch>
+            <a:fillRect/>
+          </a:stretch>
+        </p:blipFill>
+        <p:spPr bwMode="auto">
+          <a:xfrm>
+            <a:off x="6324600" y="1142999"/>
+            <a:ext cx="5184648" cy="5025571"/>
+          </a:xfrm>
+          <a:prstGeom prst="rect">
+            <a:avLst/>
+          </a:prstGeom>
+          <a:solidFill>
+            <a:srgbClr val="FFFFFF"/>
+          </a:solidFill>
+        </p:spPr>
+      </p:pic>
+      <p:sp>
+        <p:nvSpPr>
+          <p:cNvPr id="4" name="Slide Number Placeholder 3">
+            <a:extLst>
+              <a:ext uri="{FF2B5EF4-FFF2-40B4-BE49-F238E27FC236}">
+                <a16:creationId xmlns:a16="http://schemas.microsoft.com/office/drawing/2014/main" id="{462DF4E7-7146-AB8B-3681-97562FCADD0A}"/>
+              </a:ext>
+            </a:extLst>
+          </p:cNvPr>
+          <p:cNvSpPr>
+            <a:spLocks noGrp="1"/>
+          </p:cNvSpPr>
+          <p:nvPr>
+            <p:ph type="sldNum" sz="quarter" idx="26"/>
+          </p:nvPr>
+        </p:nvSpPr>
+        <p:spPr>
+          <a:xfrm>
+            <a:off x="576262" y="6456363"/>
+            <a:ext cx="187325" cy="365125"/>
+          </a:xfrm>
+        </p:spPr>
+        <p:txBody>
+          <a:bodyPr anchor="ctr">
+            <a:normAutofit/>
+          </a:bodyPr>
+          <a:lstStyle/>
+          <a:p>
+            <a:pPr>
+              <a:spcAft>
+                <a:spcPts val="600"/>
+              </a:spcAft>
+            </a:pPr>
+            <a:fld id="{29A7BD92-6AE5-CF43-B276-274952F2BFB4}" type="slidenum">
+              <a:rPr lang="en-US" smtClean="0"/>
+              <a:pPr>
+                <a:spcAft>
+                  <a:spcPts val="600"/>
+                </a:spcAft>
+              </a:pPr>
+              <a:t>11</a:t>
+            </a:fld>
+            <a:endParaRPr lang="en-US"/>
+          </a:p>
+        </p:txBody>
+      </p:sp>
+      <p:sp>
+        <p:nvSpPr>
+          <p:cNvPr id="5" name="Footer Placeholder 4">
+            <a:extLst>
+              <a:ext uri="{FF2B5EF4-FFF2-40B4-BE49-F238E27FC236}">
+                <a16:creationId xmlns:a16="http://schemas.microsoft.com/office/drawing/2014/main" id="{73AB377E-80D7-690F-42D1-E367B7DECCED}"/>
+              </a:ext>
+            </a:extLst>
+          </p:cNvPr>
+          <p:cNvSpPr>
+            <a:spLocks noGrp="1"/>
+          </p:cNvSpPr>
+          <p:nvPr>
+            <p:ph type="ftr" sz="quarter" idx="27"/>
+          </p:nvPr>
+        </p:nvSpPr>
+        <p:spPr>
+          <a:xfrm>
+            <a:off x="812746" y="6456363"/>
+            <a:ext cx="8441012" cy="365125"/>
+          </a:xfrm>
+        </p:spPr>
+        <p:txBody>
+          <a:bodyPr anchor="ctr">
+            <a:normAutofit/>
+          </a:bodyPr>
+          <a:lstStyle/>
+          <a:p>
+            <a:pPr>
+              <a:spcAft>
+                <a:spcPts val="600"/>
+              </a:spcAft>
+            </a:pPr>
+            <a:r>
+              <a:rPr lang="en-US" dirty="0"/>
+              <a:t>©2025 Silicon Laboratories Inc. All rights reserved.</a:t>
+            </a:r>
+          </a:p>
+        </p:txBody>
+      </p:sp>
+    </p:spTree>
+    <p:extLst>
+      <p:ext uri="{BB962C8B-B14F-4D97-AF65-F5344CB8AC3E}">
+        <p14:creationId xmlns:p14="http://schemas.microsoft.com/office/powerpoint/2010/main" val="2969280367"/>
+      </p:ext>
+    </p:extLst>
+  </p:cSld>
+  <p:clrMapOvr>
+    <a:masterClrMapping/>
+  </p:clrMapOvr>
+  <p:transition spd="med">
+    <p:wipe/>
+  </p:transition>
+</p:sld>
+</file>
+
+<file path=ppt/slides/slide12.xml><?xml version="1.0" encoding="utf-8"?>
+<p:sld xmlns:a="http://schemas.openxmlformats.org/drawingml/2006/main" xmlns:r="http://schemas.openxmlformats.org/officeDocument/2006/relationships" xmlns:p="http://schemas.openxmlformats.org/presentationml/2006/main" show="0">
+  <p:cSld>
+    <p:spTree>
+      <p:nvGrpSpPr>
+        <p:cNvPr id="1" name="">
+          <a:extLst>
+            <a:ext uri="{FF2B5EF4-FFF2-40B4-BE49-F238E27FC236}">
+              <a16:creationId xmlns:a16="http://schemas.microsoft.com/office/drawing/2014/main" id="{B1119B70-5D62-0420-E7D3-337BCBEAB09A}"/>
+            </a:ext>
+          </a:extLst>
+        </p:cNvPr>
+        <p:cNvGrpSpPr/>
+        <p:nvPr/>
+      </p:nvGrpSpPr>
+      <p:grpSpPr>
+        <a:xfrm>
+          <a:off x="0" y="0"/>
+          <a:ext cx="0" cy="0"/>
+          <a:chOff x="0" y="0"/>
+          <a:chExt cx="0" cy="0"/>
+        </a:xfrm>
+      </p:grpSpPr>
+      <p:sp>
+        <p:nvSpPr>
+          <p:cNvPr id="2" name="Title 1">
+            <a:extLst>
+              <a:ext uri="{FF2B5EF4-FFF2-40B4-BE49-F238E27FC236}">
+                <a16:creationId xmlns:a16="http://schemas.microsoft.com/office/drawing/2014/main" id="{8D63E140-4E73-73B5-CFCB-F353075B22ED}"/>
+              </a:ext>
+            </a:extLst>
+          </p:cNvPr>
+          <p:cNvSpPr>
+            <a:spLocks noGrp="1"/>
+          </p:cNvSpPr>
+          <p:nvPr>
+            <p:ph type="title"/>
+          </p:nvPr>
+        </p:nvSpPr>
+        <p:spPr/>
+        <p:txBody>
+          <a:bodyPr/>
+          <a:lstStyle/>
+          <a:p>
+            <a:r>
+              <a:rPr lang="en-HU" dirty="0"/>
+              <a:t>Debug eszközök – logic analyzer</a:t>
+            </a:r>
+          </a:p>
+        </p:txBody>
+      </p:sp>
+      <p:sp>
+        <p:nvSpPr>
+          <p:cNvPr id="3" name="Content Placeholder 2">
+            <a:extLst>
+              <a:ext uri="{FF2B5EF4-FFF2-40B4-BE49-F238E27FC236}">
+                <a16:creationId xmlns:a16="http://schemas.microsoft.com/office/drawing/2014/main" id="{FA116E1F-2F14-D532-E3D1-69C276D3A92F}"/>
+              </a:ext>
+            </a:extLst>
+          </p:cNvPr>
+          <p:cNvSpPr>
+            <a:spLocks noGrp="1"/>
+          </p:cNvSpPr>
+          <p:nvPr>
+            <p:ph idx="10"/>
+          </p:nvPr>
+        </p:nvSpPr>
+        <p:spPr/>
+        <p:txBody>
+          <a:bodyPr/>
+          <a:lstStyle/>
+          <a:p>
+            <a:r>
+              <a:rPr lang="en-HU" dirty="0"/>
+              <a:t>Saleae Logic</a:t>
+            </a:r>
+          </a:p>
+          <a:p>
+            <a:pPr lvl="1"/>
+            <a:r>
+              <a:rPr lang="en-HU" dirty="0"/>
+              <a:t>Industry standard, drága</a:t>
+            </a:r>
+          </a:p>
+          <a:p>
+            <a:r>
+              <a:rPr lang="en-HU" dirty="0"/>
+              <a:t>Pi Pico alapon</a:t>
+            </a:r>
+          </a:p>
+          <a:p>
+            <a:pPr lvl="1"/>
+            <a:r>
+              <a:rPr lang="en-GB" dirty="0">
+                <a:hlinkClick r:id="rId3"/>
+              </a:rPr>
+              <a:t>https://github.com/gusmanb/logicanalyzer</a:t>
+            </a:r>
+            <a:endParaRPr lang="en-GB" dirty="0"/>
+          </a:p>
+          <a:p>
+            <a:pPr lvl="2"/>
+            <a:r>
+              <a:rPr lang="en-GB" dirty="0" err="1"/>
+              <a:t>Egy</a:t>
+            </a:r>
+            <a:r>
+              <a:rPr lang="en-GB" dirty="0"/>
+              <a:t> sima </a:t>
+            </a:r>
+            <a:r>
+              <a:rPr lang="en-GB" dirty="0" err="1"/>
+              <a:t>pico</a:t>
+            </a:r>
+            <a:r>
+              <a:rPr lang="en-GB" dirty="0"/>
+              <a:t> is </a:t>
+            </a:r>
+            <a:r>
+              <a:rPr lang="en-GB" dirty="0" err="1"/>
+              <a:t>megteszi</a:t>
+            </a:r>
+            <a:r>
+              <a:rPr lang="en-GB" dirty="0"/>
+              <a:t> </a:t>
+            </a:r>
+            <a:r>
+              <a:rPr lang="en-GB" dirty="0" err="1"/>
+              <a:t>önmagában</a:t>
+            </a:r>
+            <a:r>
+              <a:rPr lang="en-GB" dirty="0"/>
+              <a:t>, </a:t>
+            </a:r>
+            <a:r>
+              <a:rPr lang="en-GB" dirty="0" err="1"/>
+              <a:t>külső</a:t>
+            </a:r>
+            <a:r>
+              <a:rPr lang="en-GB" dirty="0"/>
+              <a:t> </a:t>
+            </a:r>
+            <a:r>
+              <a:rPr lang="en-GB" dirty="0" err="1"/>
+              <a:t>chipek</a:t>
+            </a:r>
+            <a:r>
+              <a:rPr lang="en-GB" dirty="0"/>
+              <a:t> </a:t>
+            </a:r>
+            <a:r>
+              <a:rPr lang="en-GB" dirty="0" err="1"/>
+              <a:t>csak</a:t>
+            </a:r>
+            <a:r>
+              <a:rPr lang="en-GB" dirty="0"/>
+              <a:t> </a:t>
+            </a:r>
+            <a:r>
+              <a:rPr lang="en-GB" dirty="0" err="1"/>
+              <a:t>szintillesztők</a:t>
+            </a:r>
+            <a:r>
+              <a:rPr lang="en-GB" dirty="0"/>
+              <a:t>!</a:t>
+            </a:r>
+          </a:p>
+          <a:p>
+            <a:r>
+              <a:rPr lang="en-HU" dirty="0"/>
+              <a:t>“24 MHz logic analyzer”  (Cypress MCU alapú)</a:t>
+            </a:r>
+          </a:p>
+          <a:p>
+            <a:pPr lvl="2"/>
+            <a:r>
+              <a:rPr lang="en-GB" dirty="0"/>
+              <a:t>P</a:t>
+            </a:r>
+            <a:r>
+              <a:rPr lang="en-HU" dirty="0"/>
+              <a:t>ulseview PC oldalon</a:t>
+            </a:r>
+          </a:p>
+          <a:p>
+            <a:pPr lvl="2"/>
+            <a:r>
+              <a:rPr lang="en-HU" dirty="0"/>
+              <a:t>Régi Saleae Logic 8 klónja</a:t>
+            </a:r>
+          </a:p>
+          <a:p>
+            <a:r>
+              <a:rPr lang="en-HU" dirty="0"/>
+              <a:t>Esetleg oszcilloszkóp</a:t>
+            </a:r>
+          </a:p>
+          <a:p>
+            <a:r>
+              <a:rPr lang="en-HU" dirty="0"/>
+              <a:t>Ha más nincs: ledek</a:t>
+            </a:r>
+          </a:p>
+        </p:txBody>
+      </p:sp>
+      <p:sp>
+        <p:nvSpPr>
+          <p:cNvPr id="4" name="Slide Number Placeholder 3">
+            <a:extLst>
+              <a:ext uri="{FF2B5EF4-FFF2-40B4-BE49-F238E27FC236}">
+                <a16:creationId xmlns:a16="http://schemas.microsoft.com/office/drawing/2014/main" id="{8D851C44-34F9-8199-E55A-70F4A516202B}"/>
+              </a:ext>
+            </a:extLst>
+          </p:cNvPr>
+          <p:cNvSpPr>
+            <a:spLocks noGrp="1"/>
+          </p:cNvSpPr>
+          <p:nvPr>
+            <p:ph type="sldNum" sz="quarter" idx="12"/>
+          </p:nvPr>
+        </p:nvSpPr>
+        <p:spPr/>
+        <p:txBody>
+          <a:bodyPr/>
+          <a:lstStyle/>
+          <a:p>
+            <a:fld id="{29A7BD92-6AE5-CF43-B276-274952F2BFB4}" type="slidenum">
+              <a:rPr lang="en-US" smtClean="0"/>
+              <a:pPr/>
+              <a:t>12</a:t>
+            </a:fld>
+            <a:endParaRPr lang="en-US" dirty="0"/>
+          </a:p>
+        </p:txBody>
+      </p:sp>
+      <p:sp>
+        <p:nvSpPr>
+          <p:cNvPr id="5" name="Footer Placeholder 4">
+            <a:extLst>
+              <a:ext uri="{FF2B5EF4-FFF2-40B4-BE49-F238E27FC236}">
+                <a16:creationId xmlns:a16="http://schemas.microsoft.com/office/drawing/2014/main" id="{0F6EC8AE-6000-3866-7DF6-0785FF693797}"/>
+              </a:ext>
+            </a:extLst>
+          </p:cNvPr>
+          <p:cNvSpPr>
+            <a:spLocks noGrp="1"/>
+          </p:cNvSpPr>
+          <p:nvPr>
+            <p:ph type="ftr" sz="quarter" idx="13"/>
+          </p:nvPr>
+        </p:nvSpPr>
+        <p:spPr/>
+        <p:txBody>
+          <a:bodyPr/>
+          <a:lstStyle/>
+          <a:p>
+            <a:r>
+              <a:rPr lang="en-US" dirty="0"/>
+              <a:t>©2025 Silicon Laboratories Inc. All rights reserved.</a:t>
+            </a:r>
+          </a:p>
+        </p:txBody>
+      </p:sp>
+      <p:pic>
+        <p:nvPicPr>
+          <p:cNvPr id="6" name="Picture 5">
+            <a:extLst>
+              <a:ext uri="{FF2B5EF4-FFF2-40B4-BE49-F238E27FC236}">
+                <a16:creationId xmlns:a16="http://schemas.microsoft.com/office/drawing/2014/main" id="{B61C195F-C7CB-0192-0F97-790DEBCE545C}"/>
+              </a:ext>
+            </a:extLst>
+          </p:cNvPr>
+          <p:cNvPicPr>
+            <a:picLocks noChangeAspect="1"/>
+          </p:cNvPicPr>
+          <p:nvPr/>
+        </p:nvPicPr>
+        <p:blipFill>
+          <a:blip r:embed="rId4"/>
+          <a:stretch>
+            <a:fillRect/>
+          </a:stretch>
+        </p:blipFill>
+        <p:spPr>
+          <a:xfrm>
+            <a:off x="7328848" y="3132472"/>
+            <a:ext cx="2815704" cy="2285689"/>
+          </a:xfrm>
+          <a:prstGeom prst="rect">
+            <a:avLst/>
+          </a:prstGeom>
+        </p:spPr>
+      </p:pic>
+    </p:spTree>
+    <p:extLst>
+      <p:ext uri="{BB962C8B-B14F-4D97-AF65-F5344CB8AC3E}">
+        <p14:creationId xmlns:p14="http://schemas.microsoft.com/office/powerpoint/2010/main" val="1721995532"/>
+      </p:ext>
+    </p:extLst>
+  </p:cSld>
+  <p:clrMapOvr>
+    <a:masterClrMapping/>
+  </p:clrMapOvr>
+  <p:transition spd="med">
+    <p:wipe dir="r"/>
+  </p:transition>
+</p:sld>
+</file>
+
+<file path=ppt/slides/slide13.xml><?xml version="1.0" encoding="utf-8"?>
+<p:sld xmlns:a="http://schemas.openxmlformats.org/drawingml/2006/main" xmlns:r="http://schemas.openxmlformats.org/officeDocument/2006/relationships" xmlns:p="http://schemas.openxmlformats.org/presentationml/2006/main">
+  <p:cSld>
+    <p:spTree>
+      <p:nvGrpSpPr>
+        <p:cNvPr id="1" name=""/>
+        <p:cNvGrpSpPr/>
+        <p:nvPr/>
+      </p:nvGrpSpPr>
+      <p:grpSpPr>
+        <a:xfrm>
+          <a:off x="0" y="0"/>
+          <a:ext cx="0" cy="0"/>
+          <a:chOff x="0" y="0"/>
+          <a:chExt cx="0" cy="0"/>
+        </a:xfrm>
+      </p:grpSpPr>
+      <p:sp>
+        <p:nvSpPr>
+          <p:cNvPr id="2" name="Title 1">
+            <a:extLst>
+              <a:ext uri="{FF2B5EF4-FFF2-40B4-BE49-F238E27FC236}">
+                <a16:creationId xmlns:a16="http://schemas.microsoft.com/office/drawing/2014/main" id="{310E7E16-5668-C802-D5AF-ADD191682CEF}"/>
+              </a:ext>
+            </a:extLst>
+          </p:cNvPr>
+          <p:cNvSpPr>
+            <a:spLocks noGrp="1"/>
+          </p:cNvSpPr>
+          <p:nvPr>
+            <p:ph type="title"/>
+          </p:nvPr>
+        </p:nvSpPr>
+        <p:spPr/>
+        <p:txBody>
+          <a:bodyPr/>
+          <a:lstStyle/>
+          <a:p>
+            <a:r>
+              <a:rPr lang="en-HU" dirty="0"/>
+              <a:t>Hiba reprodukálás – ritkán előforduló bugok</a:t>
+            </a:r>
+          </a:p>
+        </p:txBody>
+      </p:sp>
+      <p:sp>
+        <p:nvSpPr>
+          <p:cNvPr id="3" name="Content Placeholder 2">
+            <a:extLst>
+              <a:ext uri="{FF2B5EF4-FFF2-40B4-BE49-F238E27FC236}">
+                <a16:creationId xmlns:a16="http://schemas.microsoft.com/office/drawing/2014/main" id="{8862AFCF-F816-3272-7BC6-CEA04E240FE9}"/>
+              </a:ext>
+            </a:extLst>
+          </p:cNvPr>
+          <p:cNvSpPr>
+            <a:spLocks noGrp="1"/>
+          </p:cNvSpPr>
+          <p:nvPr>
+            <p:ph idx="10"/>
+          </p:nvPr>
+        </p:nvSpPr>
+        <p:spPr/>
+        <p:txBody>
+          <a:bodyPr/>
+          <a:lstStyle/>
+          <a:p>
+            <a:r>
+              <a:rPr lang="en-HU" dirty="0"/>
+              <a:t>Tegyük gyakorivá</a:t>
+            </a:r>
+          </a:p>
+          <a:p>
+            <a:pPr lvl="1"/>
+            <a:r>
+              <a:rPr lang="en-HU" dirty="0"/>
+              <a:t>Gyorsítsuk fel a futást</a:t>
+            </a:r>
+          </a:p>
+          <a:p>
+            <a:pPr lvl="1"/>
+            <a:r>
+              <a:rPr lang="en-HU" dirty="0"/>
+              <a:t>Párhuzamosan több eszközt figyeljünk</a:t>
+            </a:r>
+          </a:p>
+          <a:p>
+            <a:r>
+              <a:rPr lang="en-HU" dirty="0"/>
+              <a:t>In-circuit debug</a:t>
+            </a:r>
+          </a:p>
+          <a:p>
+            <a:pPr lvl="1"/>
+            <a:r>
+              <a:rPr lang="en-HU" dirty="0"/>
+              <a:t>Másodlagos számítógépen nyitott debug porttal hagyni az eszközt futni</a:t>
+            </a:r>
+          </a:p>
+          <a:p>
+            <a:r>
+              <a:rPr lang="en-HU" dirty="0"/>
+              <a:t>Logolás</a:t>
+            </a:r>
+          </a:p>
+          <a:p>
+            <a:pPr lvl="1"/>
+            <a:r>
+              <a:rPr lang="en-HU" dirty="0"/>
+              <a:t>Pl minden állapotgép váltásra kiírunk valamit</a:t>
+            </a:r>
+          </a:p>
+          <a:p>
+            <a:pPr lvl="1"/>
+            <a:r>
+              <a:rPr lang="en-HU" dirty="0"/>
+              <a:t>Ha a logból nem látszik semmi: több logolás</a:t>
+            </a:r>
+          </a:p>
+          <a:p>
+            <a:pPr lvl="1"/>
+            <a:r>
+              <a:rPr lang="en-HU" dirty="0"/>
+              <a:t>Ha látszódik valami: mesterségesen abba az állapotba vinni az eszközt</a:t>
+            </a:r>
+          </a:p>
+          <a:p>
+            <a:pPr lvl="2"/>
+            <a:r>
+              <a:rPr lang="en-GB" dirty="0"/>
+              <a:t>P</a:t>
+            </a:r>
+            <a:r>
+              <a:rPr lang="en-HU" dirty="0"/>
+              <a:t>l túlcsordulás körüli hiba esetén a változót túlcsordulás előtti állapotban indítani</a:t>
+            </a:r>
+          </a:p>
+          <a:p>
+            <a:r>
+              <a:rPr lang="en-HU" dirty="0"/>
+              <a:t>GPIO toggle, debug jelek</a:t>
+            </a:r>
+          </a:p>
+          <a:p>
+            <a:pPr lvl="1"/>
+            <a:r>
+              <a:rPr lang="en-HU" dirty="0"/>
+              <a:t>Trigger feltétel szükséges </a:t>
+            </a:r>
+          </a:p>
+          <a:p>
+            <a:pPr lvl="1"/>
+            <a:endParaRPr lang="en-HU" dirty="0"/>
+          </a:p>
+          <a:p>
+            <a:pPr lvl="1"/>
+            <a:endParaRPr lang="en-HU" dirty="0"/>
+          </a:p>
+          <a:p>
+            <a:pPr lvl="1"/>
+            <a:endParaRPr lang="en-HU" dirty="0"/>
+          </a:p>
+        </p:txBody>
+      </p:sp>
+      <p:sp>
+        <p:nvSpPr>
+          <p:cNvPr id="4" name="Slide Number Placeholder 3">
+            <a:extLst>
+              <a:ext uri="{FF2B5EF4-FFF2-40B4-BE49-F238E27FC236}">
+                <a16:creationId xmlns:a16="http://schemas.microsoft.com/office/drawing/2014/main" id="{565AE20B-A5AF-B6BD-FF51-A73E8D7FA9D7}"/>
+              </a:ext>
+            </a:extLst>
+          </p:cNvPr>
+          <p:cNvSpPr>
+            <a:spLocks noGrp="1"/>
+          </p:cNvSpPr>
+          <p:nvPr>
+            <p:ph type="sldNum" sz="quarter" idx="12"/>
+          </p:nvPr>
+        </p:nvSpPr>
+        <p:spPr/>
+        <p:txBody>
+          <a:bodyPr/>
+          <a:lstStyle/>
+          <a:p>
+            <a:fld id="{29A7BD92-6AE5-CF43-B276-274952F2BFB4}" type="slidenum">
+              <a:rPr lang="en-US" smtClean="0"/>
+              <a:pPr/>
+              <a:t>13</a:t>
+            </a:fld>
+            <a:endParaRPr lang="en-US" dirty="0"/>
+          </a:p>
+        </p:txBody>
+      </p:sp>
+      <p:sp>
+        <p:nvSpPr>
+          <p:cNvPr id="5" name="Footer Placeholder 4">
+            <a:extLst>
+              <a:ext uri="{FF2B5EF4-FFF2-40B4-BE49-F238E27FC236}">
+                <a16:creationId xmlns:a16="http://schemas.microsoft.com/office/drawing/2014/main" id="{1BBB863A-2E96-A22A-1184-91CDDAFCAE3C}"/>
+              </a:ext>
+            </a:extLst>
+          </p:cNvPr>
+          <p:cNvSpPr>
+            <a:spLocks noGrp="1"/>
+          </p:cNvSpPr>
+          <p:nvPr>
+            <p:ph type="ftr" sz="quarter" idx="13"/>
+          </p:nvPr>
+        </p:nvSpPr>
+        <p:spPr/>
+        <p:txBody>
+          <a:bodyPr/>
+          <a:lstStyle/>
+          <a:p>
+            <a:r>
+              <a:rPr lang="en-US" dirty="0"/>
+              <a:t>©2025 Silicon Laboratories Inc. All rights reserved.</a:t>
+            </a:r>
+          </a:p>
+        </p:txBody>
+      </p:sp>
+    </p:spTree>
+    <p:extLst>
+      <p:ext uri="{BB962C8B-B14F-4D97-AF65-F5344CB8AC3E}">
+        <p14:creationId xmlns:p14="http://schemas.microsoft.com/office/powerpoint/2010/main" val="703869934"/>
+      </p:ext>
+    </p:extLst>
+  </p:cSld>
+  <p:clrMapOvr>
+    <a:masterClrMapping/>
+  </p:clrMapOvr>
+  <p:transition spd="med">
+    <p:wipe dir="r"/>
+  </p:transition>
+</p:sld>
+</file>
+
+<file path=ppt/slides/slide14.xml><?xml version="1.0" encoding="utf-8"?>
+<p:sld xmlns:a="http://schemas.openxmlformats.org/drawingml/2006/main" xmlns:r="http://schemas.openxmlformats.org/officeDocument/2006/relationships" xmlns:p="http://schemas.openxmlformats.org/presentationml/2006/main">
+  <p:cSld>
+    <p:spTree>
+      <p:nvGrpSpPr>
+        <p:cNvPr id="1" name=""/>
+        <p:cNvGrpSpPr/>
+        <p:nvPr/>
+      </p:nvGrpSpPr>
+      <p:grpSpPr>
+        <a:xfrm>
+          <a:off x="0" y="0"/>
+          <a:ext cx="0" cy="0"/>
+          <a:chOff x="0" y="0"/>
+          <a:chExt cx="0" cy="0"/>
+        </a:xfrm>
+      </p:grpSpPr>
+      <p:sp>
+        <p:nvSpPr>
+          <p:cNvPr id="2" name="Title 1">
+            <a:extLst>
+              <a:ext uri="{FF2B5EF4-FFF2-40B4-BE49-F238E27FC236}">
+                <a16:creationId xmlns:a16="http://schemas.microsoft.com/office/drawing/2014/main" id="{27DC0867-0D14-5399-FE11-4E4E14123EE5}"/>
+              </a:ext>
+            </a:extLst>
+          </p:cNvPr>
+          <p:cNvSpPr>
+            <a:spLocks noGrp="1"/>
+          </p:cNvSpPr>
+          <p:nvPr>
+            <p:ph type="title"/>
+          </p:nvPr>
+        </p:nvSpPr>
+        <p:spPr/>
+        <p:txBody>
+          <a:bodyPr/>
+          <a:lstStyle/>
+          <a:p>
+            <a:r>
+              <a:rPr lang="en-HU" dirty="0"/>
+              <a:t>Hiba elkerülés</a:t>
+            </a:r>
+          </a:p>
+        </p:txBody>
+      </p:sp>
+      <p:sp>
+        <p:nvSpPr>
+          <p:cNvPr id="3" name="Content Placeholder 2">
+            <a:extLst>
+              <a:ext uri="{FF2B5EF4-FFF2-40B4-BE49-F238E27FC236}">
+                <a16:creationId xmlns:a16="http://schemas.microsoft.com/office/drawing/2014/main" id="{507657BC-9FBC-0F3E-4F60-78CBEBAA0745}"/>
+              </a:ext>
+            </a:extLst>
+          </p:cNvPr>
+          <p:cNvSpPr>
+            <a:spLocks noGrp="1"/>
+          </p:cNvSpPr>
+          <p:nvPr>
+            <p:ph idx="10"/>
+          </p:nvPr>
+        </p:nvSpPr>
+        <p:spPr/>
+        <p:txBody>
+          <a:bodyPr/>
+          <a:lstStyle/>
+          <a:p>
+            <a:r>
+              <a:rPr lang="en-HU" dirty="0"/>
+              <a:t>Hibakezelés</a:t>
+            </a:r>
+          </a:p>
+          <a:p>
+            <a:r>
+              <a:rPr lang="en-HU" dirty="0"/>
+              <a:t>Modularitás</a:t>
+            </a:r>
+          </a:p>
+          <a:p>
+            <a:r>
+              <a:rPr lang="en-HU" dirty="0"/>
+              <a:t>Használjatok verziókezelőt!</a:t>
+            </a:r>
+          </a:p>
+          <a:p>
+            <a:pPr lvl="1"/>
+            <a:r>
+              <a:rPr lang="en-HU" dirty="0"/>
+              <a:t>Github nem csak arra van, hogy megoszd a kódot</a:t>
+            </a:r>
+          </a:p>
+          <a:p>
+            <a:pPr lvl="2"/>
+            <a:r>
+              <a:rPr lang="en-HU" dirty="0"/>
+              <a:t>Ha nem akarod megosztani a kódot, git akár lokálisan is működik</a:t>
+            </a:r>
+          </a:p>
+          <a:p>
+            <a:pPr lvl="1"/>
+            <a:r>
+              <a:rPr lang="en-HU" dirty="0"/>
+              <a:t>Egy commit legyen kicsi</a:t>
+            </a:r>
+          </a:p>
+          <a:p>
+            <a:pPr lvl="2"/>
+            <a:r>
+              <a:rPr lang="en-HU" dirty="0"/>
+              <a:t>Ha már régen elfelejtettél commitolni, nem muszáj mindent, gitben akár sorokat is tudsz stage-elni</a:t>
+            </a:r>
+          </a:p>
+          <a:p>
+            <a:pPr lvl="1"/>
+            <a:r>
+              <a:rPr lang="en-HU" dirty="0"/>
+              <a:t>Pull requestek - peer review</a:t>
+            </a:r>
+          </a:p>
+          <a:p>
+            <a:r>
+              <a:rPr lang="en-HU" dirty="0"/>
+              <a:t>Regression testing</a:t>
+            </a:r>
+          </a:p>
+          <a:p>
+            <a:pPr lvl="1"/>
+            <a:endParaRPr lang="en-HU" dirty="0"/>
+          </a:p>
+        </p:txBody>
+      </p:sp>
+      <p:sp>
+        <p:nvSpPr>
+          <p:cNvPr id="4" name="Slide Number Placeholder 3">
+            <a:extLst>
+              <a:ext uri="{FF2B5EF4-FFF2-40B4-BE49-F238E27FC236}">
+                <a16:creationId xmlns:a16="http://schemas.microsoft.com/office/drawing/2014/main" id="{AF313C9A-B627-0634-FB65-004F57D75B9D}"/>
+              </a:ext>
+            </a:extLst>
+          </p:cNvPr>
+          <p:cNvSpPr>
+            <a:spLocks noGrp="1"/>
+          </p:cNvSpPr>
+          <p:nvPr>
+            <p:ph type="sldNum" sz="quarter" idx="12"/>
+          </p:nvPr>
+        </p:nvSpPr>
+        <p:spPr/>
+        <p:txBody>
+          <a:bodyPr/>
+          <a:lstStyle/>
+          <a:p>
+            <a:fld id="{29A7BD92-6AE5-CF43-B276-274952F2BFB4}" type="slidenum">
+              <a:rPr lang="en-US" smtClean="0"/>
+              <a:pPr/>
+              <a:t>14</a:t>
+            </a:fld>
+            <a:endParaRPr lang="en-US" dirty="0"/>
+          </a:p>
+        </p:txBody>
+      </p:sp>
+      <p:sp>
+        <p:nvSpPr>
+          <p:cNvPr id="5" name="Footer Placeholder 4">
+            <a:extLst>
+              <a:ext uri="{FF2B5EF4-FFF2-40B4-BE49-F238E27FC236}">
+                <a16:creationId xmlns:a16="http://schemas.microsoft.com/office/drawing/2014/main" id="{4D1B02AB-C380-3A26-76F8-17A1209AD666}"/>
+              </a:ext>
+            </a:extLst>
+          </p:cNvPr>
+          <p:cNvSpPr>
+            <a:spLocks noGrp="1"/>
+          </p:cNvSpPr>
+          <p:nvPr>
+            <p:ph type="ftr" sz="quarter" idx="13"/>
+          </p:nvPr>
+        </p:nvSpPr>
+        <p:spPr/>
+        <p:txBody>
+          <a:bodyPr/>
+          <a:lstStyle/>
+          <a:p>
+            <a:r>
+              <a:rPr lang="en-US" dirty="0"/>
+              <a:t>©2025 Silicon Laboratories Inc. All rights reserved.</a:t>
+            </a:r>
+          </a:p>
+        </p:txBody>
+      </p:sp>
+    </p:spTree>
+    <p:extLst>
+      <p:ext uri="{BB962C8B-B14F-4D97-AF65-F5344CB8AC3E}">
+        <p14:creationId xmlns:p14="http://schemas.microsoft.com/office/powerpoint/2010/main" val="3351470211"/>
+      </p:ext>
+    </p:extLst>
+  </p:cSld>
+  <p:clrMapOvr>
+    <a:masterClrMapping/>
+  </p:clrMapOvr>
+  <p:transition spd="med">
+    <p:wipe dir="r"/>
+  </p:transition>
+</p:sld>
+</file>
+
+<file path=ppt/slides/slide15.xml><?xml version="1.0" encoding="utf-8"?>
+<p:sld xmlns:a="http://schemas.openxmlformats.org/drawingml/2006/main" xmlns:r="http://schemas.openxmlformats.org/officeDocument/2006/relationships" xmlns:p="http://schemas.openxmlformats.org/presentationml/2006/main">
+  <p:cSld>
+    <p:spTree>
+      <p:nvGrpSpPr>
+        <p:cNvPr id="1" name=""/>
+        <p:cNvGrpSpPr/>
+        <p:nvPr/>
+      </p:nvGrpSpPr>
+      <p:grpSpPr>
+        <a:xfrm>
+          <a:off x="0" y="0"/>
+          <a:ext cx="0" cy="0"/>
+          <a:chOff x="0" y="0"/>
+          <a:chExt cx="0" cy="0"/>
+        </a:xfrm>
+      </p:grpSpPr>
+      <p:sp>
+        <p:nvSpPr>
+          <p:cNvPr id="6" name="Title 5">
+            <a:extLst>
+              <a:ext uri="{FF2B5EF4-FFF2-40B4-BE49-F238E27FC236}">
+                <a16:creationId xmlns:a16="http://schemas.microsoft.com/office/drawing/2014/main" id="{26822C52-5082-54B5-E975-F9C0BEBF9EF9}"/>
+              </a:ext>
+            </a:extLst>
+          </p:cNvPr>
+          <p:cNvSpPr>
+            <a:spLocks noGrp="1"/>
+          </p:cNvSpPr>
+          <p:nvPr>
+            <p:ph type="title"/>
+          </p:nvPr>
+        </p:nvSpPr>
+        <p:spPr/>
+        <p:txBody>
+          <a:bodyPr/>
+          <a:lstStyle/>
+          <a:p>
+            <a:r>
+              <a:rPr lang="en-HU" dirty="0"/>
+              <a:t>Példák</a:t>
+            </a:r>
+          </a:p>
+        </p:txBody>
+      </p:sp>
+      <p:sp>
+        <p:nvSpPr>
+          <p:cNvPr id="7" name="Text Placeholder 6">
+            <a:extLst>
+              <a:ext uri="{FF2B5EF4-FFF2-40B4-BE49-F238E27FC236}">
+                <a16:creationId xmlns:a16="http://schemas.microsoft.com/office/drawing/2014/main" id="{2671A1BD-84CA-95B4-0BF3-3BA5983C31C1}"/>
+              </a:ext>
+            </a:extLst>
+          </p:cNvPr>
+          <p:cNvSpPr>
+            <a:spLocks noGrp="1"/>
+          </p:cNvSpPr>
+          <p:nvPr>
+            <p:ph type="body" sz="quarter" idx="10"/>
+          </p:nvPr>
+        </p:nvSpPr>
+        <p:spPr/>
+        <p:txBody>
+          <a:bodyPr/>
+          <a:lstStyle/>
+          <a:p>
+            <a:endParaRPr lang="en-HU"/>
+          </a:p>
+        </p:txBody>
+      </p:sp>
+      <p:sp>
+        <p:nvSpPr>
+          <p:cNvPr id="4" name="Slide Number Placeholder 3">
+            <a:extLst>
+              <a:ext uri="{FF2B5EF4-FFF2-40B4-BE49-F238E27FC236}">
+                <a16:creationId xmlns:a16="http://schemas.microsoft.com/office/drawing/2014/main" id="{9036D611-97E0-B50E-C98A-DDEA372F7831}"/>
+              </a:ext>
+            </a:extLst>
+          </p:cNvPr>
+          <p:cNvSpPr>
+            <a:spLocks noGrp="1"/>
+          </p:cNvSpPr>
+          <p:nvPr>
+            <p:ph type="sldNum" sz="quarter" idx="4294967295"/>
+          </p:nvPr>
+        </p:nvSpPr>
+        <p:spPr>
+          <a:xfrm>
+            <a:off x="0" y="6456363"/>
+            <a:ext cx="187325" cy="365125"/>
+          </a:xfrm>
+        </p:spPr>
+        <p:txBody>
+          <a:bodyPr/>
+          <a:lstStyle/>
+          <a:p>
+            <a:fld id="{29A7BD92-6AE5-CF43-B276-274952F2BFB4}" type="slidenum">
+              <a:rPr lang="en-US" smtClean="0"/>
+              <a:pPr/>
+              <a:t>15</a:t>
+            </a:fld>
+            <a:endParaRPr lang="en-US" dirty="0"/>
+          </a:p>
+        </p:txBody>
+      </p:sp>
+      <p:sp>
+        <p:nvSpPr>
+          <p:cNvPr id="5" name="Footer Placeholder 4">
+            <a:extLst>
+              <a:ext uri="{FF2B5EF4-FFF2-40B4-BE49-F238E27FC236}">
+                <a16:creationId xmlns:a16="http://schemas.microsoft.com/office/drawing/2014/main" id="{19AB8519-BAA8-785D-03DD-2BAFD61B6845}"/>
+              </a:ext>
+            </a:extLst>
+          </p:cNvPr>
+          <p:cNvSpPr>
+            <a:spLocks noGrp="1"/>
+          </p:cNvSpPr>
+          <p:nvPr>
+            <p:ph type="ftr" sz="quarter" idx="4294967295"/>
+          </p:nvPr>
+        </p:nvSpPr>
+        <p:spPr>
+          <a:xfrm>
+            <a:off x="0" y="6456363"/>
+            <a:ext cx="8440738" cy="365125"/>
+          </a:xfrm>
+        </p:spPr>
+        <p:txBody>
+          <a:bodyPr/>
+          <a:lstStyle/>
+          <a:p>
+            <a:r>
+              <a:rPr lang="en-US" dirty="0"/>
+              <a:t>©2025 Silicon Laboratories Inc. All rights reserved.</a:t>
+            </a:r>
+          </a:p>
+        </p:txBody>
+      </p:sp>
+    </p:spTree>
+    <p:extLst>
+      <p:ext uri="{BB962C8B-B14F-4D97-AF65-F5344CB8AC3E}">
+        <p14:creationId xmlns:p14="http://schemas.microsoft.com/office/powerpoint/2010/main" val="1469666698"/>
+      </p:ext>
+    </p:extLst>
+  </p:cSld>
+  <p:clrMapOvr>
+    <a:masterClrMapping/>
+  </p:clrMapOvr>
+  <p:transition spd="med">
+    <p:wipe/>
+  </p:transition>
+</p:sld>
+</file>
+
+<file path=ppt/slides/slide16.xml><?xml version="1.0" encoding="utf-8"?>
+<p:sld xmlns:a="http://schemas.openxmlformats.org/drawingml/2006/main" xmlns:r="http://schemas.openxmlformats.org/officeDocument/2006/relationships" xmlns:p="http://schemas.openxmlformats.org/presentationml/2006/main" show="0">
+  <p:cSld>
+    <p:spTree>
+      <p:nvGrpSpPr>
+        <p:cNvPr id="1" name=""/>
+        <p:cNvGrpSpPr/>
+        <p:nvPr/>
+      </p:nvGrpSpPr>
+      <p:grpSpPr>
+        <a:xfrm>
+          <a:off x="0" y="0"/>
+          <a:ext cx="0" cy="0"/>
+          <a:chOff x="0" y="0"/>
+          <a:chExt cx="0" cy="0"/>
+        </a:xfrm>
+      </p:grpSpPr>
+      <p:sp>
+        <p:nvSpPr>
+          <p:cNvPr id="2" name="Title 1">
+            <a:extLst>
+              <a:ext uri="{FF2B5EF4-FFF2-40B4-BE49-F238E27FC236}">
                 <a16:creationId xmlns:a16="http://schemas.microsoft.com/office/drawing/2014/main" id="{37487B00-60E7-A63B-B40F-E47AEFAEF5E5}"/>
               </a:ext>
             </a:extLst>
@@ -38166,7 +39689,7 @@
             <a:fld id="{29A7BD92-6AE5-CF43-B276-274952F2BFB4}" type="slidenum">
               <a:rPr lang="en-US" smtClean="0"/>
               <a:pPr/>
-              <a:t>10</a:t>
+              <a:t>16</a:t>
             </a:fld>
             <a:endParaRPr lang="en-US" dirty="0"/>
           </a:p>
@@ -38194,10 +39717,9 @@
           <a:lstStyle/>
           <a:p>
             <a:r>
-              <a:rPr lang="en-US"/>
-              <a:t>©2022 Silicon Laboratories Inc. All rights reserved.</a:t>
-            </a:r>
-            <a:endParaRPr lang="en-US" dirty="0"/>
+              <a:rPr lang="en-US" dirty="0"/>
+              <a:t>©2025 Silicon Laboratories Inc. All rights reserved.</a:t>
+            </a:r>
           </a:p>
         </p:txBody>
       </p:sp>
@@ -38217,7 +39739,7 @@
 </p:sld>
 </file>
 
-<file path=ppt/slides/slide11.xml><?xml version="1.0" encoding="utf-8"?>
+<file path=ppt/slides/slide17.xml><?xml version="1.0" encoding="utf-8"?>
 <p:sld xmlns:a="http://schemas.openxmlformats.org/drawingml/2006/main" xmlns:r="http://schemas.openxmlformats.org/officeDocument/2006/relationships" xmlns:p="http://schemas.openxmlformats.org/presentationml/2006/main" show="0">
   <p:cSld>
     <p:spTree>
@@ -38324,7 +39846,7 @@
             <a:fld id="{29A7BD92-6AE5-CF43-B276-274952F2BFB4}" type="slidenum">
               <a:rPr lang="en-US" smtClean="0"/>
               <a:pPr/>
-              <a:t>11</a:t>
+              <a:t>17</a:t>
             </a:fld>
             <a:endParaRPr lang="en-US" dirty="0"/>
           </a:p>
@@ -38352,10 +39874,9 @@
           <a:lstStyle/>
           <a:p>
             <a:r>
-              <a:rPr lang="en-US"/>
-              <a:t>©2022 Silicon Laboratories Inc. All rights reserved.</a:t>
-            </a:r>
-            <a:endParaRPr lang="en-US" dirty="0"/>
+              <a:rPr lang="en-US" dirty="0"/>
+              <a:t>©2025 Silicon Laboratories Inc. All rights reserved.</a:t>
+            </a:r>
           </a:p>
         </p:txBody>
       </p:sp>
@@ -38375,7 +39896,7 @@
 </p:sld>
 </file>
 
-<file path=ppt/slides/slide12.xml><?xml version="1.0" encoding="utf-8"?>
+<file path=ppt/slides/slide18.xml><?xml version="1.0" encoding="utf-8"?>
 <p:sld xmlns:a="http://schemas.openxmlformats.org/drawingml/2006/main" xmlns:r="http://schemas.openxmlformats.org/officeDocument/2006/relationships" xmlns:p="http://schemas.openxmlformats.org/presentationml/2006/main" show="0">
   <p:cSld>
     <p:spTree>
@@ -38482,7 +40003,7 @@
             <a:fld id="{29A7BD92-6AE5-CF43-B276-274952F2BFB4}" type="slidenum">
               <a:rPr lang="en-US" smtClean="0"/>
               <a:pPr/>
-              <a:t>12</a:t>
+              <a:t>18</a:t>
             </a:fld>
             <a:endParaRPr lang="en-US" dirty="0"/>
           </a:p>
@@ -38510,10 +40031,9 @@
           <a:lstStyle/>
           <a:p>
             <a:r>
-              <a:rPr lang="en-US"/>
-              <a:t>©2022 Silicon Laboratories Inc. All rights reserved.</a:t>
-            </a:r>
-            <a:endParaRPr lang="en-US" dirty="0"/>
+              <a:rPr lang="en-US" dirty="0"/>
+              <a:t>©2025 Silicon Laboratories Inc. All rights reserved.</a:t>
+            </a:r>
           </a:p>
         </p:txBody>
       </p:sp>
@@ -38533,7 +40053,7 @@
 </p:sld>
 </file>
 
-<file path=ppt/slides/slide13.xml><?xml version="1.0" encoding="utf-8"?>
+<file path=ppt/slides/slide19.xml><?xml version="1.0" encoding="utf-8"?>
 <p:sld xmlns:a="http://schemas.openxmlformats.org/drawingml/2006/main" xmlns:r="http://schemas.openxmlformats.org/officeDocument/2006/relationships" xmlns:p="http://schemas.openxmlformats.org/presentationml/2006/main" show="0">
   <p:cSld>
     <p:spTree>
@@ -38640,7 +40160,7 @@
             <a:fld id="{29A7BD92-6AE5-CF43-B276-274952F2BFB4}" type="slidenum">
               <a:rPr lang="en-US" smtClean="0"/>
               <a:pPr/>
-              <a:t>13</a:t>
+              <a:t>19</a:t>
             </a:fld>
             <a:endParaRPr lang="en-US" dirty="0"/>
           </a:p>
@@ -38668,10 +40188,9 @@
           <a:lstStyle/>
           <a:p>
             <a:r>
-              <a:rPr lang="en-US"/>
-              <a:t>©2022 Silicon Laboratories Inc. All rights reserved.</a:t>
-            </a:r>
-            <a:endParaRPr lang="en-US" dirty="0"/>
+              <a:rPr lang="en-US" dirty="0"/>
+              <a:t>©2025 Silicon Laboratories Inc. All rights reserved.</a:t>
+            </a:r>
           </a:p>
         </p:txBody>
       </p:sp>
@@ -38691,7 +40210,169 @@
 </p:sld>
 </file>
 
-<file path=ppt/slides/slide14.xml><?xml version="1.0" encoding="utf-8"?>
+<file path=ppt/slides/slide2.xml><?xml version="1.0" encoding="utf-8"?>
+<p:sld xmlns:a="http://schemas.openxmlformats.org/drawingml/2006/main" xmlns:r="http://schemas.openxmlformats.org/officeDocument/2006/relationships" xmlns:p="http://schemas.openxmlformats.org/presentationml/2006/main">
+  <p:cSld>
+    <p:spTree>
+      <p:nvGrpSpPr>
+        <p:cNvPr id="1" name=""/>
+        <p:cNvGrpSpPr/>
+        <p:nvPr/>
+      </p:nvGrpSpPr>
+      <p:grpSpPr>
+        <a:xfrm>
+          <a:off x="0" y="0"/>
+          <a:ext cx="0" cy="0"/>
+          <a:chOff x="0" y="0"/>
+          <a:chExt cx="0" cy="0"/>
+        </a:xfrm>
+      </p:grpSpPr>
+      <p:sp>
+        <p:nvSpPr>
+          <p:cNvPr id="2" name="Title 1">
+            <a:extLst>
+              <a:ext uri="{FF2B5EF4-FFF2-40B4-BE49-F238E27FC236}">
+                <a16:creationId xmlns:a16="http://schemas.microsoft.com/office/drawing/2014/main" id="{5B409CA7-0FC0-90B4-57AA-A34F8FCB61C6}"/>
+              </a:ext>
+            </a:extLst>
+          </p:cNvPr>
+          <p:cNvSpPr>
+            <a:spLocks noGrp="1"/>
+          </p:cNvSpPr>
+          <p:nvPr>
+            <p:ph type="title"/>
+          </p:nvPr>
+        </p:nvSpPr>
+        <p:spPr/>
+        <p:txBody>
+          <a:bodyPr/>
+          <a:lstStyle/>
+          <a:p>
+            <a:r>
+              <a:rPr lang="en-HU" dirty="0"/>
+              <a:t>Mi tud hibát okozni? Egyszerű hibák</a:t>
+            </a:r>
+          </a:p>
+        </p:txBody>
+      </p:sp>
+      <p:sp>
+        <p:nvSpPr>
+          <p:cNvPr id="3" name="Content Placeholder 2">
+            <a:extLst>
+              <a:ext uri="{FF2B5EF4-FFF2-40B4-BE49-F238E27FC236}">
+                <a16:creationId xmlns:a16="http://schemas.microsoft.com/office/drawing/2014/main" id="{DE5CA89F-5F3F-1220-E67D-0BC65B5C9C06}"/>
+              </a:ext>
+            </a:extLst>
+          </p:cNvPr>
+          <p:cNvSpPr>
+            <a:spLocks noGrp="1"/>
+          </p:cNvSpPr>
+          <p:nvPr>
+            <p:ph idx="10"/>
+          </p:nvPr>
+        </p:nvSpPr>
+        <p:spPr/>
+        <p:txBody>
+          <a:bodyPr/>
+          <a:lstStyle/>
+          <a:p>
+            <a:r>
+              <a:rPr lang="en-HU" dirty="0"/>
+              <a:t>Hibás képlet</a:t>
+            </a:r>
+          </a:p>
+          <a:p>
+            <a:r>
+              <a:rPr lang="en-HU" dirty="0"/>
+              <a:t>Kifelejtett változó írás</a:t>
+            </a:r>
+          </a:p>
+          <a:p>
+            <a:r>
+              <a:rPr lang="en-HU" dirty="0"/>
+              <a:t>Rossz argumentum sorrend</a:t>
+            </a:r>
+          </a:p>
+          <a:p>
+            <a:endParaRPr lang="en-HU" dirty="0"/>
+          </a:p>
+        </p:txBody>
+      </p:sp>
+      <p:sp>
+        <p:nvSpPr>
+          <p:cNvPr id="4" name="Slide Number Placeholder 3">
+            <a:extLst>
+              <a:ext uri="{FF2B5EF4-FFF2-40B4-BE49-F238E27FC236}">
+                <a16:creationId xmlns:a16="http://schemas.microsoft.com/office/drawing/2014/main" id="{005999E9-9A8A-6343-8835-D99E19B21A12}"/>
+              </a:ext>
+            </a:extLst>
+          </p:cNvPr>
+          <p:cNvSpPr>
+            <a:spLocks noGrp="1"/>
+          </p:cNvSpPr>
+          <p:nvPr>
+            <p:ph type="sldNum" sz="quarter" idx="12"/>
+          </p:nvPr>
+        </p:nvSpPr>
+        <p:spPr/>
+        <p:txBody>
+          <a:bodyPr/>
+          <a:lstStyle/>
+          <a:p>
+            <a:fld id="{29A7BD92-6AE5-CF43-B276-274952F2BFB4}" type="slidenum">
+              <a:rPr lang="en-US" smtClean="0"/>
+              <a:pPr/>
+              <a:t>2</a:t>
+            </a:fld>
+            <a:endParaRPr lang="en-US" dirty="0"/>
+          </a:p>
+        </p:txBody>
+      </p:sp>
+      <p:sp>
+        <p:nvSpPr>
+          <p:cNvPr id="5" name="Footer Placeholder 4">
+            <a:extLst>
+              <a:ext uri="{FF2B5EF4-FFF2-40B4-BE49-F238E27FC236}">
+                <a16:creationId xmlns:a16="http://schemas.microsoft.com/office/drawing/2014/main" id="{AFCCAFCC-B7D0-FA1E-C393-C4F0376ECC2B}"/>
+              </a:ext>
+            </a:extLst>
+          </p:cNvPr>
+          <p:cNvSpPr>
+            <a:spLocks noGrp="1"/>
+          </p:cNvSpPr>
+          <p:nvPr>
+            <p:ph type="ftr" sz="quarter" idx="13"/>
+          </p:nvPr>
+        </p:nvSpPr>
+        <p:spPr/>
+        <p:txBody>
+          <a:bodyPr/>
+          <a:lstStyle/>
+          <a:p>
+            <a:r>
+              <a:rPr lang="en-US" dirty="0"/>
+              <a:t>©2025 Silicon Laboratories Inc. All rights reserved.</a:t>
+            </a:r>
+          </a:p>
+        </p:txBody>
+      </p:sp>
+    </p:spTree>
+    <p:extLst>
+      <p:ext uri="{BB962C8B-B14F-4D97-AF65-F5344CB8AC3E}">
+        <p14:creationId xmlns:p14="http://schemas.microsoft.com/office/powerpoint/2010/main" val="3576876776"/>
+      </p:ext>
+    </p:extLst>
+  </p:cSld>
+  <p:clrMapOvr>
+    <a:masterClrMapping/>
+  </p:clrMapOvr>
+  <p:transition spd="med">
+    <p:wipe dir="r"/>
+  </p:transition>
+</p:sld>
+</file>
+
+<file path=ppt/slides/slide20.xml><?xml version="1.0" encoding="utf-8"?>
 <p:sld xmlns:a="http://schemas.openxmlformats.org/drawingml/2006/main" xmlns:r="http://schemas.openxmlformats.org/officeDocument/2006/relationships" xmlns:p="http://schemas.openxmlformats.org/presentationml/2006/main">
   <p:cSld>
     <p:spTree>
@@ -38817,10 +40498,34 @@
               <a:t>andras.biro</a:t>
             </a:r>
             <a:r>
-              <a:rPr lang="en-GB"/>
-              <a:t> @ silabs.com</a:t>
+              <a:rPr lang="en-GB" dirty="0"/>
+              <a:t> @ </a:t>
+            </a:r>
+            <a:r>
+              <a:rPr lang="en-GB" dirty="0" err="1"/>
+              <a:t>silabs.com</a:t>
             </a:r>
             <a:endParaRPr lang="en-GB" dirty="0"/>
+          </a:p>
+          <a:p>
+            <a:pPr marL="0" indent="0">
+              <a:buNone/>
+            </a:pPr>
+            <a:r>
+              <a:rPr lang="en-GB" dirty="0"/>
+              <a:t>CS2026 discord: Bíró András, Kozma Dávid, </a:t>
+            </a:r>
+            <a:r>
+              <a:rPr lang="en-GB" dirty="0" err="1"/>
+              <a:t>Preinsperger</a:t>
+            </a:r>
+            <a:r>
+              <a:rPr lang="en-GB" dirty="0"/>
+              <a:t> Máté</a:t>
+            </a:r>
+          </a:p>
+          <a:p>
+            <a:endParaRPr lang="en-HU" dirty="0"/>
           </a:p>
         </p:txBody>
       </p:sp>
@@ -38853,7 +40558,7 @@
             <a:fld id="{29A7BD92-6AE5-CF43-B276-274952F2BFB4}" type="slidenum">
               <a:rPr lang="en-US" smtClean="0"/>
               <a:pPr/>
-              <a:t>14</a:t>
+              <a:t>20</a:t>
             </a:fld>
             <a:endParaRPr lang="en-US" dirty="0"/>
           </a:p>
@@ -38887,7 +40592,7 @@
           <a:p>
             <a:r>
               <a:rPr lang="en-US" dirty="0"/>
-              <a:t>©2022 Silicon Laboratories Inc. All rights reserved.</a:t>
+              <a:t>©2025 Silicon Laboratories Inc. All rights reserved.</a:t>
             </a:r>
           </a:p>
         </p:txBody>
@@ -38904,211 +40609,6 @@
   </p:clrMapOvr>
   <p:transition spd="med">
     <p:wipe/>
-  </p:transition>
-</p:sld>
-</file>
-
-<file path=ppt/slides/slide2.xml><?xml version="1.0" encoding="utf-8"?>
-<p:sld xmlns:a="http://schemas.openxmlformats.org/drawingml/2006/main" xmlns:r="http://schemas.openxmlformats.org/officeDocument/2006/relationships" xmlns:p="http://schemas.openxmlformats.org/presentationml/2006/main">
-  <p:cSld>
-    <p:spTree>
-      <p:nvGrpSpPr>
-        <p:cNvPr id="1" name=""/>
-        <p:cNvGrpSpPr/>
-        <p:nvPr/>
-      </p:nvGrpSpPr>
-      <p:grpSpPr>
-        <a:xfrm>
-          <a:off x="0" y="0"/>
-          <a:ext cx="0" cy="0"/>
-          <a:chOff x="0" y="0"/>
-          <a:chExt cx="0" cy="0"/>
-        </a:xfrm>
-      </p:grpSpPr>
-      <p:sp>
-        <p:nvSpPr>
-          <p:cNvPr id="2" name="Title 1">
-            <a:extLst>
-              <a:ext uri="{FF2B5EF4-FFF2-40B4-BE49-F238E27FC236}">
-                <a16:creationId xmlns:a16="http://schemas.microsoft.com/office/drawing/2014/main" id="{4F75F00D-9694-0C38-6003-41CE9DBCFAD1}"/>
-              </a:ext>
-            </a:extLst>
-          </p:cNvPr>
-          <p:cNvSpPr>
-            <a:spLocks noGrp="1"/>
-          </p:cNvSpPr>
-          <p:nvPr>
-            <p:ph type="title"/>
-          </p:nvPr>
-        </p:nvSpPr>
-        <p:spPr/>
-        <p:txBody>
-          <a:bodyPr/>
-          <a:lstStyle/>
-          <a:p>
-            <a:r>
-              <a:rPr lang="en-HU" dirty="0"/>
-              <a:t>Nem működik ez a @$$%^#!</a:t>
-            </a:r>
-          </a:p>
-        </p:txBody>
-      </p:sp>
-      <p:sp>
-        <p:nvSpPr>
-          <p:cNvPr id="3" name="Content Placeholder 2">
-            <a:extLst>
-              <a:ext uri="{FF2B5EF4-FFF2-40B4-BE49-F238E27FC236}">
-                <a16:creationId xmlns:a16="http://schemas.microsoft.com/office/drawing/2014/main" id="{1281415D-F9F5-62C9-7D0D-B5D38E70B2AE}"/>
-              </a:ext>
-            </a:extLst>
-          </p:cNvPr>
-          <p:cNvSpPr>
-            <a:spLocks noGrp="1"/>
-          </p:cNvSpPr>
-          <p:nvPr>
-            <p:ph idx="10"/>
-          </p:nvPr>
-        </p:nvSpPr>
-        <p:spPr/>
-        <p:txBody>
-          <a:bodyPr/>
-          <a:lstStyle/>
-          <a:p>
-            <a:r>
-              <a:rPr lang="en-HU" dirty="0"/>
-              <a:t>“Lefagy”</a:t>
-            </a:r>
-          </a:p>
-          <a:p>
-            <a:pPr lvl="1"/>
-            <a:r>
-              <a:rPr lang="en-HU" dirty="0"/>
-              <a:t>Valójában inkább egy végtelen ciklusba kerül valahol</a:t>
-            </a:r>
-          </a:p>
-          <a:p>
-            <a:r>
-              <a:rPr lang="en-HU" dirty="0"/>
-              <a:t>Hibásan működik</a:t>
-            </a:r>
-          </a:p>
-          <a:p>
-            <a:pPr lvl="1"/>
-            <a:r>
-              <a:rPr lang="en-HU" dirty="0"/>
-              <a:t>Ugyan él az eszköz, de nem azt csinálja, amit kéne neki, pl irreális hőmérsékleti adatok jönnek</a:t>
-            </a:r>
-          </a:p>
-          <a:p>
-            <a:r>
-              <a:rPr lang="en-HU" dirty="0"/>
-              <a:t>Nem megy át az üzenet</a:t>
-            </a:r>
-          </a:p>
-          <a:p>
-            <a:pPr lvl="1"/>
-            <a:r>
-              <a:rPr lang="en-HU" dirty="0"/>
-              <a:t>Néha elvész egy-egy üzenet – akár RF, akár valamilyen busz, pl I2C</a:t>
-            </a:r>
-          </a:p>
-          <a:p>
-            <a:pPr lvl="1"/>
-            <a:endParaRPr lang="en-HU" dirty="0"/>
-          </a:p>
-          <a:p>
-            <a:endParaRPr lang="en-HU" dirty="0"/>
-          </a:p>
-          <a:p>
-            <a:r>
-              <a:rPr lang="en-HU" dirty="0"/>
-              <a:t>Reprodukció</a:t>
-            </a:r>
-          </a:p>
-          <a:p>
-            <a:r>
-              <a:rPr lang="en-HU" dirty="0"/>
-              <a:t>Lokalizáció</a:t>
-            </a:r>
-          </a:p>
-          <a:p>
-            <a:r>
-              <a:rPr lang="en-HU" dirty="0"/>
-              <a:t>Javítás</a:t>
-            </a:r>
-          </a:p>
-        </p:txBody>
-      </p:sp>
-      <p:sp>
-        <p:nvSpPr>
-          <p:cNvPr id="4" name="Slide Number Placeholder 3">
-            <a:extLst>
-              <a:ext uri="{FF2B5EF4-FFF2-40B4-BE49-F238E27FC236}">
-                <a16:creationId xmlns:a16="http://schemas.microsoft.com/office/drawing/2014/main" id="{53921645-3EAA-8A86-6390-CC85745BC4B8}"/>
-              </a:ext>
-            </a:extLst>
-          </p:cNvPr>
-          <p:cNvSpPr>
-            <a:spLocks noGrp="1"/>
-          </p:cNvSpPr>
-          <p:nvPr>
-            <p:ph type="sldNum" sz="quarter" idx="12"/>
-          </p:nvPr>
-        </p:nvSpPr>
-        <p:spPr/>
-        <p:txBody>
-          <a:bodyPr/>
-          <a:lstStyle/>
-          <a:p>
-            <a:fld id="{29A7BD92-6AE5-CF43-B276-274952F2BFB4}" type="slidenum">
-              <a:rPr lang="en-US" smtClean="0"/>
-              <a:pPr/>
-              <a:t>2</a:t>
-            </a:fld>
-            <a:endParaRPr lang="en-US" dirty="0"/>
-          </a:p>
-        </p:txBody>
-      </p:sp>
-      <p:sp>
-        <p:nvSpPr>
-          <p:cNvPr id="5" name="Footer Placeholder 4">
-            <a:extLst>
-              <a:ext uri="{FF2B5EF4-FFF2-40B4-BE49-F238E27FC236}">
-                <a16:creationId xmlns:a16="http://schemas.microsoft.com/office/drawing/2014/main" id="{FE4B50F3-690D-88FD-F1F6-E0AF319F6EF8}"/>
-              </a:ext>
-            </a:extLst>
-          </p:cNvPr>
-          <p:cNvSpPr>
-            <a:spLocks noGrp="1"/>
-          </p:cNvSpPr>
-          <p:nvPr>
-            <p:ph type="ftr" sz="quarter" idx="13"/>
-          </p:nvPr>
-        </p:nvSpPr>
-        <p:spPr/>
-        <p:txBody>
-          <a:bodyPr/>
-          <a:lstStyle/>
-          <a:p>
-            <a:r>
-              <a:rPr lang="en-US" dirty="0"/>
-              <a:t>©2025 Silicon Laboratories Inc. All rights reserved.</a:t>
-            </a:r>
-          </a:p>
-        </p:txBody>
-      </p:sp>
-    </p:spTree>
-    <p:extLst>
-      <p:ext uri="{BB962C8B-B14F-4D97-AF65-F5344CB8AC3E}">
-        <p14:creationId xmlns:p14="http://schemas.microsoft.com/office/powerpoint/2010/main" val="3842704562"/>
-      </p:ext>
-    </p:extLst>
-  </p:cSld>
-  <p:clrMapOvr>
-    <a:masterClrMapping/>
-  </p:clrMapOvr>
-  <p:transition spd="med">
-    <p:wipe dir="r"/>
   </p:transition>
 </p:sld>
 </file>
@@ -39135,7 +40635,7 @@
           <p:cNvPr id="2" name="Title 1">
             <a:extLst>
               <a:ext uri="{FF2B5EF4-FFF2-40B4-BE49-F238E27FC236}">
-                <a16:creationId xmlns:a16="http://schemas.microsoft.com/office/drawing/2014/main" id="{310E7E16-5668-C802-D5AF-ADD191682CEF}"/>
+                <a16:creationId xmlns:a16="http://schemas.microsoft.com/office/drawing/2014/main" id="{B02C9BDA-F2FF-CA63-0AB6-B7536E9BB5F3}"/>
               </a:ext>
             </a:extLst>
           </p:cNvPr>
@@ -39153,129 +40653,8 @@
           <a:p>
             <a:r>
               <a:rPr lang="en-HU" dirty="0"/>
-              <a:t>Hiba reprodukálás</a:t>
-            </a:r>
-          </a:p>
-        </p:txBody>
-      </p:sp>
-      <p:sp>
-        <p:nvSpPr>
-          <p:cNvPr id="3" name="Content Placeholder 2">
-            <a:extLst>
-              <a:ext uri="{FF2B5EF4-FFF2-40B4-BE49-F238E27FC236}">
-                <a16:creationId xmlns:a16="http://schemas.microsoft.com/office/drawing/2014/main" id="{8862AFCF-F816-3272-7BC6-CEA04E240FE9}"/>
-              </a:ext>
-            </a:extLst>
-          </p:cNvPr>
-          <p:cNvSpPr>
-            <a:spLocks noGrp="1"/>
-          </p:cNvSpPr>
-          <p:nvPr>
-            <p:ph idx="10"/>
-          </p:nvPr>
-        </p:nvSpPr>
-        <p:spPr/>
-        <p:txBody>
-          <a:bodyPr/>
-          <a:lstStyle/>
-          <a:p>
-            <a:r>
-              <a:rPr lang="en-HU" dirty="0"/>
-              <a:t>Ritkán előforduló bug</a:t>
-            </a:r>
-          </a:p>
-          <a:p>
-            <a:pPr lvl="1"/>
-            <a:r>
-              <a:rPr lang="en-HU" dirty="0"/>
-              <a:t>Gyorsítsuk fel a futást</a:t>
-            </a:r>
-          </a:p>
-          <a:p>
-            <a:pPr lvl="1"/>
-            <a:r>
-              <a:rPr lang="en-HU" dirty="0"/>
-              <a:t>Párhuzamosan több eszközt figyeljünk</a:t>
-            </a:r>
-          </a:p>
-          <a:p>
-            <a:pPr lvl="1"/>
-            <a:r>
-              <a:rPr lang="en-HU" dirty="0"/>
-              <a:t>Mesterségesen abba az állapotba vinni az eszközt</a:t>
-            </a:r>
-          </a:p>
-          <a:p>
-            <a:pPr lvl="2"/>
-            <a:r>
-              <a:rPr lang="en-GB" dirty="0"/>
-              <a:t>P</a:t>
-            </a:r>
-            <a:r>
-              <a:rPr lang="en-HU" dirty="0"/>
-              <a:t>l timer túlcsordulás körüli hiba esetén timert túlcsordulás előtti állapotban indítani</a:t>
-            </a:r>
-          </a:p>
-          <a:p>
-            <a:r>
-              <a:rPr lang="en-HU" dirty="0"/>
-              <a:t>In-circuit debug</a:t>
-            </a:r>
-          </a:p>
-          <a:p>
-            <a:pPr lvl="1"/>
-            <a:r>
-              <a:rPr lang="en-HU" dirty="0"/>
-              <a:t>Másodlagos számítógépen nyitott debug porttal hagyni az eszközt futni</a:t>
-            </a:r>
-          </a:p>
-          <a:p>
-            <a:r>
-              <a:rPr lang="en-HU" dirty="0"/>
-              <a:t>Logolás</a:t>
-            </a:r>
-          </a:p>
-          <a:p>
-            <a:pPr lvl="1"/>
-            <a:r>
-              <a:rPr lang="en-HU" dirty="0"/>
-              <a:t>Pl minden állapotgép váltásra kiírunk valamit</a:t>
-            </a:r>
-          </a:p>
-          <a:p>
-            <a:pPr lvl="1"/>
-            <a:r>
-              <a:rPr lang="en-HU" dirty="0"/>
-              <a:t>Ha a logból nem látszik semmi: több logolás</a:t>
-            </a:r>
-          </a:p>
-          <a:p>
-            <a:r>
-              <a:rPr lang="en-HU" dirty="0"/>
-              <a:t>GPIO toggle, debug jelek</a:t>
-            </a:r>
-          </a:p>
-          <a:p>
-            <a:pPr lvl="1"/>
-            <a:r>
-              <a:rPr lang="en-HU" dirty="0"/>
-              <a:t>Logic analyzer kell hozzá</a:t>
-            </a:r>
-          </a:p>
-          <a:p>
-            <a:pPr lvl="2"/>
-            <a:r>
-              <a:rPr lang="en-HU" dirty="0"/>
-              <a:t>Esetleg oszcilloszkóp, esetleg LEDek</a:t>
-            </a:r>
-          </a:p>
-          <a:p>
-            <a:pPr lvl="1"/>
-            <a:endParaRPr lang="en-HU" dirty="0"/>
-          </a:p>
-          <a:p>
-            <a:pPr lvl="1"/>
-            <a:endParaRPr lang="en-HU" dirty="0"/>
+              <a:t>Mi tud hibát okozni? Túlcsordulás</a:t>
+            </a:r>
           </a:p>
         </p:txBody>
       </p:sp>
@@ -39284,7 +40663,7 @@
           <p:cNvPr id="4" name="Slide Number Placeholder 3">
             <a:extLst>
               <a:ext uri="{FF2B5EF4-FFF2-40B4-BE49-F238E27FC236}">
-                <a16:creationId xmlns:a16="http://schemas.microsoft.com/office/drawing/2014/main" id="{565AE20B-A5AF-B6BD-FF51-A73E8D7FA9D7}"/>
+                <a16:creationId xmlns:a16="http://schemas.microsoft.com/office/drawing/2014/main" id="{68431A66-8693-BC95-C8E3-3272AF7E9C19}"/>
               </a:ext>
             </a:extLst>
           </p:cNvPr>
@@ -39314,7 +40693,7 @@
           <p:cNvPr id="5" name="Footer Placeholder 4">
             <a:extLst>
               <a:ext uri="{FF2B5EF4-FFF2-40B4-BE49-F238E27FC236}">
-                <a16:creationId xmlns:a16="http://schemas.microsoft.com/office/drawing/2014/main" id="{1BBB863A-2E96-A22A-1184-91CDDAFCAE3C}"/>
+                <a16:creationId xmlns:a16="http://schemas.microsoft.com/office/drawing/2014/main" id="{94848FAB-501E-5EA5-884D-995EAB5B59D9}"/>
               </a:ext>
             </a:extLst>
           </p:cNvPr>
@@ -39337,10 +40716,132 @@
           </a:p>
         </p:txBody>
       </p:sp>
+      <p:pic>
+        <p:nvPicPr>
+          <p:cNvPr id="14" name="Content Placeholder 13">
+            <a:extLst>
+              <a:ext uri="{FF2B5EF4-FFF2-40B4-BE49-F238E27FC236}">
+                <a16:creationId xmlns:a16="http://schemas.microsoft.com/office/drawing/2014/main" id="{D8E239EA-58A3-C8A4-ADAC-D9F034102E65}"/>
+              </a:ext>
+            </a:extLst>
+          </p:cNvPr>
+          <p:cNvPicPr>
+            <a:picLocks noGrp="1" noChangeAspect="1"/>
+          </p:cNvPicPr>
+          <p:nvPr>
+            <p:ph idx="10"/>
+          </p:nvPr>
+        </p:nvPicPr>
+        <p:blipFill>
+          <a:blip r:embed="rId2"/>
+          <a:stretch>
+            <a:fillRect/>
+          </a:stretch>
+        </p:blipFill>
+        <p:spPr>
+          <a:xfrm>
+            <a:off x="7973448" y="1608931"/>
+            <a:ext cx="1778000" cy="1676400"/>
+          </a:xfrm>
+          <a:prstGeom prst="rect">
+            <a:avLst/>
+          </a:prstGeom>
+        </p:spPr>
+      </p:pic>
+      <p:pic>
+        <p:nvPicPr>
+          <p:cNvPr id="10" name="Picture 9">
+            <a:extLst>
+              <a:ext uri="{FF2B5EF4-FFF2-40B4-BE49-F238E27FC236}">
+                <a16:creationId xmlns:a16="http://schemas.microsoft.com/office/drawing/2014/main" id="{1249346B-186F-48F9-98AD-E980A7CBEB23}"/>
+              </a:ext>
+            </a:extLst>
+          </p:cNvPr>
+          <p:cNvPicPr>
+            <a:picLocks noChangeAspect="1"/>
+          </p:cNvPicPr>
+          <p:nvPr/>
+        </p:nvPicPr>
+        <p:blipFill>
+          <a:blip r:embed="rId3"/>
+          <a:stretch>
+            <a:fillRect/>
+          </a:stretch>
+        </p:blipFill>
+        <p:spPr>
+          <a:xfrm>
+            <a:off x="1417665" y="1855169"/>
+            <a:ext cx="1778000" cy="977900"/>
+          </a:xfrm>
+          <a:prstGeom prst="rect">
+            <a:avLst/>
+          </a:prstGeom>
+        </p:spPr>
+      </p:pic>
+      <p:pic>
+        <p:nvPicPr>
+          <p:cNvPr id="11" name="Picture 10">
+            <a:extLst>
+              <a:ext uri="{FF2B5EF4-FFF2-40B4-BE49-F238E27FC236}">
+                <a16:creationId xmlns:a16="http://schemas.microsoft.com/office/drawing/2014/main" id="{2FD7184C-86B3-F0CF-6EC2-5DC03DAA1FB1}"/>
+              </a:ext>
+            </a:extLst>
+          </p:cNvPr>
+          <p:cNvPicPr>
+            <a:picLocks noChangeAspect="1"/>
+          </p:cNvPicPr>
+          <p:nvPr/>
+        </p:nvPicPr>
+        <p:blipFill>
+          <a:blip r:embed="rId4"/>
+          <a:stretch>
+            <a:fillRect/>
+          </a:stretch>
+        </p:blipFill>
+        <p:spPr>
+          <a:xfrm>
+            <a:off x="1422830" y="2885281"/>
+            <a:ext cx="1778000" cy="800100"/>
+          </a:xfrm>
+          <a:prstGeom prst="rect">
+            <a:avLst/>
+          </a:prstGeom>
+        </p:spPr>
+      </p:pic>
+      <p:pic>
+        <p:nvPicPr>
+          <p:cNvPr id="13" name="Picture 12">
+            <a:extLst>
+              <a:ext uri="{FF2B5EF4-FFF2-40B4-BE49-F238E27FC236}">
+                <a16:creationId xmlns:a16="http://schemas.microsoft.com/office/drawing/2014/main" id="{D6772567-F37A-9587-069A-56C700225768}"/>
+              </a:ext>
+            </a:extLst>
+          </p:cNvPr>
+          <p:cNvPicPr>
+            <a:picLocks noChangeAspect="1"/>
+          </p:cNvPicPr>
+          <p:nvPr/>
+        </p:nvPicPr>
+        <p:blipFill>
+          <a:blip r:embed="rId5"/>
+          <a:stretch>
+            <a:fillRect/>
+          </a:stretch>
+        </p:blipFill>
+        <p:spPr>
+          <a:xfrm>
+            <a:off x="7973448" y="3285331"/>
+            <a:ext cx="1778000" cy="1193800"/>
+          </a:xfrm>
+          <a:prstGeom prst="rect">
+            <a:avLst/>
+          </a:prstGeom>
+        </p:spPr>
+      </p:pic>
     </p:spTree>
     <p:extLst>
       <p:ext uri="{BB962C8B-B14F-4D97-AF65-F5344CB8AC3E}">
-        <p14:creationId xmlns:p14="http://schemas.microsoft.com/office/powerpoint/2010/main" val="703869934"/>
+        <p14:creationId xmlns:p14="http://schemas.microsoft.com/office/powerpoint/2010/main" val="1828692694"/>
       </p:ext>
     </p:extLst>
   </p:cSld>
@@ -39350,6 +40851,171 @@
   <p:transition spd="med">
     <p:wipe dir="r"/>
   </p:transition>
+  <p:timing>
+    <p:tnLst>
+      <p:par>
+        <p:cTn id="1" dur="indefinite" restart="never" nodeType="tmRoot">
+          <p:childTnLst>
+            <p:seq concurrent="1" nextAc="seek">
+              <p:cTn id="2" dur="indefinite" nodeType="mainSeq">
+                <p:childTnLst>
+                  <p:par>
+                    <p:cTn id="3" fill="hold">
+                      <p:stCondLst>
+                        <p:cond delay="indefinite"/>
+                      </p:stCondLst>
+                      <p:childTnLst>
+                        <p:par>
+                          <p:cTn id="4" fill="hold">
+                            <p:stCondLst>
+                              <p:cond delay="0"/>
+                            </p:stCondLst>
+                            <p:childTnLst>
+                              <p:par>
+                                <p:cTn id="5" presetID="1" presetClass="entr" presetSubtype="0" fill="hold" nodeType="clickEffect">
+                                  <p:stCondLst>
+                                    <p:cond delay="0"/>
+                                  </p:stCondLst>
+                                  <p:childTnLst>
+                                    <p:set>
+                                      <p:cBhvr>
+                                        <p:cTn id="6" dur="1" fill="hold">
+                                          <p:stCondLst>
+                                            <p:cond delay="0"/>
+                                          </p:stCondLst>
+                                        </p:cTn>
+                                        <p:tgtEl>
+                                          <p:spTgt spid="11"/>
+                                        </p:tgtEl>
+                                        <p:attrNameLst>
+                                          <p:attrName>style.visibility</p:attrName>
+                                        </p:attrNameLst>
+                                      </p:cBhvr>
+                                      <p:to>
+                                        <p:strVal val="visible"/>
+                                      </p:to>
+                                    </p:set>
+                                  </p:childTnLst>
+                                </p:cTn>
+                              </p:par>
+                            </p:childTnLst>
+                          </p:cTn>
+                        </p:par>
+                      </p:childTnLst>
+                    </p:cTn>
+                  </p:par>
+                  <p:par>
+                    <p:cTn id="7" fill="hold">
+                      <p:stCondLst>
+                        <p:cond delay="indefinite"/>
+                      </p:stCondLst>
+                      <p:childTnLst>
+                        <p:par>
+                          <p:cTn id="8" fill="hold">
+                            <p:stCondLst>
+                              <p:cond delay="0"/>
+                            </p:stCondLst>
+                            <p:childTnLst>
+                              <p:par>
+                                <p:cTn id="9" presetID="1" presetClass="entr" presetSubtype="0" fill="hold" nodeType="clickEffect">
+                                  <p:stCondLst>
+                                    <p:cond delay="0"/>
+                                  </p:stCondLst>
+                                  <p:childTnLst>
+                                    <p:set>
+                                      <p:cBhvr>
+                                        <p:cTn id="10" dur="1" fill="hold">
+                                          <p:stCondLst>
+                                            <p:cond delay="0"/>
+                                          </p:stCondLst>
+                                        </p:cTn>
+                                        <p:tgtEl>
+                                          <p:spTgt spid="13"/>
+                                        </p:tgtEl>
+                                        <p:attrNameLst>
+                                          <p:attrName>style.visibility</p:attrName>
+                                        </p:attrNameLst>
+                                      </p:cBhvr>
+                                      <p:to>
+                                        <p:strVal val="visible"/>
+                                      </p:to>
+                                    </p:set>
+                                  </p:childTnLst>
+                                </p:cTn>
+                              </p:par>
+                            </p:childTnLst>
+                          </p:cTn>
+                        </p:par>
+                      </p:childTnLst>
+                    </p:cTn>
+                  </p:par>
+                  <p:par>
+                    <p:cTn id="11" fill="hold">
+                      <p:stCondLst>
+                        <p:cond delay="indefinite"/>
+                      </p:stCondLst>
+                      <p:childTnLst>
+                        <p:par>
+                          <p:cTn id="12" fill="hold">
+                            <p:stCondLst>
+                              <p:cond delay="0"/>
+                            </p:stCondLst>
+                            <p:childTnLst>
+                              <p:par>
+                                <p:cTn id="13" presetID="1" presetClass="entr" presetSubtype="0" fill="hold" nodeType="clickEffect">
+                                  <p:stCondLst>
+                                    <p:cond delay="0"/>
+                                  </p:stCondLst>
+                                  <p:childTnLst>
+                                    <p:set>
+                                      <p:cBhvr>
+                                        <p:cTn id="14" dur="1" fill="hold">
+                                          <p:stCondLst>
+                                            <p:cond delay="0"/>
+                                          </p:stCondLst>
+                                        </p:cTn>
+                                        <p:tgtEl>
+                                          <p:spTgt spid="14"/>
+                                        </p:tgtEl>
+                                        <p:attrNameLst>
+                                          <p:attrName>style.visibility</p:attrName>
+                                        </p:attrNameLst>
+                                      </p:cBhvr>
+                                      <p:to>
+                                        <p:strVal val="visible"/>
+                                      </p:to>
+                                    </p:set>
+                                  </p:childTnLst>
+                                </p:cTn>
+                              </p:par>
+                            </p:childTnLst>
+                          </p:cTn>
+                        </p:par>
+                      </p:childTnLst>
+                    </p:cTn>
+                  </p:par>
+                </p:childTnLst>
+              </p:cTn>
+              <p:prevCondLst>
+                <p:cond evt="onPrev" delay="0">
+                  <p:tgtEl>
+                    <p:sldTgt/>
+                  </p:tgtEl>
+                </p:cond>
+              </p:prevCondLst>
+              <p:nextCondLst>
+                <p:cond evt="onNext" delay="0">
+                  <p:tgtEl>
+                    <p:sldTgt/>
+                  </p:tgtEl>
+                </p:cond>
+              </p:nextCondLst>
+            </p:seq>
+          </p:childTnLst>
+        </p:cTn>
+      </p:par>
+    </p:tnLst>
+  </p:timing>
 </p:sld>
 </file>
 
@@ -39375,7 +41041,7 @@
           <p:cNvPr id="2" name="Title 1">
             <a:extLst>
               <a:ext uri="{FF2B5EF4-FFF2-40B4-BE49-F238E27FC236}">
-                <a16:creationId xmlns:a16="http://schemas.microsoft.com/office/drawing/2014/main" id="{D29BB0FB-4940-4697-78CA-8F0E382443CE}"/>
+                <a16:creationId xmlns:a16="http://schemas.microsoft.com/office/drawing/2014/main" id="{2CD624EE-6191-F171-8D57-1F848982A8BE}"/>
               </a:ext>
             </a:extLst>
           </p:cNvPr>
@@ -39393,7 +41059,7 @@
           <a:p>
             <a:r>
               <a:rPr lang="en-HU" dirty="0"/>
-              <a:t>Debug eszközök problémái</a:t>
+              <a:t>Mi tud hibát okozni? – Memória problémák</a:t>
             </a:r>
           </a:p>
         </p:txBody>
@@ -39403,7 +41069,7 @@
           <p:cNvPr id="3" name="Content Placeholder 2">
             <a:extLst>
               <a:ext uri="{FF2B5EF4-FFF2-40B4-BE49-F238E27FC236}">
-                <a16:creationId xmlns:a16="http://schemas.microsoft.com/office/drawing/2014/main" id="{986AE8B9-CFE6-2BF3-1AB1-D5AD0337BBA1}"/>
+                <a16:creationId xmlns:a16="http://schemas.microsoft.com/office/drawing/2014/main" id="{7A8ACA9C-0D53-2262-DA54-A094876EC94E}"/>
               </a:ext>
             </a:extLst>
           </p:cNvPr>
@@ -39416,99 +41082,35 @@
         </p:nvSpPr>
         <p:spPr/>
         <p:txBody>
-          <a:bodyPr>
-            <a:normAutofit/>
-          </a:bodyPr>
+          <a:bodyPr/>
           <a:lstStyle/>
           <a:p>
             <a:r>
               <a:rPr lang="en-HU" dirty="0"/>
-              <a:t>In circuit debugger</a:t>
+              <a:t>Dinamikus memória használat felszabadítás után</a:t>
             </a:r>
           </a:p>
           <a:p>
             <a:pPr lvl="1"/>
             <a:r>
               <a:rPr lang="en-HU" dirty="0"/>
-              <a:t>Tipikusan nem engedi az eszközt sleep módba</a:t>
-            </a:r>
-          </a:p>
-          <a:p>
-            <a:pPr lvl="1"/>
+              <a:t>Jobb elkerülni a dinamikus memóriát</a:t>
+            </a:r>
+          </a:p>
+          <a:p>
+            <a:r>
+              <a:rPr lang="en-HU" dirty="0"/>
+              <a:t>Tömb túlírása</a:t>
+            </a:r>
+          </a:p>
+          <a:p>
             <a:r>
               <a:rPr lang="en-GB" dirty="0"/>
-              <a:t>H</a:t>
+              <a:t>E</a:t>
             </a:r>
             <a:r>
               <a:rPr lang="en-HU" dirty="0"/>
-              <a:t>a rossz helyen állítjuk meg a kódot, időzített kód nem tud lefutni időben</a:t>
-            </a:r>
-          </a:p>
-          <a:p>
-            <a:pPr lvl="1"/>
-            <a:r>
-              <a:rPr lang="en-HU" dirty="0"/>
-              <a:t>Koprocesszorok, DMA a háttérben még fut</a:t>
-            </a:r>
-          </a:p>
-          <a:p>
-            <a:pPr lvl="1"/>
-            <a:r>
-              <a:rPr lang="en-HU" dirty="0"/>
-              <a:t>Kód optimalizálás nehezen olvashatóvá teszi, optimalizálás letiltása maszkolhatja a hibát</a:t>
-            </a:r>
-          </a:p>
-          <a:p>
-            <a:pPr lvl="2"/>
-            <a:r>
-              <a:rPr lang="en-HU" dirty="0"/>
-              <a:t>De ez is egy nyom!</a:t>
-            </a:r>
-          </a:p>
-          <a:p>
-            <a:r>
-              <a:rPr lang="en-HU" dirty="0"/>
-              <a:t>Logolás</a:t>
-            </a:r>
-          </a:p>
-          <a:p>
-            <a:pPr lvl="1"/>
-            <a:r>
-              <a:rPr lang="en-HU" dirty="0"/>
-              <a:t>Tipikusan UARTra megy, lassú, gyakran letiltja az interruptokat – maszkolhatja a hibát</a:t>
-            </a:r>
-          </a:p>
-          <a:p>
-            <a:pPr lvl="1"/>
-            <a:r>
-              <a:rPr lang="en-HU" dirty="0"/>
-              <a:t>Ügyesebb logolás segíthet (pl, interruptból nem logolunk)</a:t>
-            </a:r>
-          </a:p>
-          <a:p>
-            <a:r>
-              <a:rPr lang="en-HU" dirty="0"/>
-              <a:t>GPIO/Logic Analyser</a:t>
-            </a:r>
-          </a:p>
-          <a:p>
-            <a:pPr lvl="1"/>
-            <a:r>
-              <a:rPr lang="en-HU" dirty="0"/>
-              <a:t>Eszköz szükséges hozzá, ha nehezen reprodukálható a hiba, akkor tipikusan nem lehet elegendő adatot felvenni</a:t>
-            </a:r>
-          </a:p>
-          <a:p>
-            <a:pPr lvl="1"/>
-            <a:endParaRPr lang="en-HU" dirty="0"/>
-          </a:p>
-          <a:p>
-            <a:pPr marL="182562" lvl="1" indent="0">
-              <a:buNone/>
-            </a:pPr>
-            <a:r>
-              <a:rPr lang="en-HU" dirty="0"/>
-              <a:t> </a:t>
+              <a:t>lrontott memcpy()</a:t>
             </a:r>
           </a:p>
         </p:txBody>
@@ -39518,7 +41120,7 @@
           <p:cNvPr id="4" name="Slide Number Placeholder 3">
             <a:extLst>
               <a:ext uri="{FF2B5EF4-FFF2-40B4-BE49-F238E27FC236}">
-                <a16:creationId xmlns:a16="http://schemas.microsoft.com/office/drawing/2014/main" id="{6E35856E-DB2C-34EF-3B11-698A14E619E2}"/>
+                <a16:creationId xmlns:a16="http://schemas.microsoft.com/office/drawing/2014/main" id="{72BC0E90-677B-2B50-2E52-1D3257DF0156}"/>
               </a:ext>
             </a:extLst>
           </p:cNvPr>
@@ -39548,7 +41150,7 @@
           <p:cNvPr id="5" name="Footer Placeholder 4">
             <a:extLst>
               <a:ext uri="{FF2B5EF4-FFF2-40B4-BE49-F238E27FC236}">
-                <a16:creationId xmlns:a16="http://schemas.microsoft.com/office/drawing/2014/main" id="{F69A0A97-91F3-2605-38F3-3F50D94BE18C}"/>
+                <a16:creationId xmlns:a16="http://schemas.microsoft.com/office/drawing/2014/main" id="{D5AA4EC5-6824-91F9-0E9F-EA1534330659}"/>
               </a:ext>
             </a:extLst>
           </p:cNvPr>
@@ -39571,10 +41173,40 @@
           </a:p>
         </p:txBody>
       </p:sp>
+      <p:pic>
+        <p:nvPicPr>
+          <p:cNvPr id="6" name="Picture 5">
+            <a:extLst>
+              <a:ext uri="{FF2B5EF4-FFF2-40B4-BE49-F238E27FC236}">
+                <a16:creationId xmlns:a16="http://schemas.microsoft.com/office/drawing/2014/main" id="{BEDF1106-77A6-AE6B-DCBF-82DA2893EE24}"/>
+              </a:ext>
+            </a:extLst>
+          </p:cNvPr>
+          <p:cNvPicPr>
+            <a:picLocks noChangeAspect="1"/>
+          </p:cNvPicPr>
+          <p:nvPr/>
+        </p:nvPicPr>
+        <p:blipFill>
+          <a:blip r:embed="rId2"/>
+          <a:stretch>
+            <a:fillRect/>
+          </a:stretch>
+        </p:blipFill>
+        <p:spPr>
+          <a:xfrm>
+            <a:off x="6627592" y="2929180"/>
+            <a:ext cx="4382231" cy="3081256"/>
+          </a:xfrm>
+          <a:prstGeom prst="rect">
+            <a:avLst/>
+          </a:prstGeom>
+        </p:spPr>
+      </p:pic>
     </p:spTree>
     <p:extLst>
       <p:ext uri="{BB962C8B-B14F-4D97-AF65-F5344CB8AC3E}">
-        <p14:creationId xmlns:p14="http://schemas.microsoft.com/office/powerpoint/2010/main" val="1804155307"/>
+        <p14:creationId xmlns:p14="http://schemas.microsoft.com/office/powerpoint/2010/main" val="23396523"/>
       </p:ext>
     </p:extLst>
   </p:cSld>
@@ -39606,10 +41238,10 @@
       </p:grpSpPr>
       <p:sp>
         <p:nvSpPr>
-          <p:cNvPr id="2" name="Title 1">
+          <p:cNvPr id="7" name="Title 6">
             <a:extLst>
               <a:ext uri="{FF2B5EF4-FFF2-40B4-BE49-F238E27FC236}">
-                <a16:creationId xmlns:a16="http://schemas.microsoft.com/office/drawing/2014/main" id="{09229875-D3D4-5A1B-B603-C0E117113EF4}"/>
+                <a16:creationId xmlns:a16="http://schemas.microsoft.com/office/drawing/2014/main" id="{5859189B-ED60-5E28-A3C6-3E8607408B20}"/>
               </a:ext>
             </a:extLst>
           </p:cNvPr>
@@ -39627,17 +41259,17 @@
           <a:p>
             <a:r>
               <a:rPr lang="en-HU" dirty="0"/>
-              <a:t>Logic Analyzer olcsón</a:t>
-            </a:r>
-          </a:p>
-        </p:txBody>
-      </p:sp>
-      <p:sp>
-        <p:nvSpPr>
-          <p:cNvPr id="3" name="Content Placeholder 2">
+              <a:t>Párhuzamosan futó kódok 1</a:t>
+            </a:r>
+          </a:p>
+        </p:txBody>
+      </p:sp>
+      <p:sp>
+        <p:nvSpPr>
+          <p:cNvPr id="8" name="Content Placeholder 7">
             <a:extLst>
               <a:ext uri="{FF2B5EF4-FFF2-40B4-BE49-F238E27FC236}">
-                <a16:creationId xmlns:a16="http://schemas.microsoft.com/office/drawing/2014/main" id="{8E9796C8-1818-0981-6B17-31B5EFCFBF28}"/>
+                <a16:creationId xmlns:a16="http://schemas.microsoft.com/office/drawing/2014/main" id="{A3CFE94B-9318-6784-97C8-DAAA3952042E}"/>
               </a:ext>
             </a:extLst>
           </p:cNvPr>
@@ -39645,7 +41277,7 @@
             <a:spLocks noGrp="1"/>
           </p:cNvSpPr>
           <p:nvPr>
-            <p:ph idx="10"/>
+            <p:ph sz="quarter" idx="13"/>
           </p:nvPr>
         </p:nvSpPr>
         <p:spPr/>
@@ -39655,179 +41287,13 @@
           <a:p>
             <a:r>
               <a:rPr lang="en-HU" dirty="0"/>
-              <a:t>Pi Pico alapon</a:t>
-            </a:r>
-          </a:p>
-          <a:p>
-            <a:pPr lvl="1"/>
-            <a:r>
-              <a:rPr lang="en-GB" dirty="0">
-                <a:hlinkClick r:id="rId2"/>
-              </a:rPr>
-              <a:t>https://github.com/gusmanb/logicanalyzer</a:t>
-            </a:r>
-            <a:endParaRPr lang="en-GB" dirty="0"/>
-          </a:p>
-          <a:p>
-            <a:pPr lvl="2"/>
-            <a:r>
-              <a:rPr lang="en-GB" dirty="0" err="1"/>
-              <a:t>Egy</a:t>
-            </a:r>
-            <a:r>
-              <a:rPr lang="en-GB" dirty="0"/>
-              <a:t> sima </a:t>
-            </a:r>
-            <a:r>
-              <a:rPr lang="en-GB" dirty="0" err="1"/>
-              <a:t>pico</a:t>
-            </a:r>
-            <a:r>
-              <a:rPr lang="en-GB" dirty="0"/>
-              <a:t> is </a:t>
-            </a:r>
-            <a:r>
-              <a:rPr lang="en-GB" dirty="0" err="1"/>
-              <a:t>megteszi</a:t>
-            </a:r>
-            <a:r>
-              <a:rPr lang="en-GB" dirty="0"/>
-              <a:t> </a:t>
-            </a:r>
-            <a:r>
-              <a:rPr lang="en-GB" dirty="0" err="1"/>
-              <a:t>önmagában</a:t>
-            </a:r>
-            <a:r>
-              <a:rPr lang="en-GB" dirty="0"/>
-              <a:t>, </a:t>
-            </a:r>
-            <a:r>
-              <a:rPr lang="en-GB" dirty="0" err="1"/>
-              <a:t>külső</a:t>
-            </a:r>
-            <a:r>
-              <a:rPr lang="en-GB" dirty="0"/>
-              <a:t> </a:t>
-            </a:r>
-            <a:r>
-              <a:rPr lang="en-GB" dirty="0" err="1"/>
-              <a:t>chipek</a:t>
-            </a:r>
-            <a:r>
-              <a:rPr lang="en-GB" dirty="0"/>
-              <a:t> </a:t>
-            </a:r>
-            <a:r>
-              <a:rPr lang="en-GB" dirty="0" err="1"/>
-              <a:t>csak</a:t>
-            </a:r>
-            <a:r>
-              <a:rPr lang="en-GB" dirty="0"/>
-              <a:t> </a:t>
-            </a:r>
-            <a:r>
-              <a:rPr lang="en-GB" dirty="0" err="1"/>
-              <a:t>szintillesztők</a:t>
-            </a:r>
-            <a:r>
-              <a:rPr lang="en-GB" dirty="0"/>
-              <a:t>!</a:t>
-            </a:r>
-          </a:p>
-          <a:p>
-            <a:pPr lvl="1"/>
-            <a:r>
-              <a:rPr lang="en-GB" dirty="0">
-                <a:hlinkClick r:id="rId3"/>
-              </a:rPr>
-              <a:t>https://github.com/raspberrypi/pico-examples/tree/master/pio/logic_analyser</a:t>
-            </a:r>
-            <a:endParaRPr lang="en-GB" dirty="0"/>
-          </a:p>
-          <a:p>
-            <a:pPr lvl="2"/>
-            <a:r>
-              <a:rPr lang="en-GB" dirty="0" err="1"/>
-              <a:t>PulseView</a:t>
-            </a:r>
-            <a:r>
-              <a:rPr lang="en-GB" dirty="0"/>
-              <a:t> PC </a:t>
-            </a:r>
-            <a:r>
-              <a:rPr lang="en-GB" dirty="0" err="1"/>
-              <a:t>oldalon</a:t>
-            </a:r>
-            <a:endParaRPr lang="en-GB" dirty="0"/>
-          </a:p>
-          <a:p>
-            <a:pPr lvl="1"/>
-            <a:r>
-              <a:rPr lang="en-GB" dirty="0"/>
-              <a:t>Pico2-nek van </a:t>
-            </a:r>
-            <a:r>
-              <a:rPr lang="en-GB" dirty="0" err="1"/>
-              <a:t>egy</a:t>
-            </a:r>
-            <a:r>
-              <a:rPr lang="en-GB" dirty="0"/>
-              <a:t> GPIO </a:t>
-            </a:r>
-            <a:r>
-              <a:rPr lang="en-GB" dirty="0" err="1"/>
-              <a:t>bugja</a:t>
-            </a:r>
-            <a:r>
-              <a:rPr lang="en-GB" dirty="0"/>
-              <a:t>, </a:t>
-            </a:r>
-            <a:r>
-              <a:rPr lang="en-GB" dirty="0" err="1"/>
-              <a:t>egyelőre</a:t>
-            </a:r>
-            <a:r>
-              <a:rPr lang="en-GB" dirty="0"/>
-              <a:t> </a:t>
-            </a:r>
-            <a:r>
-              <a:rPr lang="en-GB" dirty="0" err="1"/>
-              <a:t>lehet</a:t>
-            </a:r>
-            <a:r>
-              <a:rPr lang="en-GB" dirty="0"/>
-              <a:t> </a:t>
-            </a:r>
-            <a:r>
-              <a:rPr lang="en-GB" dirty="0" err="1"/>
-              <a:t>jobb</a:t>
-            </a:r>
-            <a:r>
-              <a:rPr lang="en-GB" dirty="0"/>
-              <a:t> </a:t>
-            </a:r>
-            <a:r>
-              <a:rPr lang="en-GB" dirty="0" err="1"/>
-              <a:t>elkerülni</a:t>
-            </a:r>
-            <a:endParaRPr lang="en-GB" dirty="0"/>
+              <a:t>”Arduino stílus”</a:t>
+            </a:r>
           </a:p>
           <a:p>
             <a:r>
               <a:rPr lang="en-HU" dirty="0"/>
-              <a:t>“24 MHz logic analyzer”  (Cypress MCU alapú)</a:t>
-            </a:r>
-          </a:p>
-          <a:p>
-            <a:pPr lvl="1"/>
-            <a:r>
-              <a:rPr lang="en-GB" dirty="0"/>
-              <a:t>P</a:t>
-            </a:r>
-            <a:r>
-              <a:rPr lang="en-HU" dirty="0"/>
-              <a:t>ulseview PC oldalon</a:t>
+              <a:t>Minden sorban egymás után fut</a:t>
             </a:r>
           </a:p>
         </p:txBody>
@@ -39837,7 +41303,7 @@
           <p:cNvPr id="4" name="Slide Number Placeholder 3">
             <a:extLst>
               <a:ext uri="{FF2B5EF4-FFF2-40B4-BE49-F238E27FC236}">
-                <a16:creationId xmlns:a16="http://schemas.microsoft.com/office/drawing/2014/main" id="{462DF4E7-7146-AB8B-3681-97562FCADD0A}"/>
+                <a16:creationId xmlns:a16="http://schemas.microsoft.com/office/drawing/2014/main" id="{DE376CCC-33F5-5788-C82C-55250E1DA88D}"/>
               </a:ext>
             </a:extLst>
           </p:cNvPr>
@@ -39845,7 +41311,7 @@
             <a:spLocks noGrp="1"/>
           </p:cNvSpPr>
           <p:nvPr>
-            <p:ph type="sldNum" sz="quarter" idx="12"/>
+            <p:ph type="sldNum" sz="quarter" idx="26"/>
           </p:nvPr>
         </p:nvSpPr>
         <p:spPr/>
@@ -39867,7 +41333,7 @@
           <p:cNvPr id="5" name="Footer Placeholder 4">
             <a:extLst>
               <a:ext uri="{FF2B5EF4-FFF2-40B4-BE49-F238E27FC236}">
-                <a16:creationId xmlns:a16="http://schemas.microsoft.com/office/drawing/2014/main" id="{73AB377E-80D7-690F-42D1-E367B7DECCED}"/>
+                <a16:creationId xmlns:a16="http://schemas.microsoft.com/office/drawing/2014/main" id="{1B03A8D9-F51A-A599-A222-F7FD4EF3AEEC}"/>
               </a:ext>
             </a:extLst>
           </p:cNvPr>
@@ -39875,7 +41341,7 @@
             <a:spLocks noGrp="1"/>
           </p:cNvSpPr>
           <p:nvPr>
-            <p:ph type="ftr" sz="quarter" idx="13"/>
+            <p:ph type="ftr" sz="quarter" idx="27"/>
           </p:nvPr>
         </p:nvSpPr>
         <p:spPr/>
@@ -39884,19 +41350,18 @@
           <a:lstStyle/>
           <a:p>
             <a:r>
-              <a:rPr lang="en-US"/>
-              <a:t>©2022 Silicon Laboratories Inc. All rights reserved.</a:t>
-            </a:r>
-            <a:endParaRPr lang="en-US" dirty="0"/>
+              <a:rPr lang="en-US" dirty="0"/>
+              <a:t>©2025 Silicon Laboratories Inc. All rights reserved.</a:t>
+            </a:r>
           </a:p>
         </p:txBody>
       </p:sp>
       <p:pic>
         <p:nvPicPr>
-          <p:cNvPr id="6" name="Picture 5">
+          <p:cNvPr id="15" name="Picture 14">
             <a:extLst>
               <a:ext uri="{FF2B5EF4-FFF2-40B4-BE49-F238E27FC236}">
-                <a16:creationId xmlns:a16="http://schemas.microsoft.com/office/drawing/2014/main" id="{D97E0EDD-B475-3596-A18F-806ED20AD0CB}"/>
+                <a16:creationId xmlns:a16="http://schemas.microsoft.com/office/drawing/2014/main" id="{12E2DF52-028D-4ECB-69A8-8E62DA24FE6E}"/>
               </a:ext>
             </a:extLst>
           </p:cNvPr>
@@ -39906,15 +41371,15 @@
           <p:nvPr/>
         </p:nvPicPr>
         <p:blipFill>
-          <a:blip r:embed="rId4"/>
+          <a:blip r:embed="rId2"/>
           <a:stretch>
             <a:fillRect/>
           </a:stretch>
         </p:blipFill>
         <p:spPr>
           <a:xfrm>
-            <a:off x="7328848" y="3132472"/>
-            <a:ext cx="2815704" cy="2285689"/>
+            <a:off x="682752" y="1905501"/>
+            <a:ext cx="5259200" cy="3046997"/>
           </a:xfrm>
           <a:prstGeom prst="rect">
             <a:avLst/>
@@ -39924,7 +41389,7 @@
     </p:spTree>
     <p:extLst>
       <p:ext uri="{BB962C8B-B14F-4D97-AF65-F5344CB8AC3E}">
-        <p14:creationId xmlns:p14="http://schemas.microsoft.com/office/powerpoint/2010/main" val="2969280367"/>
+        <p14:creationId xmlns:p14="http://schemas.microsoft.com/office/powerpoint/2010/main" val="3106315791"/>
       </p:ext>
     </p:extLst>
   </p:cSld>
@@ -39932,7 +41397,7 @@
     <a:masterClrMapping/>
   </p:clrMapOvr>
   <p:transition spd="med">
-    <p:wipe dir="r"/>
+    <p:wipe/>
   </p:transition>
 </p:sld>
 </file>
@@ -39959,7 +41424,7 @@
           <p:cNvPr id="2" name="Title 1">
             <a:extLst>
               <a:ext uri="{FF2B5EF4-FFF2-40B4-BE49-F238E27FC236}">
-                <a16:creationId xmlns:a16="http://schemas.microsoft.com/office/drawing/2014/main" id="{752989FC-2389-EAED-0194-AD45A3DDCF92}"/>
+                <a16:creationId xmlns:a16="http://schemas.microsoft.com/office/drawing/2014/main" id="{8BF7D5D8-5A35-A203-E146-8D9F643511B0}"/>
               </a:ext>
             </a:extLst>
           </p:cNvPr>
@@ -39977,17 +41442,17 @@
           <a:p>
             <a:r>
               <a:rPr lang="en-HU" dirty="0"/>
-              <a:t>Hiba lokalizálás és javítás</a:t>
-            </a:r>
-          </a:p>
-        </p:txBody>
-      </p:sp>
-      <p:sp>
-        <p:nvSpPr>
-          <p:cNvPr id="3" name="Content Placeholder 2">
+              <a:t>Mi tud hibát okozni? – Párhuzamos futtatás 1</a:t>
+            </a:r>
+          </a:p>
+        </p:txBody>
+      </p:sp>
+      <p:sp>
+        <p:nvSpPr>
+          <p:cNvPr id="5" name="Slide Number Placeholder 4">
             <a:extLst>
               <a:ext uri="{FF2B5EF4-FFF2-40B4-BE49-F238E27FC236}">
-                <a16:creationId xmlns:a16="http://schemas.microsoft.com/office/drawing/2014/main" id="{7B5C5FFF-DA09-0093-7AA3-22E1C6925784}"/>
+                <a16:creationId xmlns:a16="http://schemas.microsoft.com/office/drawing/2014/main" id="{786859AD-FC54-E34E-E50B-3F3ADE021D23}"/>
               </a:ext>
             </a:extLst>
           </p:cNvPr>
@@ -39995,7 +41460,7 @@
             <a:spLocks noGrp="1"/>
           </p:cNvSpPr>
           <p:nvPr>
-            <p:ph idx="10"/>
+            <p:ph type="sldNum" sz="quarter" idx="26"/>
           </p:nvPr>
         </p:nvSpPr>
         <p:spPr/>
@@ -40003,63 +41468,26 @@
           <a:bodyPr/>
           <a:lstStyle/>
           <a:p>
-            <a:r>
-              <a:rPr lang="en-HU" dirty="0"/>
-              <a:t>Eszköz készlet ugyan az, csak máshogy használva</a:t>
-            </a:r>
-          </a:p>
-          <a:p>
-            <a:r>
-              <a:rPr lang="en-HU" dirty="0"/>
-              <a:t>Log</a:t>
-            </a:r>
-          </a:p>
-          <a:p>
-            <a:pPr lvl="1"/>
-            <a:r>
-              <a:rPr lang="en-HU" dirty="0"/>
-              <a:t>Ha időkritikus a dolog, elég egy RAM bufferbe logolni</a:t>
-            </a:r>
-          </a:p>
-          <a:p>
-            <a:pPr lvl="1"/>
-            <a:r>
-              <a:rPr lang="en-HU" dirty="0"/>
-              <a:t>Majd a hiba pillanatában kiírni</a:t>
-            </a:r>
-          </a:p>
-          <a:p>
-            <a:r>
-              <a:rPr lang="en-HU" dirty="0"/>
-              <a:t>LED villogtatással/logolással sokszor meg lehet találni a problémás sort</a:t>
-            </a:r>
-          </a:p>
-          <a:p>
-            <a:r>
-              <a:rPr lang="en-HU" dirty="0"/>
-              <a:t>Logic analyzer rendkívül hasznos eszköz LED helyett</a:t>
-            </a:r>
-          </a:p>
-          <a:p>
-            <a:endParaRPr lang="en-HU" dirty="0"/>
-          </a:p>
-          <a:p>
-            <a:endParaRPr lang="en-HU" dirty="0"/>
-          </a:p>
-          <a:p>
-            <a:r>
-              <a:rPr lang="en-HU" dirty="0"/>
-              <a:t>Javítás: Gondold át, máshol nincs-e hasonló hiba!</a:t>
-            </a:r>
-          </a:p>
-        </p:txBody>
-      </p:sp>
-      <p:sp>
-        <p:nvSpPr>
-          <p:cNvPr id="4" name="Slide Number Placeholder 3">
+            <a:pPr>
+              <a:defRPr/>
+            </a:pPr>
+            <a:fld id="{FC916849-326D-3C44-83DD-50F4EDFE5C43}" type="slidenum">
+              <a:rPr lang="en-US" smtClean="0"/>
+              <a:pPr>
+                <a:defRPr/>
+              </a:pPr>
+              <a:t>6</a:t>
+            </a:fld>
+            <a:endParaRPr lang="en-US" sz="900" dirty="0"/>
+          </a:p>
+        </p:txBody>
+      </p:sp>
+      <p:sp>
+        <p:nvSpPr>
+          <p:cNvPr id="6" name="Footer Placeholder 5">
             <a:extLst>
               <a:ext uri="{FF2B5EF4-FFF2-40B4-BE49-F238E27FC236}">
-                <a16:creationId xmlns:a16="http://schemas.microsoft.com/office/drawing/2014/main" id="{7F3B7B4B-5E70-DB1F-BC0E-223E0323FC74}"/>
+                <a16:creationId xmlns:a16="http://schemas.microsoft.com/office/drawing/2014/main" id="{BD558AC0-63CF-41E3-B173-731BDD379833}"/>
               </a:ext>
             </a:extLst>
           </p:cNvPr>
@@ -40067,7 +41495,7 @@
             <a:spLocks noGrp="1"/>
           </p:cNvSpPr>
           <p:nvPr>
-            <p:ph type="sldNum" sz="quarter" idx="12"/>
+            <p:ph type="ftr" sz="quarter" idx="27"/>
           </p:nvPr>
         </p:nvSpPr>
         <p:spPr/>
@@ -40075,47 +41503,162 @@
           <a:bodyPr/>
           <a:lstStyle/>
           <a:p>
-            <a:fld id="{29A7BD92-6AE5-CF43-B276-274952F2BFB4}" type="slidenum">
-              <a:rPr lang="en-US" smtClean="0"/>
-              <a:pPr/>
-              <a:t>6</a:t>
-            </a:fld>
-            <a:endParaRPr lang="en-US" dirty="0"/>
-          </a:p>
-        </p:txBody>
-      </p:sp>
-      <p:sp>
-        <p:nvSpPr>
-          <p:cNvPr id="5" name="Footer Placeholder 4">
+            <a:pPr>
+              <a:defRPr/>
+            </a:pPr>
+            <a:r>
+              <a:rPr lang="en-US" dirty="0"/>
+              <a:t>©2025 Silicon Laboratories Inc. All rights reserved.</a:t>
+            </a:r>
+          </a:p>
+        </p:txBody>
+      </p:sp>
+      <p:pic>
+        <p:nvPicPr>
+          <p:cNvPr id="8" name="Picture 7">
             <a:extLst>
               <a:ext uri="{FF2B5EF4-FFF2-40B4-BE49-F238E27FC236}">
-                <a16:creationId xmlns:a16="http://schemas.microsoft.com/office/drawing/2014/main" id="{ECB5FF75-1F2A-CB5D-EDFE-45DB51D1DF47}"/>
+                <a16:creationId xmlns:a16="http://schemas.microsoft.com/office/drawing/2014/main" id="{22E7F573-A3B4-25D9-E7C3-7FBDA9F7E14D}"/>
               </a:ext>
             </a:extLst>
           </p:cNvPr>
-          <p:cNvSpPr>
-            <a:spLocks noGrp="1"/>
-          </p:cNvSpPr>
-          <p:nvPr>
-            <p:ph type="ftr" sz="quarter" idx="13"/>
-          </p:nvPr>
-        </p:nvSpPr>
-        <p:spPr/>
-        <p:txBody>
-          <a:bodyPr/>
-          <a:lstStyle/>
-          <a:p>
-            <a:r>
-              <a:rPr lang="en-US" dirty="0"/>
-              <a:t>©2025 Silicon Laboratories Inc. All rights reserved.</a:t>
-            </a:r>
-          </a:p>
-        </p:txBody>
-      </p:sp>
+          <p:cNvPicPr>
+            <a:picLocks noChangeAspect="1"/>
+          </p:cNvPicPr>
+          <p:nvPr/>
+        </p:nvPicPr>
+        <p:blipFill>
+          <a:blip r:embed="rId2"/>
+          <a:stretch>
+            <a:fillRect/>
+          </a:stretch>
+        </p:blipFill>
+        <p:spPr>
+          <a:xfrm>
+            <a:off x="6565820" y="2011334"/>
+            <a:ext cx="4800600" cy="1168400"/>
+          </a:xfrm>
+          <a:prstGeom prst="rect">
+            <a:avLst/>
+          </a:prstGeom>
+        </p:spPr>
+      </p:pic>
+      <p:pic>
+        <p:nvPicPr>
+          <p:cNvPr id="9" name="Picture 8">
+            <a:extLst>
+              <a:ext uri="{FF2B5EF4-FFF2-40B4-BE49-F238E27FC236}">
+                <a16:creationId xmlns:a16="http://schemas.microsoft.com/office/drawing/2014/main" id="{615DBFD1-41D9-7607-FAE7-80EA82FA81DA}"/>
+              </a:ext>
+            </a:extLst>
+          </p:cNvPr>
+          <p:cNvPicPr>
+            <a:picLocks noChangeAspect="1"/>
+          </p:cNvPicPr>
+          <p:nvPr/>
+        </p:nvPicPr>
+        <p:blipFill>
+          <a:blip r:embed="rId3"/>
+          <a:stretch>
+            <a:fillRect/>
+          </a:stretch>
+        </p:blipFill>
+        <p:spPr>
+          <a:xfrm>
+            <a:off x="669924" y="1489775"/>
+            <a:ext cx="4800600" cy="2514600"/>
+          </a:xfrm>
+          <a:prstGeom prst="rect">
+            <a:avLst/>
+          </a:prstGeom>
+        </p:spPr>
+      </p:pic>
+      <p:cxnSp>
+        <p:nvCxnSpPr>
+          <p:cNvPr id="11" name="Straight Arrow Connector 10">
+            <a:extLst>
+              <a:ext uri="{FF2B5EF4-FFF2-40B4-BE49-F238E27FC236}">
+                <a16:creationId xmlns:a16="http://schemas.microsoft.com/office/drawing/2014/main" id="{255BAA34-5C17-42A7-DED9-2D4990492983}"/>
+              </a:ext>
+            </a:extLst>
+          </p:cNvPr>
+          <p:cNvCxnSpPr>
+            <a:cxnSpLocks/>
+          </p:cNvCxnSpPr>
+          <p:nvPr/>
+        </p:nvCxnSpPr>
+        <p:spPr>
+          <a:xfrm flipV="1">
+            <a:off x="4114800" y="2270502"/>
+            <a:ext cx="2378990" cy="909232"/>
+          </a:xfrm>
+          <a:prstGeom prst="straightConnector1">
+            <a:avLst/>
+          </a:prstGeom>
+          <a:ln w="57150">
+            <a:tailEnd type="triangle"/>
+          </a:ln>
+        </p:spPr>
+        <p:style>
+          <a:lnRef idx="1">
+            <a:schemeClr val="accent1"/>
+          </a:lnRef>
+          <a:fillRef idx="0">
+            <a:schemeClr val="accent1"/>
+          </a:fillRef>
+          <a:effectRef idx="0">
+            <a:schemeClr val="accent1"/>
+          </a:effectRef>
+          <a:fontRef idx="minor">
+            <a:schemeClr val="tx1"/>
+          </a:fontRef>
+        </p:style>
+      </p:cxnSp>
+      <p:cxnSp>
+        <p:nvCxnSpPr>
+          <p:cNvPr id="13" name="Straight Arrow Connector 12">
+            <a:extLst>
+              <a:ext uri="{FF2B5EF4-FFF2-40B4-BE49-F238E27FC236}">
+                <a16:creationId xmlns:a16="http://schemas.microsoft.com/office/drawing/2014/main" id="{52B05A1E-FEBA-EE47-D298-69318AD296DA}"/>
+              </a:ext>
+            </a:extLst>
+          </p:cNvPr>
+          <p:cNvCxnSpPr>
+            <a:cxnSpLocks/>
+          </p:cNvCxnSpPr>
+          <p:nvPr/>
+        </p:nvCxnSpPr>
+        <p:spPr>
+          <a:xfrm flipH="1">
+            <a:off x="4300591" y="3068664"/>
+            <a:ext cx="2265229" cy="111070"/>
+          </a:xfrm>
+          <a:prstGeom prst="straightConnector1">
+            <a:avLst/>
+          </a:prstGeom>
+          <a:ln w="57150">
+            <a:tailEnd type="triangle"/>
+          </a:ln>
+        </p:spPr>
+        <p:style>
+          <a:lnRef idx="1">
+            <a:schemeClr val="accent1"/>
+          </a:lnRef>
+          <a:fillRef idx="0">
+            <a:schemeClr val="accent1"/>
+          </a:fillRef>
+          <a:effectRef idx="0">
+            <a:schemeClr val="accent1"/>
+          </a:effectRef>
+          <a:fontRef idx="minor">
+            <a:schemeClr val="tx1"/>
+          </a:fontRef>
+        </p:style>
+      </p:cxnSp>
     </p:spTree>
     <p:extLst>
       <p:ext uri="{BB962C8B-B14F-4D97-AF65-F5344CB8AC3E}">
-        <p14:creationId xmlns:p14="http://schemas.microsoft.com/office/powerpoint/2010/main" val="3308102377"/>
+        <p14:creationId xmlns:p14="http://schemas.microsoft.com/office/powerpoint/2010/main" val="2394159575"/>
       </p:ext>
     </p:extLst>
   </p:cSld>
@@ -40123,7 +41666,7 @@
     <a:masterClrMapping/>
   </p:clrMapOvr>
   <p:transition spd="med">
-    <p:wipe dir="r"/>
+    <p:wipe/>
   </p:transition>
 </p:sld>
 </file>
@@ -40133,7 +41676,13 @@
   <p:cSld>
     <p:spTree>
       <p:nvGrpSpPr>
-        <p:cNvPr id="1" name=""/>
+        <p:cNvPr id="1" name="">
+          <a:extLst>
+            <a:ext uri="{FF2B5EF4-FFF2-40B4-BE49-F238E27FC236}">
+              <a16:creationId xmlns:a16="http://schemas.microsoft.com/office/drawing/2014/main" id="{6FF31AE2-4AD3-9BD9-1BCE-9C97E08C9251}"/>
+            </a:ext>
+          </a:extLst>
+        </p:cNvPr>
         <p:cNvGrpSpPr/>
         <p:nvPr/>
       </p:nvGrpSpPr>
@@ -40150,7 +41699,7 @@
           <p:cNvPr id="2" name="Title 1">
             <a:extLst>
               <a:ext uri="{FF2B5EF4-FFF2-40B4-BE49-F238E27FC236}">
-                <a16:creationId xmlns:a16="http://schemas.microsoft.com/office/drawing/2014/main" id="{0B582429-DC18-B549-E629-94B9ABC5C755}"/>
+                <a16:creationId xmlns:a16="http://schemas.microsoft.com/office/drawing/2014/main" id="{5066185D-14DC-A825-31FF-50CBF156BF19}"/>
               </a:ext>
             </a:extLst>
           </p:cNvPr>
@@ -40168,17 +41717,17 @@
           <a:p>
             <a:r>
               <a:rPr lang="en-HU" dirty="0"/>
-              <a:t>Nem megy át az üzenet</a:t>
-            </a:r>
-          </a:p>
-        </p:txBody>
-      </p:sp>
-      <p:sp>
-        <p:nvSpPr>
-          <p:cNvPr id="3" name="Content Placeholder 2">
+              <a:t>Mi tud hibát okozni? – Párhuzamos futtatás 3</a:t>
+            </a:r>
+          </a:p>
+        </p:txBody>
+      </p:sp>
+      <p:sp>
+        <p:nvSpPr>
+          <p:cNvPr id="5" name="Slide Number Placeholder 4">
             <a:extLst>
               <a:ext uri="{FF2B5EF4-FFF2-40B4-BE49-F238E27FC236}">
-                <a16:creationId xmlns:a16="http://schemas.microsoft.com/office/drawing/2014/main" id="{CB53D7DD-E7BF-14F4-A824-2674ABEE9752}"/>
+                <a16:creationId xmlns:a16="http://schemas.microsoft.com/office/drawing/2014/main" id="{EB1647EF-2B23-583E-6749-88A6F117A101}"/>
               </a:ext>
             </a:extLst>
           </p:cNvPr>
@@ -40186,7 +41735,7 @@
             <a:spLocks noGrp="1"/>
           </p:cNvSpPr>
           <p:nvPr>
-            <p:ph idx="10"/>
+            <p:ph type="sldNum" sz="quarter" idx="26"/>
           </p:nvPr>
         </p:nvSpPr>
         <p:spPr/>
@@ -40194,80 +41743,26 @@
           <a:bodyPr/>
           <a:lstStyle/>
           <a:p>
-            <a:r>
-              <a:rPr lang="en-HU" dirty="0"/>
-              <a:t>Időzítés hiba?</a:t>
-            </a:r>
-          </a:p>
-          <a:p>
-            <a:pPr lvl="1"/>
-            <a:r>
-              <a:rPr lang="en-HU" dirty="0"/>
-              <a:t>Biztos készen áll az Rx, mikor az adás jön?</a:t>
-            </a:r>
-          </a:p>
-          <a:p>
-            <a:pPr lvl="1"/>
-            <a:r>
-              <a:rPr lang="en-HU" dirty="0"/>
-              <a:t>GPIO toggle + logic analyzer (vagy oszcilloszkóp)</a:t>
-            </a:r>
-          </a:p>
-          <a:p>
-            <a:r>
-              <a:rPr lang="en-HU" dirty="0"/>
-              <a:t>TX hiba?</a:t>
-            </a:r>
-          </a:p>
-          <a:p>
-            <a:pPr lvl="1"/>
-            <a:r>
-              <a:rPr lang="en-HU" dirty="0"/>
-              <a:t>Valójában nem megy ki a csomag, vagy nem az amit szeretnénk</a:t>
-            </a:r>
-          </a:p>
-          <a:p>
-            <a:pPr lvl="1"/>
-            <a:r>
-              <a:rPr lang="en-HU" dirty="0"/>
-              <a:t>Logic analyzer segít, akár rádiónál is ha van “DOUT” jel</a:t>
-            </a:r>
-          </a:p>
-          <a:p>
-            <a:r>
-              <a:rPr lang="en-HU" dirty="0"/>
-              <a:t>RX hiba?</a:t>
-            </a:r>
-          </a:p>
-          <a:p>
-            <a:pPr lvl="1"/>
-            <a:r>
-              <a:rPr lang="en-HU" dirty="0"/>
-              <a:t>Sokkal kiszámíthatatlanabb</a:t>
-            </a:r>
-          </a:p>
-          <a:p>
-            <a:pPr lvl="1"/>
-            <a:r>
-              <a:rPr lang="en-HU" dirty="0"/>
-              <a:t>Analóg tesztek szükségesek: Oszcilloszkóp, spektrum analizátor</a:t>
-            </a:r>
-          </a:p>
-          <a:p>
-            <a:pPr lvl="1"/>
-            <a:r>
-              <a:rPr lang="en-HU" dirty="0"/>
-              <a:t>Tipikusan hardware hiba okozza</a:t>
-            </a:r>
-          </a:p>
-        </p:txBody>
-      </p:sp>
-      <p:sp>
-        <p:nvSpPr>
-          <p:cNvPr id="4" name="Slide Number Placeholder 3">
+            <a:pPr>
+              <a:defRPr/>
+            </a:pPr>
+            <a:fld id="{FC916849-326D-3C44-83DD-50F4EDFE5C43}" type="slidenum">
+              <a:rPr lang="en-US" smtClean="0"/>
+              <a:pPr>
+                <a:defRPr/>
+              </a:pPr>
+              <a:t>7</a:t>
+            </a:fld>
+            <a:endParaRPr lang="en-US" sz="900" dirty="0"/>
+          </a:p>
+        </p:txBody>
+      </p:sp>
+      <p:sp>
+        <p:nvSpPr>
+          <p:cNvPr id="6" name="Footer Placeholder 5">
             <a:extLst>
               <a:ext uri="{FF2B5EF4-FFF2-40B4-BE49-F238E27FC236}">
-                <a16:creationId xmlns:a16="http://schemas.microsoft.com/office/drawing/2014/main" id="{22370F1C-BEBC-A0C7-1182-1B279CF06BFC}"/>
+                <a16:creationId xmlns:a16="http://schemas.microsoft.com/office/drawing/2014/main" id="{99E4C623-5CDB-FD95-331B-DB4F08555932}"/>
               </a:ext>
             </a:extLst>
           </p:cNvPr>
@@ -40275,7 +41770,7 @@
             <a:spLocks noGrp="1"/>
           </p:cNvSpPr>
           <p:nvPr>
-            <p:ph type="sldNum" sz="quarter" idx="12"/>
+            <p:ph type="ftr" sz="quarter" idx="27"/>
           </p:nvPr>
         </p:nvSpPr>
         <p:spPr/>
@@ -40283,21 +41778,52 @@
           <a:bodyPr/>
           <a:lstStyle/>
           <a:p>
-            <a:fld id="{29A7BD92-6AE5-CF43-B276-274952F2BFB4}" type="slidenum">
-              <a:rPr lang="en-US" smtClean="0"/>
-              <a:pPr/>
-              <a:t>7</a:t>
-            </a:fld>
-            <a:endParaRPr lang="en-US" dirty="0"/>
-          </a:p>
-        </p:txBody>
-      </p:sp>
-      <p:sp>
-        <p:nvSpPr>
-          <p:cNvPr id="5" name="Footer Placeholder 4">
+            <a:pPr>
+              <a:defRPr/>
+            </a:pPr>
+            <a:r>
+              <a:rPr lang="en-US" dirty="0"/>
+              <a:t>©2025 Silicon Laboratories Inc. All rights reserved.</a:t>
+            </a:r>
+          </a:p>
+        </p:txBody>
+      </p:sp>
+      <p:pic>
+        <p:nvPicPr>
+          <p:cNvPr id="8" name="Picture 7">
             <a:extLst>
               <a:ext uri="{FF2B5EF4-FFF2-40B4-BE49-F238E27FC236}">
-                <a16:creationId xmlns:a16="http://schemas.microsoft.com/office/drawing/2014/main" id="{DF68EF97-99E3-DAC4-A2D7-C21B12C93C43}"/>
+                <a16:creationId xmlns:a16="http://schemas.microsoft.com/office/drawing/2014/main" id="{17F7052B-F24F-C363-6977-BA3BB07EB625}"/>
+              </a:ext>
+            </a:extLst>
+          </p:cNvPr>
+          <p:cNvPicPr>
+            <a:picLocks noChangeAspect="1"/>
+          </p:cNvPicPr>
+          <p:nvPr/>
+        </p:nvPicPr>
+        <p:blipFill>
+          <a:blip r:embed="rId2"/>
+          <a:stretch>
+            <a:fillRect/>
+          </a:stretch>
+        </p:blipFill>
+        <p:spPr>
+          <a:xfrm>
+            <a:off x="6565820" y="2140039"/>
+            <a:ext cx="4800600" cy="1168400"/>
+          </a:xfrm>
+          <a:prstGeom prst="rect">
+            <a:avLst/>
+          </a:prstGeom>
+        </p:spPr>
+      </p:pic>
+      <p:sp>
+        <p:nvSpPr>
+          <p:cNvPr id="10" name="Content Placeholder 6">
+            <a:extLst>
+              <a:ext uri="{FF2B5EF4-FFF2-40B4-BE49-F238E27FC236}">
+                <a16:creationId xmlns:a16="http://schemas.microsoft.com/office/drawing/2014/main" id="{314105E0-F267-381C-5D0D-E2DE77CB38D5}"/>
               </a:ext>
             </a:extLst>
           </p:cNvPr>
@@ -40305,26 +41831,110 @@
             <a:spLocks noGrp="1"/>
           </p:cNvSpPr>
           <p:nvPr>
-            <p:ph type="ftr" sz="quarter" idx="13"/>
+            <p:ph sz="quarter" idx="14"/>
           </p:nvPr>
         </p:nvSpPr>
-        <p:spPr/>
+        <p:spPr>
+          <a:xfrm>
+            <a:off x="669924" y="5470453"/>
+            <a:ext cx="10922431" cy="1805797"/>
+          </a:xfrm>
+        </p:spPr>
         <p:txBody>
           <a:bodyPr/>
           <a:lstStyle/>
           <a:p>
             <a:r>
-              <a:rPr lang="en-US"/>
-              <a:t>©2022 Silicon Laboratories Inc. All rights reserved.</a:t>
-            </a:r>
-            <a:endParaRPr lang="en-US" dirty="0"/>
-          </a:p>
-        </p:txBody>
-      </p:sp>
+              <a:rPr lang="en-GB" dirty="0"/>
+              <a:t>Friss latitude, </a:t>
+            </a:r>
+            <a:r>
+              <a:rPr lang="en-GB" dirty="0" err="1"/>
+              <a:t>előző</a:t>
+            </a:r>
+            <a:r>
+              <a:rPr lang="en-GB" dirty="0"/>
+              <a:t> longitude!</a:t>
+            </a:r>
+            <a:endParaRPr lang="en-HU" dirty="0"/>
+          </a:p>
+        </p:txBody>
+      </p:sp>
+      <p:pic>
+        <p:nvPicPr>
+          <p:cNvPr id="3" name="Picture 2">
+            <a:extLst>
+              <a:ext uri="{FF2B5EF4-FFF2-40B4-BE49-F238E27FC236}">
+                <a16:creationId xmlns:a16="http://schemas.microsoft.com/office/drawing/2014/main" id="{F7B4C81B-2446-BF9E-830E-94299D9F6DA1}"/>
+              </a:ext>
+            </a:extLst>
+          </p:cNvPr>
+          <p:cNvPicPr>
+            <a:picLocks noChangeAspect="1"/>
+          </p:cNvPicPr>
+          <p:nvPr/>
+        </p:nvPicPr>
+        <p:blipFill>
+          <a:blip r:embed="rId3"/>
+          <a:stretch>
+            <a:fillRect/>
+          </a:stretch>
+        </p:blipFill>
+        <p:spPr>
+          <a:xfrm>
+            <a:off x="653390" y="999964"/>
+            <a:ext cx="4800600" cy="4152900"/>
+          </a:xfrm>
+          <a:prstGeom prst="rect">
+            <a:avLst/>
+          </a:prstGeom>
+        </p:spPr>
+      </p:pic>
+      <p:cxnSp>
+        <p:nvCxnSpPr>
+          <p:cNvPr id="11" name="Straight Arrow Connector 10">
+            <a:extLst>
+              <a:ext uri="{FF2B5EF4-FFF2-40B4-BE49-F238E27FC236}">
+                <a16:creationId xmlns:a16="http://schemas.microsoft.com/office/drawing/2014/main" id="{FDAF0868-6C65-9266-4AA9-43C578C9521F}"/>
+              </a:ext>
+            </a:extLst>
+          </p:cNvPr>
+          <p:cNvCxnSpPr>
+            <a:cxnSpLocks/>
+          </p:cNvCxnSpPr>
+          <p:nvPr/>
+        </p:nvCxnSpPr>
+        <p:spPr>
+          <a:xfrm>
+            <a:off x="4610746" y="1685277"/>
+            <a:ext cx="2053525" cy="855279"/>
+          </a:xfrm>
+          <a:prstGeom prst="straightConnector1">
+            <a:avLst/>
+          </a:prstGeom>
+          <a:ln w="57150">
+            <a:tailEnd type="triangle"/>
+          </a:ln>
+        </p:spPr>
+        <p:style>
+          <a:lnRef idx="1">
+            <a:schemeClr val="accent1"/>
+          </a:lnRef>
+          <a:fillRef idx="0">
+            <a:schemeClr val="accent1"/>
+          </a:fillRef>
+          <a:effectRef idx="0">
+            <a:schemeClr val="accent1"/>
+          </a:effectRef>
+          <a:fontRef idx="minor">
+            <a:schemeClr val="tx1"/>
+          </a:fontRef>
+        </p:style>
+      </p:cxnSp>
     </p:spTree>
     <p:extLst>
       <p:ext uri="{BB962C8B-B14F-4D97-AF65-F5344CB8AC3E}">
-        <p14:creationId xmlns:p14="http://schemas.microsoft.com/office/powerpoint/2010/main" val="99471041"/>
+        <p14:creationId xmlns:p14="http://schemas.microsoft.com/office/powerpoint/2010/main" val="639212572"/>
       </p:ext>
     </p:extLst>
   </p:cSld>
@@ -40332,8 +41942,90 @@
     <a:masterClrMapping/>
   </p:clrMapOvr>
   <p:transition spd="med">
-    <p:wipe dir="r"/>
+    <p:wipe/>
   </p:transition>
+  <p:timing>
+    <p:tnLst>
+      <p:par>
+        <p:cTn id="1" dur="indefinite" restart="never" nodeType="tmRoot">
+          <p:childTnLst>
+            <p:seq concurrent="1" nextAc="seek">
+              <p:cTn id="2" dur="indefinite" nodeType="mainSeq">
+                <p:childTnLst>
+                  <p:par>
+                    <p:cTn id="3" fill="hold">
+                      <p:stCondLst>
+                        <p:cond delay="indefinite"/>
+                      </p:stCondLst>
+                      <p:childTnLst>
+                        <p:par>
+                          <p:cTn id="4" fill="hold">
+                            <p:stCondLst>
+                              <p:cond delay="0"/>
+                            </p:stCondLst>
+                            <p:childTnLst>
+                              <p:par>
+                                <p:cTn id="5" presetID="1" presetClass="entr" presetSubtype="0" fill="hold" grpId="0" nodeType="clickEffect">
+                                  <p:stCondLst>
+                                    <p:cond delay="0"/>
+                                  </p:stCondLst>
+                                  <p:childTnLst>
+                                    <p:set>
+                                      <p:cBhvr>
+                                        <p:cTn id="6" dur="1" fill="hold">
+                                          <p:stCondLst>
+                                            <p:cond delay="0"/>
+                                          </p:stCondLst>
+                                        </p:cTn>
+                                        <p:tgtEl>
+                                          <p:spTgt spid="10">
+                                            <p:txEl>
+                                              <p:pRg st="0" end="0"/>
+                                            </p:txEl>
+                                          </p:spTgt>
+                                        </p:tgtEl>
+                                        <p:attrNameLst>
+                                          <p:attrName>style.visibility</p:attrName>
+                                        </p:attrNameLst>
+                                      </p:cBhvr>
+                                      <p:to>
+                                        <p:strVal val="visible"/>
+                                      </p:to>
+                                    </p:set>
+                                  </p:childTnLst>
+                                </p:cTn>
+                              </p:par>
+                            </p:childTnLst>
+                          </p:cTn>
+                        </p:par>
+                      </p:childTnLst>
+                    </p:cTn>
+                  </p:par>
+                </p:childTnLst>
+              </p:cTn>
+              <p:prevCondLst>
+                <p:cond evt="onPrev" delay="0">
+                  <p:tgtEl>
+                    <p:sldTgt/>
+                  </p:tgtEl>
+                </p:cond>
+              </p:prevCondLst>
+              <p:nextCondLst>
+                <p:cond evt="onNext" delay="0">
+                  <p:tgtEl>
+                    <p:sldTgt/>
+                  </p:tgtEl>
+                </p:cond>
+              </p:nextCondLst>
+            </p:seq>
+          </p:childTnLst>
+        </p:cTn>
+      </p:par>
+    </p:tnLst>
+    <p:bldLst>
+      <p:bldP spid="10" grpId="0" build="p"/>
+    </p:bldLst>
+  </p:timing>
 </p:sld>
 </file>
 
@@ -40359,7 +42051,7 @@
           <p:cNvPr id="2" name="Title 1">
             <a:extLst>
               <a:ext uri="{FF2B5EF4-FFF2-40B4-BE49-F238E27FC236}">
-                <a16:creationId xmlns:a16="http://schemas.microsoft.com/office/drawing/2014/main" id="{27DC0867-0D14-5399-FE11-4E4E14123EE5}"/>
+                <a16:creationId xmlns:a16="http://schemas.microsoft.com/office/drawing/2014/main" id="{6F945BDA-E49B-E34A-3ED7-64DBE6CB0D1C}"/>
               </a:ext>
             </a:extLst>
           </p:cNvPr>
@@ -40377,50 +42069,17 @@
           <a:p>
             <a:r>
               <a:rPr lang="en-HU" dirty="0"/>
-              <a:t>Hiba elkerülés: Tegnap még jó volt! </a:t>
-            </a:r>
-            <a:r>
-              <a:rPr lang="en-GB" dirty="0"/>
-              <a:t>– </a:t>
-            </a:r>
-            <a:r>
-              <a:rPr lang="en-GB" dirty="0" err="1"/>
-              <a:t>Verziókezelés</a:t>
-            </a:r>
-            <a:r>
-              <a:rPr lang="en-GB" dirty="0"/>
-              <a:t> </a:t>
-            </a:r>
-            <a:r>
-              <a:rPr lang="en-GB" dirty="0" err="1"/>
-              <a:t>és</a:t>
-            </a:r>
-            <a:r>
-              <a:rPr lang="en-GB" dirty="0"/>
-              <a:t> </a:t>
-            </a:r>
-            <a:r>
-              <a:rPr lang="en-GB" dirty="0" err="1"/>
-              <a:t>általános</a:t>
-            </a:r>
-            <a:r>
-              <a:rPr lang="en-GB" dirty="0"/>
-              <a:t> </a:t>
-            </a:r>
-            <a:r>
-              <a:rPr lang="en-GB" dirty="0" err="1"/>
-              <a:t>javaslatok</a:t>
-            </a:r>
-            <a:endParaRPr lang="en-HU" dirty="0"/>
-          </a:p>
-        </p:txBody>
-      </p:sp>
-      <p:sp>
-        <p:nvSpPr>
-          <p:cNvPr id="3" name="Content Placeholder 2">
+              <a:t>Párhuzamos futtatás – megoldások</a:t>
+            </a:r>
+          </a:p>
+        </p:txBody>
+      </p:sp>
+      <p:sp>
+        <p:nvSpPr>
+          <p:cNvPr id="7" name="Content Placeholder 6">
             <a:extLst>
               <a:ext uri="{FF2B5EF4-FFF2-40B4-BE49-F238E27FC236}">
-                <a16:creationId xmlns:a16="http://schemas.microsoft.com/office/drawing/2014/main" id="{507657BC-9FBC-0F3E-4F60-78CBEBAA0745}"/>
+                <a16:creationId xmlns:a16="http://schemas.microsoft.com/office/drawing/2014/main" id="{40AE2F2A-F65B-E97D-F057-83D348734D9F}"/>
               </a:ext>
             </a:extLst>
           </p:cNvPr>
@@ -40431,90 +42090,81 @@
             <p:ph idx="10"/>
           </p:nvPr>
         </p:nvSpPr>
-        <p:spPr/>
+        <p:spPr>
+          <a:xfrm>
+            <a:off x="679450" y="1143000"/>
+            <a:ext cx="6418774" cy="5029200"/>
+          </a:xfrm>
+        </p:spPr>
         <p:txBody>
           <a:bodyPr/>
           <a:lstStyle/>
           <a:p>
             <a:r>
               <a:rPr lang="en-HU" dirty="0"/>
-              <a:t>Használjatok verziókezelőt!</a:t>
+              <a:t>Probléma gyökere: Nem lehet akármikor adatot cserélni párhuzamosan futó kódok között!</a:t>
             </a:r>
           </a:p>
           <a:p>
             <a:r>
               <a:rPr lang="en-HU" dirty="0"/>
-              <a:t>Github nem csak arra van, hogy megoszd a kódot</a:t>
+              <a:t>Atomic section</a:t>
             </a:r>
           </a:p>
           <a:p>
             <a:pPr lvl="1"/>
             <a:r>
               <a:rPr lang="en-HU" dirty="0"/>
-              <a:t>Ha nem akarod megosztani a kódot, git akár lokálisan is működik</a:t>
-            </a:r>
-          </a:p>
-          <a:p>
+              <a:t>Nem félbeszakítható (= interruptok letiltva)</a:t>
+            </a:r>
+          </a:p>
+          <a:p>
+            <a:pPr lvl="1"/>
             <a:r>
               <a:rPr lang="en-HU" dirty="0"/>
-              <a:t>Egy commit legyen kicsi</a:t>
+              <a:t>Hosszú atomic section problémás lehet!</a:t>
+            </a:r>
+          </a:p>
+          <a:p>
+            <a:r>
+              <a:rPr lang="en-HU" dirty="0"/>
+              <a:t>”Interruptok letiltva”</a:t>
             </a:r>
           </a:p>
           <a:p>
             <a:pPr lvl="1"/>
             <a:r>
               <a:rPr lang="en-HU" dirty="0"/>
-              <a:t>Ha már régen elfelejtettél commitolni, nem muszáj mindent, gitben akár sorokat is tudsz stage-elni</a:t>
-            </a:r>
-          </a:p>
-          <a:p>
+              <a:t>Ha befut egy interrupt, a tiltás feloldása után lesz végrehajtva</a:t>
+            </a:r>
+          </a:p>
+          <a:p>
+            <a:pPr lvl="1"/>
             <a:r>
               <a:rPr lang="en-HU" dirty="0"/>
-              <a:t>Pull requestek - peer review</a:t>
-            </a:r>
-          </a:p>
-          <a:p>
-            <a:endParaRPr lang="en-HU" dirty="0"/>
+              <a:t>Ha ugyan az az interrupt kétszer fut be, ugyan úgy néz ki, mintha egyszer jött volna csak</a:t>
+            </a:r>
           </a:p>
           <a:p>
             <a:r>
               <a:rPr lang="en-HU" dirty="0"/>
-              <a:t>Hibakezelés</a:t>
+              <a:t>Adatcsere minimalizálása</a:t>
             </a:r>
           </a:p>
           <a:p>
             <a:r>
               <a:rPr lang="en-HU" dirty="0"/>
-              <a:t>Modularitás</a:t>
-            </a:r>
-          </a:p>
-          <a:p>
-            <a:r>
-              <a:rPr lang="en-HU" dirty="0"/>
-              <a:t>State változó flagek helyett</a:t>
-            </a:r>
-          </a:p>
-          <a:p>
-            <a:r>
-              <a:rPr lang="en-HU" dirty="0"/>
-              <a:t>Regression testing</a:t>
-            </a:r>
-          </a:p>
-          <a:p>
-            <a:endParaRPr lang="en-HU" dirty="0"/>
-          </a:p>
-          <a:p>
-            <a:pPr lvl="1"/>
-            <a:endParaRPr lang="en-HU" dirty="0"/>
-          </a:p>
-        </p:txBody>
-      </p:sp>
-      <p:sp>
-        <p:nvSpPr>
-          <p:cNvPr id="4" name="Slide Number Placeholder 3">
+              <a:t>Többmagos MCUk – még több probléma</a:t>
+            </a:r>
+          </a:p>
+        </p:txBody>
+      </p:sp>
+      <p:sp>
+        <p:nvSpPr>
+          <p:cNvPr id="5" name="Slide Number Placeholder 4">
             <a:extLst>
               <a:ext uri="{FF2B5EF4-FFF2-40B4-BE49-F238E27FC236}">
-                <a16:creationId xmlns:a16="http://schemas.microsoft.com/office/drawing/2014/main" id="{AF313C9A-B627-0634-FB65-004F57D75B9D}"/>
+                <a16:creationId xmlns:a16="http://schemas.microsoft.com/office/drawing/2014/main" id="{05402DF4-1188-AFC8-1A9E-A85D752AF036}"/>
               </a:ext>
             </a:extLst>
           </p:cNvPr>
@@ -40530,21 +42180,26 @@
           <a:bodyPr/>
           <a:lstStyle/>
           <a:p>
-            <a:fld id="{29A7BD92-6AE5-CF43-B276-274952F2BFB4}" type="slidenum">
+            <a:pPr>
+              <a:defRPr/>
+            </a:pPr>
+            <a:fld id="{FC916849-326D-3C44-83DD-50F4EDFE5C43}" type="slidenum">
               <a:rPr lang="en-US" smtClean="0"/>
-              <a:pPr/>
+              <a:pPr>
+                <a:defRPr/>
+              </a:pPr>
               <a:t>8</a:t>
             </a:fld>
-            <a:endParaRPr lang="en-US" dirty="0"/>
-          </a:p>
-        </p:txBody>
-      </p:sp>
-      <p:sp>
-        <p:nvSpPr>
-          <p:cNvPr id="5" name="Footer Placeholder 4">
+            <a:endParaRPr lang="en-US" sz="900" dirty="0"/>
+          </a:p>
+        </p:txBody>
+      </p:sp>
+      <p:sp>
+        <p:nvSpPr>
+          <p:cNvPr id="6" name="Footer Placeholder 5">
             <a:extLst>
               <a:ext uri="{FF2B5EF4-FFF2-40B4-BE49-F238E27FC236}">
-                <a16:creationId xmlns:a16="http://schemas.microsoft.com/office/drawing/2014/main" id="{4D1B02AB-C380-3A26-76F8-17A1209AD666}"/>
+                <a16:creationId xmlns:a16="http://schemas.microsoft.com/office/drawing/2014/main" id="{030A11D1-82F0-17B7-8215-656A23A6289C}"/>
               </a:ext>
             </a:extLst>
           </p:cNvPr>
@@ -40560,18 +42215,50 @@
           <a:bodyPr/>
           <a:lstStyle/>
           <a:p>
-            <a:r>
-              <a:rPr lang="en-US"/>
-              <a:t>©2022 Silicon Laboratories Inc. All rights reserved.</a:t>
-            </a:r>
-            <a:endParaRPr lang="en-US" dirty="0"/>
-          </a:p>
-        </p:txBody>
-      </p:sp>
+            <a:pPr>
+              <a:defRPr/>
+            </a:pPr>
+            <a:r>
+              <a:rPr lang="en-US" dirty="0"/>
+              <a:t>©2025 Silicon Laboratories Inc. All rights reserved.</a:t>
+            </a:r>
+          </a:p>
+        </p:txBody>
+      </p:sp>
+      <p:pic>
+        <p:nvPicPr>
+          <p:cNvPr id="8" name="Picture 7">
+            <a:extLst>
+              <a:ext uri="{FF2B5EF4-FFF2-40B4-BE49-F238E27FC236}">
+                <a16:creationId xmlns:a16="http://schemas.microsoft.com/office/drawing/2014/main" id="{D14E00C4-A2CE-2903-EF57-736B54BC8548}"/>
+              </a:ext>
+            </a:extLst>
+          </p:cNvPr>
+          <p:cNvPicPr>
+            <a:picLocks noChangeAspect="1"/>
+          </p:cNvPicPr>
+          <p:nvPr/>
+        </p:nvPicPr>
+        <p:blipFill>
+          <a:blip r:embed="rId2"/>
+          <a:stretch>
+            <a:fillRect/>
+          </a:stretch>
+        </p:blipFill>
+        <p:spPr>
+          <a:xfrm>
+            <a:off x="7573121" y="976393"/>
+            <a:ext cx="3739041" cy="5479970"/>
+          </a:xfrm>
+          <a:prstGeom prst="rect">
+            <a:avLst/>
+          </a:prstGeom>
+        </p:spPr>
+      </p:pic>
     </p:spTree>
     <p:extLst>
       <p:ext uri="{BB962C8B-B14F-4D97-AF65-F5344CB8AC3E}">
-        <p14:creationId xmlns:p14="http://schemas.microsoft.com/office/powerpoint/2010/main" val="3351470211"/>
+        <p14:creationId xmlns:p14="http://schemas.microsoft.com/office/powerpoint/2010/main" val="421021927"/>
       </p:ext>
     </p:extLst>
   </p:cSld>
@@ -40581,6 +42268,419 @@
   <p:transition spd="med">
     <p:wipe dir="r"/>
   </p:transition>
+  <p:timing>
+    <p:tnLst>
+      <p:par>
+        <p:cTn id="1" dur="indefinite" restart="never" nodeType="tmRoot">
+          <p:childTnLst>
+            <p:seq concurrent="1" nextAc="seek">
+              <p:cTn id="2" dur="indefinite" nodeType="mainSeq">
+                <p:childTnLst>
+                  <p:par>
+                    <p:cTn id="3" fill="hold">
+                      <p:stCondLst>
+                        <p:cond delay="indefinite"/>
+                      </p:stCondLst>
+                      <p:childTnLst>
+                        <p:par>
+                          <p:cTn id="4" fill="hold">
+                            <p:stCondLst>
+                              <p:cond delay="0"/>
+                            </p:stCondLst>
+                            <p:childTnLst>
+                              <p:par>
+                                <p:cTn id="5" presetID="1" presetClass="entr" presetSubtype="0" fill="hold" nodeType="clickEffect">
+                                  <p:stCondLst>
+                                    <p:cond delay="0"/>
+                                  </p:stCondLst>
+                                  <p:childTnLst>
+                                    <p:set>
+                                      <p:cBhvr>
+                                        <p:cTn id="6" dur="1" fill="hold">
+                                          <p:stCondLst>
+                                            <p:cond delay="0"/>
+                                          </p:stCondLst>
+                                        </p:cTn>
+                                        <p:tgtEl>
+                                          <p:spTgt spid="7">
+                                            <p:txEl>
+                                              <p:pRg st="1" end="1"/>
+                                            </p:txEl>
+                                          </p:spTgt>
+                                        </p:tgtEl>
+                                        <p:attrNameLst>
+                                          <p:attrName>style.visibility</p:attrName>
+                                        </p:attrNameLst>
+                                      </p:cBhvr>
+                                      <p:to>
+                                        <p:strVal val="visible"/>
+                                      </p:to>
+                                    </p:set>
+                                  </p:childTnLst>
+                                </p:cTn>
+                              </p:par>
+                              <p:par>
+                                <p:cTn id="7" presetID="1" presetClass="entr" presetSubtype="0" fill="hold" nodeType="withEffect">
+                                  <p:stCondLst>
+                                    <p:cond delay="0"/>
+                                  </p:stCondLst>
+                                  <p:childTnLst>
+                                    <p:set>
+                                      <p:cBhvr>
+                                        <p:cTn id="8" dur="1" fill="hold">
+                                          <p:stCondLst>
+                                            <p:cond delay="0"/>
+                                          </p:stCondLst>
+                                        </p:cTn>
+                                        <p:tgtEl>
+                                          <p:spTgt spid="7">
+                                            <p:txEl>
+                                              <p:pRg st="2" end="2"/>
+                                            </p:txEl>
+                                          </p:spTgt>
+                                        </p:tgtEl>
+                                        <p:attrNameLst>
+                                          <p:attrName>style.visibility</p:attrName>
+                                        </p:attrNameLst>
+                                      </p:cBhvr>
+                                      <p:to>
+                                        <p:strVal val="visible"/>
+                                      </p:to>
+                                    </p:set>
+                                  </p:childTnLst>
+                                </p:cTn>
+                              </p:par>
+                              <p:par>
+                                <p:cTn id="9" presetID="1" presetClass="entr" presetSubtype="0" fill="hold" nodeType="withEffect">
+                                  <p:stCondLst>
+                                    <p:cond delay="0"/>
+                                  </p:stCondLst>
+                                  <p:childTnLst>
+                                    <p:set>
+                                      <p:cBhvr>
+                                        <p:cTn id="10" dur="1" fill="hold">
+                                          <p:stCondLst>
+                                            <p:cond delay="0"/>
+                                          </p:stCondLst>
+                                        </p:cTn>
+                                        <p:tgtEl>
+                                          <p:spTgt spid="7">
+                                            <p:txEl>
+                                              <p:pRg st="3" end="3"/>
+                                            </p:txEl>
+                                          </p:spTgt>
+                                        </p:tgtEl>
+                                        <p:attrNameLst>
+                                          <p:attrName>style.visibility</p:attrName>
+                                        </p:attrNameLst>
+                                      </p:cBhvr>
+                                      <p:to>
+                                        <p:strVal val="visible"/>
+                                      </p:to>
+                                    </p:set>
+                                  </p:childTnLst>
+                                </p:cTn>
+                              </p:par>
+                            </p:childTnLst>
+                          </p:cTn>
+                        </p:par>
+                      </p:childTnLst>
+                    </p:cTn>
+                  </p:par>
+                  <p:par>
+                    <p:cTn id="11" fill="hold">
+                      <p:stCondLst>
+                        <p:cond delay="indefinite"/>
+                      </p:stCondLst>
+                      <p:childTnLst>
+                        <p:par>
+                          <p:cTn id="12" fill="hold">
+                            <p:stCondLst>
+                              <p:cond delay="0"/>
+                            </p:stCondLst>
+                            <p:childTnLst>
+                              <p:par>
+                                <p:cTn id="13" presetID="1" presetClass="entr" presetSubtype="0" fill="hold" nodeType="clickEffect">
+                                  <p:stCondLst>
+                                    <p:cond delay="0"/>
+                                  </p:stCondLst>
+                                  <p:childTnLst>
+                                    <p:set>
+                                      <p:cBhvr>
+                                        <p:cTn id="14" dur="1" fill="hold">
+                                          <p:stCondLst>
+                                            <p:cond delay="0"/>
+                                          </p:stCondLst>
+                                        </p:cTn>
+                                        <p:tgtEl>
+                                          <p:spTgt spid="7">
+                                            <p:txEl>
+                                              <p:pRg st="4" end="4"/>
+                                            </p:txEl>
+                                          </p:spTgt>
+                                        </p:tgtEl>
+                                        <p:attrNameLst>
+                                          <p:attrName>style.visibility</p:attrName>
+                                        </p:attrNameLst>
+                                      </p:cBhvr>
+                                      <p:to>
+                                        <p:strVal val="visible"/>
+                                      </p:to>
+                                    </p:set>
+                                  </p:childTnLst>
+                                </p:cTn>
+                              </p:par>
+                              <p:par>
+                                <p:cTn id="15" presetID="1" presetClass="entr" presetSubtype="0" fill="hold" nodeType="withEffect">
+                                  <p:stCondLst>
+                                    <p:cond delay="0"/>
+                                  </p:stCondLst>
+                                  <p:childTnLst>
+                                    <p:set>
+                                      <p:cBhvr>
+                                        <p:cTn id="16" dur="1" fill="hold">
+                                          <p:stCondLst>
+                                            <p:cond delay="0"/>
+                                          </p:stCondLst>
+                                        </p:cTn>
+                                        <p:tgtEl>
+                                          <p:spTgt spid="7">
+                                            <p:txEl>
+                                              <p:pRg st="5" end="5"/>
+                                            </p:txEl>
+                                          </p:spTgt>
+                                        </p:tgtEl>
+                                        <p:attrNameLst>
+                                          <p:attrName>style.visibility</p:attrName>
+                                        </p:attrNameLst>
+                                      </p:cBhvr>
+                                      <p:to>
+                                        <p:strVal val="visible"/>
+                                      </p:to>
+                                    </p:set>
+                                  </p:childTnLst>
+                                </p:cTn>
+                              </p:par>
+                            </p:childTnLst>
+                          </p:cTn>
+                        </p:par>
+                      </p:childTnLst>
+                    </p:cTn>
+                  </p:par>
+                  <p:par>
+                    <p:cTn id="17" fill="hold">
+                      <p:stCondLst>
+                        <p:cond delay="indefinite"/>
+                      </p:stCondLst>
+                      <p:childTnLst>
+                        <p:par>
+                          <p:cTn id="18" fill="hold">
+                            <p:stCondLst>
+                              <p:cond delay="0"/>
+                            </p:stCondLst>
+                            <p:childTnLst>
+                              <p:par>
+                                <p:cTn id="19" presetID="1" presetClass="entr" presetSubtype="0" fill="hold" nodeType="clickEffect">
+                                  <p:stCondLst>
+                                    <p:cond delay="0"/>
+                                  </p:stCondLst>
+                                  <p:childTnLst>
+                                    <p:set>
+                                      <p:cBhvr>
+                                        <p:cTn id="20" dur="1" fill="hold">
+                                          <p:stCondLst>
+                                            <p:cond delay="0"/>
+                                          </p:stCondLst>
+                                        </p:cTn>
+                                        <p:tgtEl>
+                                          <p:spTgt spid="7">
+                                            <p:txEl>
+                                              <p:pRg st="6" end="6"/>
+                                            </p:txEl>
+                                          </p:spTgt>
+                                        </p:tgtEl>
+                                        <p:attrNameLst>
+                                          <p:attrName>style.visibility</p:attrName>
+                                        </p:attrNameLst>
+                                      </p:cBhvr>
+                                      <p:to>
+                                        <p:strVal val="visible"/>
+                                      </p:to>
+                                    </p:set>
+                                  </p:childTnLst>
+                                </p:cTn>
+                              </p:par>
+                            </p:childTnLst>
+                          </p:cTn>
+                        </p:par>
+                      </p:childTnLst>
+                    </p:cTn>
+                  </p:par>
+                  <p:par>
+                    <p:cTn id="21" fill="hold">
+                      <p:stCondLst>
+                        <p:cond delay="indefinite"/>
+                      </p:stCondLst>
+                      <p:childTnLst>
+                        <p:par>
+                          <p:cTn id="22" fill="hold">
+                            <p:stCondLst>
+                              <p:cond delay="0"/>
+                            </p:stCondLst>
+                            <p:childTnLst>
+                              <p:par>
+                                <p:cTn id="23" presetID="1" presetClass="entr" presetSubtype="0" fill="hold" nodeType="clickEffect">
+                                  <p:stCondLst>
+                                    <p:cond delay="0"/>
+                                  </p:stCondLst>
+                                  <p:childTnLst>
+                                    <p:set>
+                                      <p:cBhvr>
+                                        <p:cTn id="24" dur="1" fill="hold">
+                                          <p:stCondLst>
+                                            <p:cond delay="0"/>
+                                          </p:stCondLst>
+                                        </p:cTn>
+                                        <p:tgtEl>
+                                          <p:spTgt spid="7">
+                                            <p:txEl>
+                                              <p:pRg st="7" end="7"/>
+                                            </p:txEl>
+                                          </p:spTgt>
+                                        </p:tgtEl>
+                                        <p:attrNameLst>
+                                          <p:attrName>style.visibility</p:attrName>
+                                        </p:attrNameLst>
+                                      </p:cBhvr>
+                                      <p:to>
+                                        <p:strVal val="visible"/>
+                                      </p:to>
+                                    </p:set>
+                                  </p:childTnLst>
+                                </p:cTn>
+                              </p:par>
+                            </p:childTnLst>
+                          </p:cTn>
+                        </p:par>
+                      </p:childTnLst>
+                    </p:cTn>
+                  </p:par>
+                  <p:par>
+                    <p:cTn id="25" fill="hold">
+                      <p:stCondLst>
+                        <p:cond delay="indefinite"/>
+                      </p:stCondLst>
+                      <p:childTnLst>
+                        <p:par>
+                          <p:cTn id="26" fill="hold">
+                            <p:stCondLst>
+                              <p:cond delay="0"/>
+                            </p:stCondLst>
+                            <p:childTnLst>
+                              <p:par>
+                                <p:cTn id="27" presetID="1" presetClass="entr" presetSubtype="0" fill="hold" nodeType="clickEffect">
+                                  <p:stCondLst>
+                                    <p:cond delay="0"/>
+                                  </p:stCondLst>
+                                  <p:childTnLst>
+                                    <p:set>
+                                      <p:cBhvr>
+                                        <p:cTn id="28" dur="1" fill="hold">
+                                          <p:stCondLst>
+                                            <p:cond delay="0"/>
+                                          </p:stCondLst>
+                                        </p:cTn>
+                                        <p:tgtEl>
+                                          <p:spTgt spid="8"/>
+                                        </p:tgtEl>
+                                        <p:attrNameLst>
+                                          <p:attrName>style.visibility</p:attrName>
+                                        </p:attrNameLst>
+                                      </p:cBhvr>
+                                      <p:to>
+                                        <p:strVal val="visible"/>
+                                      </p:to>
+                                    </p:set>
+                                  </p:childTnLst>
+                                </p:cTn>
+                              </p:par>
+                            </p:childTnLst>
+                          </p:cTn>
+                        </p:par>
+                      </p:childTnLst>
+                    </p:cTn>
+                  </p:par>
+                  <p:par>
+                    <p:cTn id="29" fill="hold">
+                      <p:stCondLst>
+                        <p:cond delay="indefinite"/>
+                      </p:stCondLst>
+                      <p:childTnLst>
+                        <p:par>
+                          <p:cTn id="30" fill="hold">
+                            <p:stCondLst>
+                              <p:cond delay="0"/>
+                            </p:stCondLst>
+                            <p:childTnLst>
+                              <p:par>
+                                <p:cTn id="31" presetID="1" presetClass="entr" presetSubtype="0" fill="hold" nodeType="clickEffect">
+                                  <p:stCondLst>
+                                    <p:cond delay="0"/>
+                                  </p:stCondLst>
+                                  <p:childTnLst>
+                                    <p:set>
+                                      <p:cBhvr>
+                                        <p:cTn id="32" dur="1" fill="hold">
+                                          <p:stCondLst>
+                                            <p:cond delay="0"/>
+                                          </p:stCondLst>
+                                        </p:cTn>
+                                        <p:tgtEl>
+                                          <p:spTgt spid="7">
+                                            <p:txEl>
+                                              <p:pRg st="8" end="8"/>
+                                            </p:txEl>
+                                          </p:spTgt>
+                                        </p:tgtEl>
+                                        <p:attrNameLst>
+                                          <p:attrName>style.visibility</p:attrName>
+                                        </p:attrNameLst>
+                                      </p:cBhvr>
+                                      <p:to>
+                                        <p:strVal val="visible"/>
+                                      </p:to>
+                                    </p:set>
+                                  </p:childTnLst>
+                                </p:cTn>
+                              </p:par>
+                            </p:childTnLst>
+                          </p:cTn>
+                        </p:par>
+                      </p:childTnLst>
+                    </p:cTn>
+                  </p:par>
+                </p:childTnLst>
+              </p:cTn>
+              <p:prevCondLst>
+                <p:cond evt="onPrev" delay="0">
+                  <p:tgtEl>
+                    <p:sldTgt/>
+                  </p:tgtEl>
+                </p:cond>
+              </p:prevCondLst>
+              <p:nextCondLst>
+                <p:cond evt="onNext" delay="0">
+                  <p:tgtEl>
+                    <p:sldTgt/>
+                  </p:tgtEl>
+                </p:cond>
+              </p:nextCondLst>
+            </p:seq>
+          </p:childTnLst>
+        </p:cTn>
+      </p:par>
+    </p:tnLst>
+  </p:timing>
 </p:sld>
 </file>
 
@@ -40603,10 +42703,10 @@
       </p:grpSpPr>
       <p:sp>
         <p:nvSpPr>
-          <p:cNvPr id="6" name="Title 5">
+          <p:cNvPr id="2" name="Title 1">
             <a:extLst>
               <a:ext uri="{FF2B5EF4-FFF2-40B4-BE49-F238E27FC236}">
-                <a16:creationId xmlns:a16="http://schemas.microsoft.com/office/drawing/2014/main" id="{26822C52-5082-54B5-E975-F9C0BEBF9EF9}"/>
+                <a16:creationId xmlns:a16="http://schemas.microsoft.com/office/drawing/2014/main" id="{62FA75B9-1EA4-9EB1-5E79-DFDF241D3024}"/>
               </a:ext>
             </a:extLst>
           </p:cNvPr>
@@ -40624,17 +42724,17 @@
           <a:p>
             <a:r>
               <a:rPr lang="en-HU" dirty="0"/>
-              <a:t>Példák</a:t>
-            </a:r>
-          </a:p>
-        </p:txBody>
-      </p:sp>
-      <p:sp>
-        <p:nvSpPr>
-          <p:cNvPr id="7" name="Text Placeholder 6">
+              <a:t>Debug eszközök</a:t>
+            </a:r>
+          </a:p>
+        </p:txBody>
+      </p:sp>
+      <p:sp>
+        <p:nvSpPr>
+          <p:cNvPr id="3" name="Content Placeholder 2">
             <a:extLst>
               <a:ext uri="{FF2B5EF4-FFF2-40B4-BE49-F238E27FC236}">
-                <a16:creationId xmlns:a16="http://schemas.microsoft.com/office/drawing/2014/main" id="{2671A1BD-84CA-95B4-0BF3-3BA5983C31C1}"/>
+                <a16:creationId xmlns:a16="http://schemas.microsoft.com/office/drawing/2014/main" id="{3830D47C-7B9E-E4A8-D67F-FD343F1B4AB4}"/>
               </a:ext>
             </a:extLst>
           </p:cNvPr>
@@ -40642,7 +42742,7 @@
             <a:spLocks noGrp="1"/>
           </p:cNvSpPr>
           <p:nvPr>
-            <p:ph type="body" sz="quarter" idx="10"/>
+            <p:ph idx="10"/>
           </p:nvPr>
         </p:nvSpPr>
         <p:spPr/>
@@ -40650,7 +42750,58 @@
           <a:bodyPr/>
           <a:lstStyle/>
           <a:p>
-            <a:endParaRPr lang="en-HU"/>
+            <a:r>
+              <a:rPr lang="en-HU" dirty="0"/>
+              <a:t>Logolás</a:t>
+            </a:r>
+          </a:p>
+          <a:p>
+            <a:pPr lvl="1"/>
+            <a:r>
+              <a:rPr lang="en-HU" dirty="0"/>
+              <a:t>Lassú, befolyásolja a program futását</a:t>
+            </a:r>
+          </a:p>
+          <a:p>
+            <a:r>
+              <a:rPr lang="en-HU" dirty="0"/>
+              <a:t>In-circuit debugger</a:t>
+            </a:r>
+          </a:p>
+          <a:p>
+            <a:pPr lvl="1"/>
+            <a:r>
+              <a:rPr lang="en-HU" dirty="0"/>
+              <a:t>Eszköz szükséges hozzá, befolyásolja a program futását</a:t>
+            </a:r>
+          </a:p>
+          <a:p>
+            <a:r>
+              <a:rPr lang="en-HU" dirty="0"/>
+              <a:t>GPIO billegtetés</a:t>
+            </a:r>
+          </a:p>
+          <a:p>
+            <a:pPr lvl="1"/>
+            <a:r>
+              <a:rPr lang="en-HU" dirty="0"/>
+              <a:t>Nehéz megfigyelni (pl LED)</a:t>
+            </a:r>
+          </a:p>
+          <a:p>
+            <a:pPr lvl="1"/>
+            <a:r>
+              <a:rPr lang="en-HU" dirty="0"/>
+              <a:t>Vagy eszköz kell hozzá: Logic Analyzer</a:t>
+            </a:r>
+          </a:p>
+          <a:p>
+            <a:pPr lvl="2"/>
+            <a:r>
+              <a:rPr lang="en-HU"/>
+              <a:t>Raspberry Pi Pico használható erre</a:t>
+            </a:r>
+            <a:endParaRPr lang="en-HU" dirty="0"/>
           </a:p>
         </p:txBody>
       </p:sp>
@@ -40659,7 +42810,7 @@
           <p:cNvPr id="4" name="Slide Number Placeholder 3">
             <a:extLst>
               <a:ext uri="{FF2B5EF4-FFF2-40B4-BE49-F238E27FC236}">
-                <a16:creationId xmlns:a16="http://schemas.microsoft.com/office/drawing/2014/main" id="{9036D611-97E0-B50E-C98A-DDEA372F7831}"/>
+                <a16:creationId xmlns:a16="http://schemas.microsoft.com/office/drawing/2014/main" id="{AEF547DA-E45E-6412-D383-B9582425467D}"/>
               </a:ext>
             </a:extLst>
           </p:cNvPr>
@@ -40667,15 +42818,10 @@
             <a:spLocks noGrp="1"/>
           </p:cNvSpPr>
           <p:nvPr>
-            <p:ph type="sldNum" sz="quarter" idx="4294967295"/>
+            <p:ph type="sldNum" sz="quarter" idx="12"/>
           </p:nvPr>
         </p:nvSpPr>
-        <p:spPr>
-          <a:xfrm>
-            <a:off x="0" y="6456363"/>
-            <a:ext cx="187325" cy="365125"/>
-          </a:xfrm>
-        </p:spPr>
+        <p:spPr/>
         <p:txBody>
           <a:bodyPr/>
           <a:lstStyle/>
@@ -40694,7 +42840,7 @@
           <p:cNvPr id="5" name="Footer Placeholder 4">
             <a:extLst>
               <a:ext uri="{FF2B5EF4-FFF2-40B4-BE49-F238E27FC236}">
-                <a16:creationId xmlns:a16="http://schemas.microsoft.com/office/drawing/2014/main" id="{19AB8519-BAA8-785D-03DD-2BAFD61B6845}"/>
+                <a16:creationId xmlns:a16="http://schemas.microsoft.com/office/drawing/2014/main" id="{842FED9B-14F3-6068-64E0-2C0EC9A9C045}"/>
               </a:ext>
             </a:extLst>
           </p:cNvPr>
@@ -40702,15 +42848,10 @@
             <a:spLocks noGrp="1"/>
           </p:cNvSpPr>
           <p:nvPr>
-            <p:ph type="ftr" sz="quarter" idx="4294967295"/>
+            <p:ph type="ftr" sz="quarter" idx="13"/>
           </p:nvPr>
         </p:nvSpPr>
-        <p:spPr>
-          <a:xfrm>
-            <a:off x="0" y="6456363"/>
-            <a:ext cx="8440738" cy="365125"/>
-          </a:xfrm>
-        </p:spPr>
+        <p:spPr/>
         <p:txBody>
           <a:bodyPr/>
           <a:lstStyle/>
@@ -40726,7 +42867,7 @@
     </p:spTree>
     <p:extLst>
       <p:ext uri="{BB962C8B-B14F-4D97-AF65-F5344CB8AC3E}">
-        <p14:creationId xmlns:p14="http://schemas.microsoft.com/office/powerpoint/2010/main" val="1469666698"/>
+        <p14:creationId xmlns:p14="http://schemas.microsoft.com/office/powerpoint/2010/main" val="499789981"/>
       </p:ext>
     </p:extLst>
   </p:cSld>
@@ -40734,7 +42875,7 @@
     <a:masterClrMapping/>
   </p:clrMapOvr>
   <p:transition spd="med">
-    <p:wipe/>
+    <p:wipe dir="r"/>
   </p:transition>
 </p:sld>
 </file>
@@ -41642,21 +43783,6 @@
 </file>
 
 <file path=customXml/item1.xml><?xml version="1.0" encoding="utf-8"?>
-<p:properties xmlns:p="http://schemas.microsoft.com/office/2006/metadata/properties" xmlns:xsi="http://www.w3.org/2001/XMLSchema-instance" xmlns:pc="http://schemas.microsoft.com/office/infopath/2007/PartnerControls">
-  <documentManagement/>
-</p:properties>
-</file>
-
-<file path=customXml/item2.xml><?xml version="1.0" encoding="utf-8"?>
-<?mso-contentType ?>
-<FormTemplates xmlns="http://schemas.microsoft.com/sharepoint/v3/contenttype/forms">
-  <Display>DocumentLibraryForm</Display>
-  <Edit>DocumentLibraryForm</Edit>
-  <New>DocumentLibraryForm</New>
-</FormTemplates>
-</file>
-
-<file path=customXml/item3.xml><?xml version="1.0" encoding="utf-8"?>
 <ct:contentTypeSchema xmlns:ct="http://schemas.microsoft.com/office/2006/metadata/contentType" xmlns:ma="http://schemas.microsoft.com/office/2006/metadata/properties/metaAttributes" ct:_="" ma:_="" ma:contentTypeName="Document" ma:contentTypeID="0x010100FC1FAB2E05D8A44B93DD8AFCB462F224" ma:contentTypeVersion="2" ma:contentTypeDescription="Create a new document." ma:contentTypeScope="" ma:versionID="bac7a6821febc1bb8da02a58f72f2fae">
   <xsd:schema xmlns:xsd="http://www.w3.org/2001/XMLSchema" xmlns:xs="http://www.w3.org/2001/XMLSchema" xmlns:p="http://schemas.microsoft.com/office/2006/metadata/properties" xmlns:ns2="9495d2c1-8770-4d42-957e-4489105f41aa" targetNamespace="http://schemas.microsoft.com/office/2006/metadata/properties" ma:root="true" ma:fieldsID="224c9fc476e7dcb024f902877e073b91" ns2:_="">
     <xsd:import namespace="9495d2c1-8770-4d42-957e-4489105f41aa"/>
@@ -41788,31 +43914,22 @@
 </ct:contentTypeSchema>
 </file>
 
-<file path=customXml/itemProps1.xml><?xml version="1.0" encoding="utf-8"?>
-<ds:datastoreItem xmlns:ds="http://schemas.openxmlformats.org/officeDocument/2006/customXml" ds:itemID="{91D0BE99-E781-4C41-AA45-55E85B091681}">
-  <ds:schemaRefs>
-    <ds:schemaRef ds:uri="http://schemas.microsoft.com/office/2006/metadata/properties"/>
-    <ds:schemaRef ds:uri="http://www.w3.org/XML/1998/namespace"/>
-    <ds:schemaRef ds:uri="9495d2c1-8770-4d42-957e-4489105f41aa"/>
-    <ds:schemaRef ds:uri="http://purl.org/dc/terms/"/>
-    <ds:schemaRef ds:uri="http://purl.org/dc/dcmitype/"/>
-    <ds:schemaRef ds:uri="http://schemas.microsoft.com/office/2006/documentManagement/types"/>
-    <ds:schemaRef ds:uri="http://purl.org/dc/elements/1.1/"/>
-    <ds:schemaRef ds:uri="http://schemas.openxmlformats.org/package/2006/metadata/core-properties"/>
-    <ds:schemaRef ds:uri="http://schemas.microsoft.com/office/infopath/2007/PartnerControls"/>
-  </ds:schemaRefs>
-</ds:datastoreItem>
+<file path=customXml/item2.xml><?xml version="1.0" encoding="utf-8"?>
+<p:properties xmlns:p="http://schemas.microsoft.com/office/2006/metadata/properties" xmlns:xsi="http://www.w3.org/2001/XMLSchema-instance" xmlns:pc="http://schemas.microsoft.com/office/infopath/2007/PartnerControls">
+  <documentManagement/>
+</p:properties>
 </file>
 
-<file path=customXml/itemProps2.xml><?xml version="1.0" encoding="utf-8"?>
-<ds:datastoreItem xmlns:ds="http://schemas.openxmlformats.org/officeDocument/2006/customXml" ds:itemID="{715AF894-03E6-4198-991F-723E6BECF3FC}">
-  <ds:schemaRefs>
-    <ds:schemaRef ds:uri="http://schemas.microsoft.com/sharepoint/v3/contenttype/forms"/>
-  </ds:schemaRefs>
-</ds:datastoreItem>
+<file path=customXml/item3.xml><?xml version="1.0" encoding="utf-8"?>
+<?mso-contentType ?>
+<FormTemplates xmlns="http://schemas.microsoft.com/sharepoint/v3/contenttype/forms">
+  <Display>DocumentLibraryForm</Display>
+  <Edit>DocumentLibraryForm</Edit>
+  <New>DocumentLibraryForm</New>
+</FormTemplates>
 </file>
 
-<file path=customXml/itemProps3.xml><?xml version="1.0" encoding="utf-8"?>
+<file path=customXml/itemProps1.xml><?xml version="1.0" encoding="utf-8"?>
 <ds:datastoreItem xmlns:ds="http://schemas.openxmlformats.org/officeDocument/2006/customXml" ds:itemID="{9128F645-C4E0-4A26-B685-7680694EBA4A}">
   <ds:schemaRefs>
     <ds:schemaRef ds:uri="http://schemas.microsoft.com/office/2006/metadata/contentType"/>
@@ -41828,4 +43945,28 @@
     <ds:schemaRef ds:uri="http://schemas.microsoft.com/internal/obd"/>
   </ds:schemaRefs>
 </ds:datastoreItem>
+</file>
+
+<file path=customXml/itemProps2.xml><?xml version="1.0" encoding="utf-8"?>
+<ds:datastoreItem xmlns:ds="http://schemas.openxmlformats.org/officeDocument/2006/customXml" ds:itemID="{91D0BE99-E781-4C41-AA45-55E85B091681}">
+  <ds:schemaRefs>
+    <ds:schemaRef ds:uri="http://schemas.openxmlformats.org/package/2006/metadata/core-properties"/>
+    <ds:schemaRef ds:uri="http://schemas.microsoft.com/office/2006/documentManagement/types"/>
+    <ds:schemaRef ds:uri="http://purl.org/dc/terms/"/>
+    <ds:schemaRef ds:uri="http://schemas.microsoft.com/office/2006/metadata/properties"/>
+    <ds:schemaRef ds:uri="http://purl.org/dc/elements/1.1/"/>
+    <ds:schemaRef ds:uri="http://www.w3.org/XML/1998/namespace"/>
+    <ds:schemaRef ds:uri="http://schemas.microsoft.com/office/infopath/2007/PartnerControls"/>
+    <ds:schemaRef ds:uri="9495d2c1-8770-4d42-957e-4489105f41aa"/>
+    <ds:schemaRef ds:uri="http://purl.org/dc/dcmitype/"/>
+  </ds:schemaRefs>
+</ds:datastoreItem>
+</file>
+
+<file path=customXml/itemProps3.xml><?xml version="1.0" encoding="utf-8"?>
+<ds:datastoreItem xmlns:ds="http://schemas.openxmlformats.org/officeDocument/2006/customXml" ds:itemID="{715AF894-03E6-4198-991F-723E6BECF3FC}">
+  <ds:schemaRefs>
+    <ds:schemaRef ds:uri="http://schemas.microsoft.com/sharepoint/v3/contenttype/forms"/>
+  </ds:schemaRefs>
+</ds:datastoreItem>
 </file>
--- a/cansat_debug.pptx
+++ b/cansat_debug.pptx
@@ -38993,7 +38993,7 @@
 </file>
 
 <file path=ppt/slides/slide13.xml><?xml version="1.0" encoding="utf-8"?>
-<p:sld xmlns:a="http://schemas.openxmlformats.org/drawingml/2006/main" xmlns:r="http://schemas.openxmlformats.org/officeDocument/2006/relationships" xmlns:p="http://schemas.openxmlformats.org/presentationml/2006/main">
+<p:sld xmlns:a="http://schemas.openxmlformats.org/drawingml/2006/main" xmlns:r="http://schemas.openxmlformats.org/officeDocument/2006/relationships" xmlns:p="http://schemas.openxmlformats.org/presentationml/2006/main" show="0">
   <p:cSld>
     <p:spTree>
       <p:nvGrpSpPr>
@@ -42798,10 +42798,9 @@
           <a:p>
             <a:pPr lvl="2"/>
             <a:r>
-              <a:rPr lang="en-HU"/>
+              <a:rPr lang="en-HU" dirty="0"/>
               <a:t>Raspberry Pi Pico használható erre</a:t>
             </a:r>
-            <a:endParaRPr lang="en-HU" dirty="0"/>
           </a:p>
         </p:txBody>
       </p:sp>

--- a/cansat_debug.pptx
+++ b/cansat_debug.pptx
@@ -41717,8 +41717,13 @@
           <a:p>
             <a:r>
               <a:rPr lang="en-HU" dirty="0"/>
-              <a:t>Mi tud hibát okozni? – Párhuzamos futtatás 3</a:t>
-            </a:r>
+              <a:t>Mi tud hibát okozni? – Párhuzamos </a:t>
+            </a:r>
+            <a:r>
+              <a:rPr lang="en-HU"/>
+              <a:t>futtatás 2</a:t>
+            </a:r>
+            <a:endParaRPr lang="en-HU" dirty="0"/>
           </a:p>
         </p:txBody>
       </p:sp>
